--- a/Lessions/Bai-15-Ultrasonic-Sensor/Bai-15-Ultrasonic-Sensor.pptx
+++ b/Lessions/Bai-15-Ultrasonic-Sensor/Bai-15-Ultrasonic-Sensor.pptx
@@ -5,17 +5,19 @@
     <p:sldMasterId id="2147483660" r:id="rId1"/>
   </p:sldMasterIdLst>
   <p:notesMasterIdLst>
-    <p:notesMasterId r:id="rId10"/>
+    <p:notesMasterId r:id="rId12"/>
   </p:notesMasterIdLst>
   <p:sldIdLst>
     <p:sldId id="256" r:id="rId2"/>
-    <p:sldId id="280" r:id="rId3"/>
-    <p:sldId id="296" r:id="rId4"/>
+    <p:sldId id="296" r:id="rId3"/>
+    <p:sldId id="297" r:id="rId4"/>
     <p:sldId id="290" r:id="rId5"/>
-    <p:sldId id="266" r:id="rId6"/>
-    <p:sldId id="268" r:id="rId7"/>
-    <p:sldId id="287" r:id="rId8"/>
-    <p:sldId id="288" r:id="rId9"/>
+    <p:sldId id="298" r:id="rId6"/>
+    <p:sldId id="266" r:id="rId7"/>
+    <p:sldId id="268" r:id="rId8"/>
+    <p:sldId id="287" r:id="rId9"/>
+    <p:sldId id="299" r:id="rId10"/>
+    <p:sldId id="300" r:id="rId11"/>
   </p:sldIdLst>
   <p:sldSz cx="9144000" cy="6858000" type="screen4x3"/>
   <p:notesSz cx="6858000" cy="9144000"/>
@@ -204,7 +206,7 @@
           <a:p>
             <a:fld id="{E1BDF935-9821-4834-9D99-7DEFA719F44D}" type="datetimeFigureOut">
               <a:rPr lang="en-US" smtClean="0"/>
-              <a:t>5/12/2023</a:t>
+              <a:t>5/26/2023</a:t>
             </a:fld>
             <a:endParaRPr lang="en-US"/>
           </a:p>
@@ -2522,7 +2524,7 @@
                 </a:solidFill>
                 <a:latin typeface="GT Walsheim Bold" panose="00000800000000000000" pitchFamily="2" charset="0"/>
               </a:rPr>
-              <a:t>13</a:t>
+              <a:t>15</a:t>
             </a:r>
             <a:endParaRPr lang="en-US" sz="3600" b="1" dirty="0">
               <a:solidFill>
@@ -2541,8 +2543,8 @@
         </p:nvSpPr>
         <p:spPr>
           <a:xfrm>
-            <a:off x="2604052" y="4179136"/>
-            <a:ext cx="3935896" cy="769441"/>
+            <a:off x="2087218" y="4179136"/>
+            <a:ext cx="4969565" cy="769441"/>
           </a:xfrm>
           <a:prstGeom prst="rect">
             <a:avLst/>
@@ -2564,7 +2566,7 @@
                 <a:latin typeface="GT Walsheim Bold" panose="00000800000000000000" pitchFamily="2" charset="0"/>
                 <a:ea typeface="Roboto" pitchFamily="2" charset="0"/>
               </a:rPr>
-              <a:t>Servor Motor</a:t>
+              <a:t>Ultrasonic Sensor</a:t>
             </a:r>
             <a:endParaRPr lang="en-US" sz="4400" b="1" dirty="0">
               <a:solidFill>
@@ -2580,6 +2582,580 @@
     <p:extLst>
       <p:ext uri="{BB962C8B-B14F-4D97-AF65-F5344CB8AC3E}">
         <p14:creationId xmlns:p14="http://schemas.microsoft.com/office/powerpoint/2010/main" val="2003468224"/>
+      </p:ext>
+    </p:extLst>
+  </p:cSld>
+  <p:clrMapOvr>
+    <a:masterClrMapping/>
+  </p:clrMapOvr>
+</p:sld>
+</file>
+
+<file path=ppt/slides/slide10.xml><?xml version="1.0" encoding="utf-8"?>
+<p:sld xmlns:a="http://schemas.openxmlformats.org/drawingml/2006/main" xmlns:r="http://schemas.openxmlformats.org/officeDocument/2006/relationships" xmlns:p="http://schemas.openxmlformats.org/presentationml/2006/main">
+  <p:cSld>
+    <p:spTree>
+      <p:nvGrpSpPr>
+        <p:cNvPr id="1" name=""/>
+        <p:cNvGrpSpPr/>
+        <p:nvPr/>
+      </p:nvGrpSpPr>
+      <p:grpSpPr>
+        <a:xfrm>
+          <a:off x="0" y="0"/>
+          <a:ext cx="0" cy="0"/>
+          <a:chOff x="0" y="0"/>
+          <a:chExt cx="0" cy="0"/>
+        </a:xfrm>
+      </p:grpSpPr>
+      <p:sp>
+        <p:nvSpPr>
+          <p:cNvPr id="2" name="Slide Number Placeholder 1"/>
+          <p:cNvSpPr>
+            <a:spLocks noGrp="1"/>
+          </p:cNvSpPr>
+          <p:nvPr>
+            <p:ph type="sldNum" sz="quarter" idx="12"/>
+          </p:nvPr>
+        </p:nvSpPr>
+        <p:spPr/>
+        <p:txBody>
+          <a:bodyPr/>
+          <a:lstStyle/>
+          <a:p>
+            <a:fld id="{7D9EC917-02A2-4152-9EE3-DFE2775A77C7}" type="slidenum">
+              <a:rPr lang="en-US" smtClean="0"/>
+              <a:pPr/>
+              <a:t>10</a:t>
+            </a:fld>
+            <a:endParaRPr lang="en-US"/>
+          </a:p>
+        </p:txBody>
+      </p:sp>
+      <p:sp>
+        <p:nvSpPr>
+          <p:cNvPr id="3" name="Rectangle 2"/>
+          <p:cNvSpPr/>
+          <p:nvPr/>
+        </p:nvSpPr>
+        <p:spPr>
+          <a:xfrm>
+            <a:off x="301925" y="1051379"/>
+            <a:ext cx="8454964" cy="27432"/>
+          </a:xfrm>
+          <a:prstGeom prst="rect">
+            <a:avLst/>
+          </a:prstGeom>
+          <a:gradFill flip="none" rotWithShape="1">
+            <a:gsLst>
+              <a:gs pos="15000">
+                <a:srgbClr val="EC5F77"/>
+              </a:gs>
+              <a:gs pos="100000">
+                <a:srgbClr val="A8589E"/>
+              </a:gs>
+            </a:gsLst>
+            <a:lin ang="0" scaled="1"/>
+            <a:tileRect/>
+          </a:gradFill>
+          <a:ln>
+            <a:noFill/>
+          </a:ln>
+        </p:spPr>
+        <p:style>
+          <a:lnRef idx="2">
+            <a:schemeClr val="accent1">
+              <a:shade val="50000"/>
+            </a:schemeClr>
+          </a:lnRef>
+          <a:fillRef idx="1">
+            <a:schemeClr val="accent1"/>
+          </a:fillRef>
+          <a:effectRef idx="0">
+            <a:schemeClr val="accent1"/>
+          </a:effectRef>
+          <a:fontRef idx="minor">
+            <a:schemeClr val="lt1"/>
+          </a:fontRef>
+        </p:style>
+        <p:txBody>
+          <a:bodyPr rtlCol="0" anchor="ctr"/>
+          <a:lstStyle/>
+          <a:p>
+            <a:pPr algn="ctr"/>
+            <a:endParaRPr lang="en-US"/>
+          </a:p>
+        </p:txBody>
+      </p:sp>
+      <p:sp>
+        <p:nvSpPr>
+          <p:cNvPr id="4" name="TextBox 3"/>
+          <p:cNvSpPr txBox="1"/>
+          <p:nvPr/>
+        </p:nvSpPr>
+        <p:spPr>
+          <a:xfrm>
+            <a:off x="248815" y="546584"/>
+            <a:ext cx="7374995" cy="461665"/>
+          </a:xfrm>
+          <a:prstGeom prst="rect">
+            <a:avLst/>
+          </a:prstGeom>
+          <a:noFill/>
+        </p:spPr>
+        <p:txBody>
+          <a:bodyPr wrap="square" rtlCol="0">
+            <a:spAutoFit/>
+          </a:bodyPr>
+          <a:lstStyle/>
+          <a:p>
+            <a:r>
+              <a:rPr lang="en-US" sz="2400" b="1" dirty="0" smtClean="0">
+                <a:solidFill>
+                  <a:srgbClr val="EC5F77"/>
+                </a:solidFill>
+                <a:latin typeface="UTM Helve" panose="02040603050506020204" pitchFamily="18" charset="0"/>
+                <a:ea typeface="Roboto" pitchFamily="2" charset="0"/>
+              </a:rPr>
+              <a:t>13.4 Hoạt </a:t>
+            </a:r>
+            <a:r>
+              <a:rPr lang="en-US" sz="2400" b="1" dirty="0">
+                <a:solidFill>
+                  <a:srgbClr val="EC5F77"/>
+                </a:solidFill>
+                <a:latin typeface="UTM Helve" panose="02040603050506020204" pitchFamily="18" charset="0"/>
+                <a:ea typeface="Roboto" pitchFamily="2" charset="0"/>
+              </a:rPr>
+              <a:t>động học viên</a:t>
+            </a:r>
+          </a:p>
+        </p:txBody>
+      </p:sp>
+      <p:sp>
+        <p:nvSpPr>
+          <p:cNvPr id="5" name="TextBox 4"/>
+          <p:cNvSpPr txBox="1"/>
+          <p:nvPr/>
+        </p:nvSpPr>
+        <p:spPr>
+          <a:xfrm>
+            <a:off x="1098980" y="1272143"/>
+            <a:ext cx="5474097" cy="461665"/>
+          </a:xfrm>
+          <a:prstGeom prst="rect">
+            <a:avLst/>
+          </a:prstGeom>
+          <a:noFill/>
+        </p:spPr>
+        <p:txBody>
+          <a:bodyPr wrap="square" rtlCol="0">
+            <a:spAutoFit/>
+          </a:bodyPr>
+          <a:lstStyle/>
+          <a:p>
+            <a:r>
+              <a:rPr lang="en-US" sz="2400" b="1" dirty="0" smtClean="0">
+                <a:solidFill>
+                  <a:schemeClr val="tx1">
+                    <a:lumMod val="85000"/>
+                    <a:lumOff val="15000"/>
+                  </a:schemeClr>
+                </a:solidFill>
+                <a:latin typeface="UTM Helve" panose="02040603050506020204" pitchFamily="18" charset="0"/>
+                <a:ea typeface="Roboto" pitchFamily="2" charset="0"/>
+              </a:rPr>
+              <a:t>Gợi ý với trường hợp tự động</a:t>
+            </a:r>
+            <a:endParaRPr lang="en-US" sz="2400" b="1" dirty="0">
+              <a:solidFill>
+                <a:schemeClr val="tx1">
+                  <a:lumMod val="85000"/>
+                  <a:lumOff val="15000"/>
+                </a:schemeClr>
+              </a:solidFill>
+              <a:latin typeface="UTM Helve" panose="02040603050506020204" pitchFamily="18" charset="0"/>
+              <a:ea typeface="Roboto" pitchFamily="2" charset="0"/>
+            </a:endParaRPr>
+          </a:p>
+        </p:txBody>
+      </p:sp>
+      <p:pic>
+        <p:nvPicPr>
+          <p:cNvPr id="6" name="Picture 5"/>
+          <p:cNvPicPr>
+            <a:picLocks noChangeAspect="1"/>
+          </p:cNvPicPr>
+          <p:nvPr/>
+        </p:nvPicPr>
+        <p:blipFill>
+          <a:blip r:embed="rId2">
+            <a:extLst>
+              <a:ext uri="{28A0092B-C50C-407E-A947-70E740481C1C}">
+                <a14:useLocalDpi xmlns:a14="http://schemas.microsoft.com/office/drawing/2010/main" val="0"/>
+              </a:ext>
+            </a:extLst>
+          </a:blip>
+          <a:stretch>
+            <a:fillRect/>
+          </a:stretch>
+        </p:blipFill>
+        <p:spPr>
+          <a:xfrm>
+            <a:off x="542728" y="1345100"/>
+            <a:ext cx="466725" cy="409575"/>
+          </a:xfrm>
+          <a:prstGeom prst="rect">
+            <a:avLst/>
+          </a:prstGeom>
+        </p:spPr>
+      </p:pic>
+      <p:sp>
+        <p:nvSpPr>
+          <p:cNvPr id="7" name="Title 1"/>
+          <p:cNvSpPr txBox="1">
+            <a:spLocks/>
+          </p:cNvSpPr>
+          <p:nvPr/>
+        </p:nvSpPr>
+        <p:spPr>
+          <a:xfrm>
+            <a:off x="1098980" y="1927140"/>
+            <a:ext cx="7312402" cy="566450"/>
+          </a:xfrm>
+          <a:prstGeom prst="rect">
+            <a:avLst/>
+          </a:prstGeom>
+        </p:spPr>
+        <p:txBody>
+          <a:bodyPr/>
+          <a:lstStyle>
+            <a:lvl1pPr algn="l" defTabSz="914400" rtl="0" eaLnBrk="1" latinLnBrk="0" hangingPunct="1">
+              <a:lnSpc>
+                <a:spcPct val="90000"/>
+              </a:lnSpc>
+              <a:spcBef>
+                <a:spcPct val="0"/>
+              </a:spcBef>
+              <a:buNone/>
+              <a:defRPr sz="3200" b="1" kern="1200">
+                <a:solidFill>
+                  <a:srgbClr val="019DD0"/>
+                </a:solidFill>
+                <a:latin typeface="Arial" panose="020B0604020202020204" pitchFamily="34" charset="0"/>
+                <a:ea typeface="+mj-ea"/>
+                <a:cs typeface="Arial" panose="020B0604020202020204" pitchFamily="34" charset="0"/>
+              </a:defRPr>
+            </a:lvl1pPr>
+          </a:lstStyle>
+          <a:p>
+            <a:pPr>
+              <a:lnSpc>
+                <a:spcPct val="100000"/>
+              </a:lnSpc>
+            </a:pPr>
+            <a:r>
+              <a:rPr lang="en-US" sz="2000" b="0" dirty="0" smtClean="0">
+                <a:solidFill>
+                  <a:schemeClr val="tx1">
+                    <a:lumMod val="95000"/>
+                    <a:lumOff val="5000"/>
+                  </a:schemeClr>
+                </a:solidFill>
+                <a:ea typeface="Roboto Condensed" pitchFamily="2" charset="0"/>
+              </a:rPr>
+              <a:t>Bạn có thấy sơ đồ được có các vật cản được đánh số không ?</a:t>
+            </a:r>
+          </a:p>
+          <a:p>
+            <a:pPr>
+              <a:lnSpc>
+                <a:spcPct val="100000"/>
+              </a:lnSpc>
+            </a:pPr>
+            <a:r>
+              <a:rPr lang="en-US" sz="2000" b="0" dirty="0" smtClean="0">
+                <a:solidFill>
+                  <a:schemeClr val="tx1">
+                    <a:lumMod val="95000"/>
+                    <a:lumOff val="5000"/>
+                  </a:schemeClr>
+                </a:solidFill>
+                <a:ea typeface="Roboto Condensed" pitchFamily="2" charset="0"/>
+              </a:rPr>
+              <a:t>Mách bạn nha ! Hãy dùng biến.</a:t>
+            </a:r>
+            <a:endParaRPr lang="vi-VN" sz="2000" b="0" dirty="0">
+              <a:solidFill>
+                <a:schemeClr val="tx1">
+                  <a:lumMod val="95000"/>
+                  <a:lumOff val="5000"/>
+                </a:schemeClr>
+              </a:solidFill>
+              <a:ea typeface="Roboto Condensed" pitchFamily="2" charset="0"/>
+            </a:endParaRPr>
+          </a:p>
+        </p:txBody>
+      </p:sp>
+      <p:pic>
+        <p:nvPicPr>
+          <p:cNvPr id="8" name="Picture 7"/>
+          <p:cNvPicPr>
+            <a:picLocks noChangeAspect="1"/>
+          </p:cNvPicPr>
+          <p:nvPr/>
+        </p:nvPicPr>
+        <p:blipFill>
+          <a:blip r:embed="rId3" cstate="print">
+            <a:extLst>
+              <a:ext uri="{28A0092B-C50C-407E-A947-70E740481C1C}">
+                <a14:useLocalDpi xmlns:a14="http://schemas.microsoft.com/office/drawing/2010/main" val="0"/>
+              </a:ext>
+            </a:extLst>
+          </a:blip>
+          <a:stretch>
+            <a:fillRect/>
+          </a:stretch>
+        </p:blipFill>
+        <p:spPr>
+          <a:xfrm rot="19845095">
+            <a:off x="489620" y="1783382"/>
+            <a:ext cx="644227" cy="605477"/>
+          </a:xfrm>
+          <a:prstGeom prst="rect">
+            <a:avLst/>
+          </a:prstGeom>
+        </p:spPr>
+      </p:pic>
+      <p:sp>
+        <p:nvSpPr>
+          <p:cNvPr id="10" name="Title 1"/>
+          <p:cNvSpPr txBox="1">
+            <a:spLocks/>
+          </p:cNvSpPr>
+          <p:nvPr/>
+        </p:nvSpPr>
+        <p:spPr>
+          <a:xfrm>
+            <a:off x="837840" y="3019367"/>
+            <a:ext cx="7573541" cy="797259"/>
+          </a:xfrm>
+          <a:prstGeom prst="rect">
+            <a:avLst/>
+          </a:prstGeom>
+        </p:spPr>
+        <p:txBody>
+          <a:bodyPr/>
+          <a:lstStyle>
+            <a:lvl1pPr algn="l" defTabSz="914400" rtl="0" eaLnBrk="1" latinLnBrk="0" hangingPunct="1">
+              <a:lnSpc>
+                <a:spcPct val="90000"/>
+              </a:lnSpc>
+              <a:spcBef>
+                <a:spcPct val="0"/>
+              </a:spcBef>
+              <a:buNone/>
+              <a:defRPr sz="3200" b="1" kern="1200">
+                <a:solidFill>
+                  <a:srgbClr val="019DD0"/>
+                </a:solidFill>
+                <a:latin typeface="Arial" panose="020B0604020202020204" pitchFamily="34" charset="0"/>
+                <a:ea typeface="+mj-ea"/>
+                <a:cs typeface="Arial" panose="020B0604020202020204" pitchFamily="34" charset="0"/>
+              </a:defRPr>
+            </a:lvl1pPr>
+          </a:lstStyle>
+          <a:p>
+            <a:pPr>
+              <a:lnSpc>
+                <a:spcPct val="100000"/>
+              </a:lnSpc>
+            </a:pPr>
+            <a:r>
+              <a:rPr lang="en-US" sz="2000" b="0" dirty="0" smtClean="0">
+                <a:solidFill>
+                  <a:schemeClr val="tx1">
+                    <a:lumMod val="95000"/>
+                    <a:lumOff val="5000"/>
+                  </a:schemeClr>
+                </a:solidFill>
+                <a:ea typeface="Roboto Condensed" pitchFamily="2" charset="0"/>
+              </a:rPr>
+              <a:t>Lúc đầu biến position = 0. Khi gặp vật cản đầu tiên thì postion thay đổi giá trị = 1. Nếu position = 1 thì cho rẻ Phải</a:t>
+            </a:r>
+            <a:endParaRPr lang="en-US" sz="2000" b="0" dirty="0" smtClean="0">
+              <a:solidFill>
+                <a:schemeClr val="tx1">
+                  <a:lumMod val="95000"/>
+                  <a:lumOff val="5000"/>
+                </a:schemeClr>
+              </a:solidFill>
+              <a:ea typeface="Roboto Condensed" pitchFamily="2" charset="0"/>
+            </a:endParaRPr>
+          </a:p>
+        </p:txBody>
+      </p:sp>
+      <p:sp>
+        <p:nvSpPr>
+          <p:cNvPr id="11" name="Rounded Rectangle 10"/>
+          <p:cNvSpPr/>
+          <p:nvPr/>
+        </p:nvSpPr>
+        <p:spPr>
+          <a:xfrm>
+            <a:off x="675861" y="2900097"/>
+            <a:ext cx="7735520" cy="916529"/>
+          </a:xfrm>
+          <a:prstGeom prst="roundRect">
+            <a:avLst/>
+          </a:prstGeom>
+          <a:noFill/>
+          <a:ln>
+            <a:solidFill>
+              <a:srgbClr val="CD0065"/>
+            </a:solidFill>
+            <a:prstDash val="dash"/>
+          </a:ln>
+        </p:spPr>
+        <p:style>
+          <a:lnRef idx="2">
+            <a:schemeClr val="accent1">
+              <a:shade val="50000"/>
+            </a:schemeClr>
+          </a:lnRef>
+          <a:fillRef idx="1">
+            <a:schemeClr val="accent1"/>
+          </a:fillRef>
+          <a:effectRef idx="0">
+            <a:schemeClr val="accent1"/>
+          </a:effectRef>
+          <a:fontRef idx="minor">
+            <a:schemeClr val="lt1"/>
+          </a:fontRef>
+        </p:style>
+        <p:txBody>
+          <a:bodyPr rtlCol="0" anchor="ctr"/>
+          <a:lstStyle/>
+          <a:p>
+            <a:pPr algn="ctr"/>
+            <a:endParaRPr lang="en-US"/>
+          </a:p>
+        </p:txBody>
+      </p:sp>
+      <p:sp>
+        <p:nvSpPr>
+          <p:cNvPr id="12" name="Title 1"/>
+          <p:cNvSpPr txBox="1">
+            <a:spLocks/>
+          </p:cNvSpPr>
+          <p:nvPr/>
+        </p:nvSpPr>
+        <p:spPr>
+          <a:xfrm>
+            <a:off x="1098980" y="4246270"/>
+            <a:ext cx="7312402" cy="564270"/>
+          </a:xfrm>
+          <a:prstGeom prst="rect">
+            <a:avLst/>
+          </a:prstGeom>
+        </p:spPr>
+        <p:txBody>
+          <a:bodyPr/>
+          <a:lstStyle>
+            <a:lvl1pPr algn="l" defTabSz="914400" rtl="0" eaLnBrk="1" latinLnBrk="0" hangingPunct="1">
+              <a:lnSpc>
+                <a:spcPct val="90000"/>
+              </a:lnSpc>
+              <a:spcBef>
+                <a:spcPct val="0"/>
+              </a:spcBef>
+              <a:buNone/>
+              <a:defRPr sz="3200" b="1" kern="1200">
+                <a:solidFill>
+                  <a:srgbClr val="019DD0"/>
+                </a:solidFill>
+                <a:latin typeface="Arial" panose="020B0604020202020204" pitchFamily="34" charset="0"/>
+                <a:ea typeface="+mj-ea"/>
+                <a:cs typeface="Arial" panose="020B0604020202020204" pitchFamily="34" charset="0"/>
+              </a:defRPr>
+            </a:lvl1pPr>
+          </a:lstStyle>
+          <a:p>
+            <a:pPr>
+              <a:lnSpc>
+                <a:spcPct val="100000"/>
+              </a:lnSpc>
+            </a:pPr>
+            <a:r>
+              <a:rPr lang="en-US" sz="2000" b="0" dirty="0" smtClean="0">
+                <a:solidFill>
+                  <a:schemeClr val="tx1">
+                    <a:lumMod val="95000"/>
+                    <a:lumOff val="5000"/>
+                  </a:schemeClr>
+                </a:solidFill>
+                <a:ea typeface="Roboto Condensed" pitchFamily="2" charset="0"/>
+              </a:rPr>
+              <a:t>Bạn tự biết phải làm gì tiếp theo rồi đúng không ?</a:t>
+            </a:r>
+            <a:endParaRPr lang="vi-VN" sz="2000" b="0" dirty="0">
+              <a:solidFill>
+                <a:schemeClr val="tx1">
+                  <a:lumMod val="95000"/>
+                  <a:lumOff val="5000"/>
+                </a:schemeClr>
+              </a:solidFill>
+              <a:ea typeface="Roboto Condensed" pitchFamily="2" charset="0"/>
+            </a:endParaRPr>
+          </a:p>
+        </p:txBody>
+      </p:sp>
+      <p:sp>
+        <p:nvSpPr>
+          <p:cNvPr id="13" name="TextBox 12"/>
+          <p:cNvSpPr txBox="1"/>
+          <p:nvPr/>
+        </p:nvSpPr>
+        <p:spPr>
+          <a:xfrm>
+            <a:off x="1098980" y="5206003"/>
+            <a:ext cx="5403237" cy="461665"/>
+          </a:xfrm>
+          <a:prstGeom prst="rect">
+            <a:avLst/>
+          </a:prstGeom>
+          <a:noFill/>
+        </p:spPr>
+        <p:txBody>
+          <a:bodyPr wrap="square" rtlCol="0">
+            <a:spAutoFit/>
+          </a:bodyPr>
+          <a:lstStyle/>
+          <a:p>
+            <a:r>
+              <a:rPr lang="en-US" sz="2400" b="1" dirty="0" smtClean="0">
+                <a:solidFill>
+                  <a:srgbClr val="EC5F77"/>
+                </a:solidFill>
+                <a:latin typeface="UTM Helve" panose="02040603050506020204" pitchFamily="18" charset="0"/>
+                <a:ea typeface="Roboto" pitchFamily="2" charset="0"/>
+              </a:rPr>
+              <a:t>Nào ! Giải Cứu Công Chúa Thôi !!!</a:t>
+            </a:r>
+            <a:endParaRPr lang="en-US" sz="2400" b="1" dirty="0">
+              <a:solidFill>
+                <a:srgbClr val="EC5F77"/>
+              </a:solidFill>
+              <a:latin typeface="UTM Helve" panose="02040603050506020204" pitchFamily="18" charset="0"/>
+              <a:ea typeface="Roboto" pitchFamily="2" charset="0"/>
+            </a:endParaRPr>
+          </a:p>
+        </p:txBody>
+      </p:sp>
+    </p:spTree>
+    <p:extLst>
+      <p:ext uri="{BB962C8B-B14F-4D97-AF65-F5344CB8AC3E}">
+        <p14:creationId xmlns:p14="http://schemas.microsoft.com/office/powerpoint/2010/main" val="1656838343"/>
       </p:ext>
     </p:extLst>
   </p:cSld>
@@ -2632,7 +3208,85 @@
       </p:sp>
       <p:sp>
         <p:nvSpPr>
-          <p:cNvPr id="3" name="Rectangle 2"/>
+          <p:cNvPr id="4" name="TextBox 3"/>
+          <p:cNvSpPr txBox="1"/>
+          <p:nvPr/>
+        </p:nvSpPr>
+        <p:spPr>
+          <a:xfrm>
+            <a:off x="1098981" y="1272143"/>
+            <a:ext cx="4612705" cy="461665"/>
+          </a:xfrm>
+          <a:prstGeom prst="rect">
+            <a:avLst/>
+          </a:prstGeom>
+          <a:noFill/>
+        </p:spPr>
+        <p:txBody>
+          <a:bodyPr wrap="square" rtlCol="0">
+            <a:spAutoFit/>
+          </a:bodyPr>
+          <a:lstStyle/>
+          <a:p>
+            <a:r>
+              <a:rPr lang="en-US" sz="2400" b="1" dirty="0" smtClean="0">
+                <a:solidFill>
+                  <a:schemeClr val="tx1">
+                    <a:lumMod val="85000"/>
+                    <a:lumOff val="15000"/>
+                  </a:schemeClr>
+                </a:solidFill>
+                <a:latin typeface="UTM Helve" panose="02040603050506020204" pitchFamily="18" charset="0"/>
+                <a:ea typeface="Roboto" pitchFamily="2" charset="0"/>
+              </a:rPr>
+              <a:t>Ultrasonic Sensor</a:t>
+            </a:r>
+            <a:endParaRPr lang="en-US" sz="2400" b="1" dirty="0">
+              <a:solidFill>
+                <a:schemeClr val="tx1">
+                  <a:lumMod val="85000"/>
+                  <a:lumOff val="15000"/>
+                </a:schemeClr>
+              </a:solidFill>
+              <a:latin typeface="UTM Helve" panose="02040603050506020204" pitchFamily="18" charset="0"/>
+              <a:ea typeface="Roboto" pitchFamily="2" charset="0"/>
+            </a:endParaRPr>
+          </a:p>
+        </p:txBody>
+      </p:sp>
+      <p:pic>
+        <p:nvPicPr>
+          <p:cNvPr id="5" name="Picture 4"/>
+          <p:cNvPicPr>
+            <a:picLocks noChangeAspect="1"/>
+          </p:cNvPicPr>
+          <p:nvPr/>
+        </p:nvPicPr>
+        <p:blipFill>
+          <a:blip r:embed="rId2">
+            <a:extLst>
+              <a:ext uri="{28A0092B-C50C-407E-A947-70E740481C1C}">
+                <a14:useLocalDpi xmlns:a14="http://schemas.microsoft.com/office/drawing/2010/main" val="0"/>
+              </a:ext>
+            </a:extLst>
+          </a:blip>
+          <a:stretch>
+            <a:fillRect/>
+          </a:stretch>
+        </p:blipFill>
+        <p:spPr>
+          <a:xfrm>
+            <a:off x="542728" y="1345100"/>
+            <a:ext cx="466725" cy="409575"/>
+          </a:xfrm>
+          <a:prstGeom prst="rect">
+            <a:avLst/>
+          </a:prstGeom>
+        </p:spPr>
+      </p:pic>
+      <p:sp>
+        <p:nvSpPr>
+          <p:cNvPr id="6" name="Rectangle 5"/>
           <p:cNvSpPr/>
           <p:nvPr/>
         </p:nvSpPr>
@@ -2687,7 +3341,7 @@
       </p:sp>
       <p:sp>
         <p:nvSpPr>
-          <p:cNvPr id="4" name="TextBox 3"/>
+          <p:cNvPr id="7" name="TextBox 6"/>
           <p:cNvSpPr txBox="1"/>
           <p:nvPr/>
         </p:nvSpPr>
@@ -2708,125 +3362,135 @@
           <a:lstStyle/>
           <a:p>
             <a:r>
-              <a:rPr lang="en-US" sz="2400" b="1" dirty="0">
+              <a:rPr lang="en-US" sz="2400" b="1" dirty="0" smtClean="0">
                 <a:solidFill>
                   <a:srgbClr val="EC5F77"/>
                 </a:solidFill>
                 <a:latin typeface="UTM Helve" panose="02040603050506020204" pitchFamily="18" charset="0"/>
                 <a:ea typeface="Roboto" pitchFamily="2" charset="0"/>
               </a:rPr>
-              <a:t>13.1 Giới thiệu</a:t>
-            </a:r>
-            <a:endParaRPr lang="en-US" sz="2400" b="1" dirty="0">
-              <a:solidFill>
-                <a:srgbClr val="EC5F77"/>
-              </a:solidFill>
-              <a:latin typeface="UTM Helve" panose="02040603050506020204" pitchFamily="18" charset="0"/>
-              <a:ea typeface="Roboto" pitchFamily="2" charset="0"/>
-            </a:endParaRPr>
-          </a:p>
-        </p:txBody>
-      </p:sp>
-      <p:sp>
-        <p:nvSpPr>
-          <p:cNvPr id="5" name="TextBox 4"/>
-          <p:cNvSpPr txBox="1"/>
-          <p:nvPr/>
-        </p:nvSpPr>
-        <p:spPr>
-          <a:xfrm>
-            <a:off x="1098981" y="1272143"/>
-            <a:ext cx="4612705" cy="461665"/>
-          </a:xfrm>
-          <a:prstGeom prst="rect">
-            <a:avLst/>
-          </a:prstGeom>
-          <a:noFill/>
-        </p:spPr>
-        <p:txBody>
-          <a:bodyPr wrap="square" rtlCol="0">
-            <a:spAutoFit/>
-          </a:bodyPr>
-          <a:lstStyle/>
-          <a:p>
-            <a:r>
-              <a:rPr lang="en-US" sz="2400" b="1" dirty="0" smtClean="0">
-                <a:solidFill>
-                  <a:schemeClr val="tx1">
-                    <a:lumMod val="85000"/>
-                    <a:lumOff val="15000"/>
-                  </a:schemeClr>
+              <a:t>1</a:t>
+            </a:r>
+            <a:r>
+              <a:rPr lang="vi-VN" sz="2400" b="1" dirty="0" smtClean="0">
+                <a:solidFill>
+                  <a:srgbClr val="EC5F77"/>
                 </a:solidFill>
                 <a:latin typeface="UTM Helve" panose="02040603050506020204" pitchFamily="18" charset="0"/>
                 <a:ea typeface="Roboto" pitchFamily="2" charset="0"/>
               </a:rPr>
-              <a:t>Servo Motor</a:t>
-            </a:r>
-            <a:endParaRPr lang="en-US" sz="2400" b="1" dirty="0">
+              <a:t>5</a:t>
+            </a:r>
+            <a:r>
+              <a:rPr lang="en-US" sz="2400" b="1" dirty="0" smtClean="0">
+                <a:solidFill>
+                  <a:srgbClr val="EC5F77"/>
+                </a:solidFill>
+                <a:latin typeface="UTM Helve" panose="02040603050506020204" pitchFamily="18" charset="0"/>
+                <a:ea typeface="Roboto" pitchFamily="2" charset="0"/>
+              </a:rPr>
+              <a:t>.1 </a:t>
+            </a:r>
+            <a:r>
+              <a:rPr lang="en-US" sz="2400" b="1" dirty="0">
+                <a:solidFill>
+                  <a:srgbClr val="EC5F77"/>
+                </a:solidFill>
+                <a:latin typeface="UTM Helve" panose="02040603050506020204" pitchFamily="18" charset="0"/>
+                <a:ea typeface="Roboto" pitchFamily="2" charset="0"/>
+              </a:rPr>
+              <a:t>Giới thiệu</a:t>
+            </a:r>
+          </a:p>
+        </p:txBody>
+      </p:sp>
+      <p:sp>
+        <p:nvSpPr>
+          <p:cNvPr id="9" name="Title 1"/>
+          <p:cNvSpPr txBox="1">
+            <a:spLocks/>
+          </p:cNvSpPr>
+          <p:nvPr/>
+        </p:nvSpPr>
+        <p:spPr>
+          <a:xfrm>
+            <a:off x="715564" y="1926954"/>
+            <a:ext cx="7898349" cy="829498"/>
+          </a:xfrm>
+          <a:prstGeom prst="rect">
+            <a:avLst/>
+          </a:prstGeom>
+        </p:spPr>
+        <p:txBody>
+          <a:bodyPr/>
+          <a:lstStyle>
+            <a:lvl1pPr algn="l" defTabSz="914400" rtl="0" eaLnBrk="1" latinLnBrk="0" hangingPunct="1">
+              <a:lnSpc>
+                <a:spcPct val="90000"/>
+              </a:lnSpc>
+              <a:spcBef>
+                <a:spcPct val="0"/>
+              </a:spcBef>
+              <a:buNone/>
+              <a:defRPr sz="3200" b="1" kern="1200">
+                <a:solidFill>
+                  <a:srgbClr val="019DD0"/>
+                </a:solidFill>
+                <a:latin typeface="Arial" panose="020B0604020202020204" pitchFamily="34" charset="0"/>
+                <a:ea typeface="+mj-ea"/>
+                <a:cs typeface="Arial" panose="020B0604020202020204" pitchFamily="34" charset="0"/>
+              </a:defRPr>
+            </a:lvl1pPr>
+          </a:lstStyle>
+          <a:p>
+            <a:pPr>
+              <a:lnSpc>
+                <a:spcPct val="100000"/>
+              </a:lnSpc>
+            </a:pPr>
+            <a:r>
+              <a:rPr lang="en-US" sz="2000" b="0" dirty="0" smtClean="0">
+                <a:solidFill>
+                  <a:schemeClr val="tx1">
+                    <a:lumMod val="95000"/>
+                    <a:lumOff val="5000"/>
+                  </a:schemeClr>
+                </a:solidFill>
+                <a:ea typeface="Roboto Condensed" pitchFamily="2" charset="0"/>
+              </a:rPr>
+              <a:t>Là bộ phận cảm biến siêu âm được gắn vào phần đầu của xe robot zoom:bit, nhìn như 2 con mắt nhô ra.</a:t>
+            </a:r>
+            <a:endParaRPr lang="en-US" sz="2000" b="0" dirty="0" smtClean="0">
               <a:solidFill>
                 <a:schemeClr val="tx1">
-                  <a:lumMod val="85000"/>
-                  <a:lumOff val="15000"/>
+                  <a:lumMod val="95000"/>
+                  <a:lumOff val="5000"/>
                 </a:schemeClr>
               </a:solidFill>
-              <a:latin typeface="UTM Helve" panose="02040603050506020204" pitchFamily="18" charset="0"/>
-              <a:ea typeface="Roboto" pitchFamily="2" charset="0"/>
+              <a:ea typeface="Roboto Condensed" pitchFamily="2" charset="0"/>
             </a:endParaRPr>
           </a:p>
         </p:txBody>
       </p:sp>
-      <p:pic>
-        <p:nvPicPr>
-          <p:cNvPr id="6" name="Picture 5"/>
-          <p:cNvPicPr>
-            <a:picLocks noChangeAspect="1"/>
-          </p:cNvPicPr>
-          <p:nvPr/>
-        </p:nvPicPr>
-        <p:blipFill>
-          <a:blip r:embed="rId2">
-            <a:extLst>
-              <a:ext uri="{28A0092B-C50C-407E-A947-70E740481C1C}">
-                <a14:useLocalDpi xmlns:a14="http://schemas.microsoft.com/office/drawing/2010/main" val="0"/>
-              </a:ext>
-            </a:extLst>
-          </a:blip>
-          <a:stretch>
-            <a:fillRect/>
-          </a:stretch>
-        </p:blipFill>
-        <p:spPr>
-          <a:xfrm>
-            <a:off x="542728" y="1345100"/>
-            <a:ext cx="466725" cy="409575"/>
-          </a:xfrm>
-          <a:prstGeom prst="rect">
-            <a:avLst/>
-          </a:prstGeom>
-        </p:spPr>
-      </p:pic>
-      <p:sp>
-        <p:nvSpPr>
-          <p:cNvPr id="9" name="Rounded Rectangle 8"/>
+      <p:sp>
+        <p:nvSpPr>
+          <p:cNvPr id="10" name="Rectangle 9"/>
           <p:cNvSpPr/>
           <p:nvPr/>
         </p:nvSpPr>
         <p:spPr>
           <a:xfrm>
-            <a:off x="542727" y="1907270"/>
-            <a:ext cx="7885656" cy="1008208"/>
-          </a:xfrm>
-          <a:prstGeom prst="roundRect">
-            <a:avLst>
-              <a:gd name="adj" fmla="val 3719"/>
-            </a:avLst>
-          </a:prstGeom>
-          <a:noFill/>
-          <a:ln w="28575">
-            <a:solidFill>
-              <a:srgbClr val="EC5F77"/>
-            </a:solidFill>
-            <a:prstDash val="sysDash"/>
+            <a:off x="542728" y="2028344"/>
+            <a:ext cx="172836" cy="176901"/>
+          </a:xfrm>
+          <a:prstGeom prst="rect">
+            <a:avLst/>
+          </a:prstGeom>
+          <a:solidFill>
+            <a:srgbClr val="EC5F77"/>
+          </a:solidFill>
+          <a:ln>
+            <a:noFill/>
           </a:ln>
         </p:spPr>
         <p:style>
@@ -2854,9 +3518,33 @@
           </a:p>
         </p:txBody>
       </p:sp>
-      <p:sp>
-        <p:nvSpPr>
-          <p:cNvPr id="10" name="Title 1"/>
+      <p:pic>
+        <p:nvPicPr>
+          <p:cNvPr id="13" name="Picture 12"/>
+          <p:cNvPicPr>
+            <a:picLocks noChangeAspect="1"/>
+          </p:cNvPicPr>
+          <p:nvPr/>
+        </p:nvPicPr>
+        <p:blipFill>
+          <a:blip r:embed="rId3"/>
+          <a:stretch>
+            <a:fillRect/>
+          </a:stretch>
+        </p:blipFill>
+        <p:spPr>
+          <a:xfrm>
+            <a:off x="1009453" y="3720249"/>
+            <a:ext cx="7238032" cy="2541253"/>
+          </a:xfrm>
+          <a:prstGeom prst="rect">
+            <a:avLst/>
+          </a:prstGeom>
+        </p:spPr>
+      </p:pic>
+      <p:sp>
+        <p:nvSpPr>
+          <p:cNvPr id="14" name="Title 1"/>
           <p:cNvSpPr txBox="1">
             <a:spLocks/>
           </p:cNvSpPr>
@@ -2864,8 +3552,8 @@
         </p:nvSpPr>
         <p:spPr>
           <a:xfrm>
-            <a:off x="630575" y="2020964"/>
-            <a:ext cx="7519511" cy="853825"/>
+            <a:off x="715564" y="2748589"/>
+            <a:ext cx="7898349" cy="918651"/>
           </a:xfrm>
           <a:prstGeom prst="rect">
             <a:avLst/>
@@ -2899,7 +3587,7 @@
               </a:lnSpc>
             </a:pPr>
             <a:r>
-              <a:rPr lang="en-US" sz="2000" dirty="0" smtClean="0">
+              <a:rPr lang="en-US" sz="2000" b="0" dirty="0" smtClean="0">
                 <a:solidFill>
                   <a:schemeClr val="tx1">
                     <a:lumMod val="95000"/>
@@ -2908,19 +3596,7 @@
                 </a:solidFill>
                 <a:ea typeface="Roboto Condensed" pitchFamily="2" charset="0"/>
               </a:rPr>
-              <a:t>Servo Motor </a:t>
-            </a:r>
-            <a:r>
-              <a:rPr lang="en-US" sz="2000" b="0" dirty="0" smtClean="0">
-                <a:solidFill>
-                  <a:schemeClr val="tx1">
-                    <a:lumMod val="95000"/>
-                    <a:lumOff val="5000"/>
-                  </a:schemeClr>
-                </a:solidFill>
-                <a:ea typeface="Roboto Condensed" pitchFamily="2" charset="0"/>
-              </a:rPr>
-              <a:t> là phần động cơ được gắn dưới đầu xe robot zoom:bit. Bạn có thể xoay đầu 180 độ với động cơ này.</a:t>
+              <a:t>Cảm biến siêu âm được kết nối với bo mạch reka:bit và chúng ta có thể sử dụng micro:bit để tiếp cận giá trị mà cảm biến này thu nhận được.</a:t>
             </a:r>
             <a:endParaRPr lang="en-US" sz="2000" b="0" dirty="0" smtClean="0">
               <a:solidFill>
@@ -2934,58 +3610,148 @@
           </a:p>
         </p:txBody>
       </p:sp>
-      <p:pic>
-        <p:nvPicPr>
-          <p:cNvPr id="7" name="Picture 6"/>
-          <p:cNvPicPr>
-            <a:picLocks noChangeAspect="1"/>
-          </p:cNvPicPr>
-          <p:nvPr/>
-        </p:nvPicPr>
-        <p:blipFill>
-          <a:blip r:embed="rId3"/>
-          <a:stretch>
-            <a:fillRect/>
-          </a:stretch>
-        </p:blipFill>
-        <p:spPr>
-          <a:xfrm>
-            <a:off x="5351590" y="3743937"/>
-            <a:ext cx="2152950" cy="2219635"/>
-          </a:xfrm>
-          <a:prstGeom prst="rect">
-            <a:avLst/>
-          </a:prstGeom>
-        </p:spPr>
-      </p:pic>
-      <p:pic>
-        <p:nvPicPr>
-          <p:cNvPr id="11" name="Picture 10"/>
-          <p:cNvPicPr>
-            <a:picLocks noChangeAspect="1"/>
-          </p:cNvPicPr>
-          <p:nvPr/>
-        </p:nvPicPr>
-        <p:blipFill>
-          <a:blip r:embed="rId4"/>
-          <a:stretch>
-            <a:fillRect/>
-          </a:stretch>
-        </p:blipFill>
-        <p:spPr>
-          <a:xfrm>
-            <a:off x="1606642" y="3759517"/>
-            <a:ext cx="2819432" cy="2204055"/>
-          </a:xfrm>
-          <a:prstGeom prst="rect">
-            <a:avLst/>
-          </a:prstGeom>
-        </p:spPr>
-      </p:pic>
+      <p:sp>
+        <p:nvSpPr>
+          <p:cNvPr id="15" name="Rectangle 14"/>
+          <p:cNvSpPr/>
+          <p:nvPr/>
+        </p:nvSpPr>
+        <p:spPr>
+          <a:xfrm>
+            <a:off x="542728" y="2876484"/>
+            <a:ext cx="172836" cy="176901"/>
+          </a:xfrm>
+          <a:prstGeom prst="rect">
+            <a:avLst/>
+          </a:prstGeom>
+          <a:solidFill>
+            <a:srgbClr val="EC5F77"/>
+          </a:solidFill>
+          <a:ln>
+            <a:noFill/>
+          </a:ln>
+        </p:spPr>
+        <p:style>
+          <a:lnRef idx="2">
+            <a:schemeClr val="accent1">
+              <a:shade val="50000"/>
+            </a:schemeClr>
+          </a:lnRef>
+          <a:fillRef idx="1">
+            <a:schemeClr val="accent1"/>
+          </a:fillRef>
+          <a:effectRef idx="0">
+            <a:schemeClr val="accent1"/>
+          </a:effectRef>
+          <a:fontRef idx="minor">
+            <a:schemeClr val="lt1"/>
+          </a:fontRef>
+        </p:style>
+        <p:txBody>
+          <a:bodyPr rtlCol="0" anchor="ctr"/>
+          <a:lstStyle/>
+          <a:p>
+            <a:pPr algn="ctr"/>
+            <a:endParaRPr lang="en-US"/>
+          </a:p>
+        </p:txBody>
+      </p:sp>
+      <p:sp>
+        <p:nvSpPr>
+          <p:cNvPr id="16" name="TextBox 15"/>
+          <p:cNvSpPr txBox="1"/>
+          <p:nvPr/>
+        </p:nvSpPr>
+        <p:spPr>
+          <a:xfrm>
+            <a:off x="3541282" y="6208494"/>
+            <a:ext cx="1976249" cy="338554"/>
+          </a:xfrm>
+          <a:prstGeom prst="rect">
+            <a:avLst/>
+          </a:prstGeom>
+          <a:noFill/>
+        </p:spPr>
+        <p:txBody>
+          <a:bodyPr wrap="square" rtlCol="0">
+            <a:spAutoFit/>
+          </a:bodyPr>
+          <a:lstStyle/>
+          <a:p>
+            <a:r>
+              <a:rPr lang="vi-VN" sz="1600" i="1" dirty="0" smtClean="0">
+                <a:solidFill>
+                  <a:schemeClr val="tx1">
+                    <a:lumMod val="85000"/>
+                    <a:lumOff val="15000"/>
+                  </a:schemeClr>
+                </a:solidFill>
+                <a:ea typeface="Roboto" pitchFamily="2" charset="0"/>
+              </a:rPr>
+              <a:t>Cảm biến siêu âm</a:t>
+            </a:r>
+            <a:endParaRPr lang="en-US" sz="1600" i="1" dirty="0">
+              <a:solidFill>
+                <a:schemeClr val="tx1">
+                  <a:lumMod val="85000"/>
+                  <a:lumOff val="15000"/>
+                </a:schemeClr>
+              </a:solidFill>
+              <a:ea typeface="Roboto" pitchFamily="2" charset="0"/>
+            </a:endParaRPr>
+          </a:p>
+        </p:txBody>
+      </p:sp>
+      <p:sp>
+        <p:nvSpPr>
+          <p:cNvPr id="17" name="TextBox 16"/>
+          <p:cNvSpPr txBox="1"/>
+          <p:nvPr/>
+        </p:nvSpPr>
+        <p:spPr>
+          <a:xfrm>
+            <a:off x="5542360" y="6208494"/>
+            <a:ext cx="3071553" cy="338554"/>
+          </a:xfrm>
+          <a:prstGeom prst="rect">
+            <a:avLst/>
+          </a:prstGeom>
+          <a:noFill/>
+        </p:spPr>
+        <p:txBody>
+          <a:bodyPr wrap="square" rtlCol="0">
+            <a:spAutoFit/>
+          </a:bodyPr>
+          <a:lstStyle/>
+          <a:p>
+            <a:r>
+              <a:rPr lang="vi-VN" sz="1600" i="1" dirty="0" smtClean="0">
+                <a:solidFill>
+                  <a:schemeClr val="tx1">
+                    <a:lumMod val="85000"/>
+                    <a:lumOff val="15000"/>
+                  </a:schemeClr>
+                </a:solidFill>
+                <a:ea typeface="Roboto" pitchFamily="2" charset="0"/>
+              </a:rPr>
+              <a:t>Gắn vào đầu như là 2 con mắt</a:t>
+            </a:r>
+            <a:endParaRPr lang="en-US" sz="1600" i="1" dirty="0">
+              <a:solidFill>
+                <a:schemeClr val="tx1">
+                  <a:lumMod val="85000"/>
+                  <a:lumOff val="15000"/>
+                </a:schemeClr>
+              </a:solidFill>
+              <a:ea typeface="Roboto" pitchFamily="2" charset="0"/>
+            </a:endParaRPr>
+          </a:p>
+        </p:txBody>
+      </p:sp>
     </p:spTree>
     <p:extLst>
       <p:ext uri="{BB962C8B-B14F-4D97-AF65-F5344CB8AC3E}">
-        <p14:creationId xmlns:p14="http://schemas.microsoft.com/office/powerpoint/2010/main" val="3988333809"/>
+        <p14:creationId xmlns:p14="http://schemas.microsoft.com/office/powerpoint/2010/main" val="2169177858"/>
       </p:ext>
     </p:extLst>
   </p:cSld>
@@ -3036,47 +3802,6 @@
           </a:p>
         </p:txBody>
       </p:sp>
-      <p:pic>
-        <p:nvPicPr>
-          <p:cNvPr id="3" name="Picture 2" descr="https://lh4.googleusercontent.com/B8iK616IoMyM1-dYYg3KojC0XeK26t2L7r05aGVzwga2bgLJXtMiaE7gp5cWFhSaU1gqAw2yOk_h2U2zNUgaIaLovftCik3HiBWvXqkCer8NSX9F04jL2ParUqiu00NM_g=w1280"/>
-          <p:cNvPicPr>
-            <a:picLocks noChangeAspect="1" noChangeArrowheads="1"/>
-          </p:cNvPicPr>
-          <p:nvPr/>
-        </p:nvPicPr>
-        <p:blipFill>
-          <a:blip r:embed="rId2" cstate="print">
-            <a:extLst>
-              <a:ext uri="{28A0092B-C50C-407E-A947-70E740481C1C}">
-                <a14:useLocalDpi xmlns:a14="http://schemas.microsoft.com/office/drawing/2010/main" val="0"/>
-              </a:ext>
-            </a:extLst>
-          </a:blip>
-          <a:srcRect/>
-          <a:stretch>
-            <a:fillRect/>
-          </a:stretch>
-        </p:blipFill>
-        <p:spPr bwMode="auto">
-          <a:xfrm>
-            <a:off x="5305387" y="3333302"/>
-            <a:ext cx="3308526" cy="3308526"/>
-          </a:xfrm>
-          <a:prstGeom prst="rect">
-            <a:avLst/>
-          </a:prstGeom>
-          <a:noFill/>
-          <a:extLst>
-            <a:ext uri="{909E8E84-426E-40DD-AFC4-6F175D3DCCD1}">
-              <a14:hiddenFill xmlns:a14="http://schemas.microsoft.com/office/drawing/2010/main">
-                <a:solidFill>
-                  <a:srgbClr val="FFFFFF"/>
-                </a:solidFill>
-              </a14:hiddenFill>
-            </a:ext>
-          </a:extLst>
-        </p:spPr>
-      </p:pic>
       <p:sp>
         <p:nvSpPr>
           <p:cNvPr id="4" name="TextBox 3"/>
@@ -3107,10 +3832,10 @@
                     <a:lumOff val="15000"/>
                   </a:schemeClr>
                 </a:solidFill>
-                <a:latin typeface="UTM Helve" panose="02040603050506020204" pitchFamily="18" charset="0"/>
+                <a:latin typeface="+mj-lt"/>
                 <a:ea typeface="Roboto" pitchFamily="2" charset="0"/>
               </a:rPr>
-              <a:t>Servo Motor</a:t>
+              <a:t>Ultrasonic Sensor</a:t>
             </a:r>
             <a:endParaRPr lang="en-US" sz="2400" b="1" dirty="0">
               <a:solidFill>
@@ -3119,7 +3844,7 @@
                   <a:lumOff val="15000"/>
                 </a:schemeClr>
               </a:solidFill>
-              <a:latin typeface="UTM Helve" panose="02040603050506020204" pitchFamily="18" charset="0"/>
+              <a:latin typeface="+mj-lt"/>
               <a:ea typeface="Roboto" pitchFamily="2" charset="0"/>
             </a:endParaRPr>
           </a:p>
@@ -3134,7 +3859,7 @@
           <p:nvPr/>
         </p:nvPicPr>
         <p:blipFill>
-          <a:blip r:embed="rId3">
+          <a:blip r:embed="rId2">
             <a:extLst>
               <a:ext uri="{28A0092B-C50C-407E-A947-70E740481C1C}">
                 <a14:useLocalDpi xmlns:a14="http://schemas.microsoft.com/office/drawing/2010/main" val="0"/>
@@ -3233,49 +3958,48 @@
           <a:lstStyle/>
           <a:p>
             <a:r>
-              <a:rPr lang="en-US" sz="2400" b="1" dirty="0">
+              <a:rPr lang="en-US" sz="2400" b="1" dirty="0" smtClean="0">
                 <a:solidFill>
                   <a:srgbClr val="EC5F77"/>
                 </a:solidFill>
                 <a:latin typeface="UTM Helve" panose="02040603050506020204" pitchFamily="18" charset="0"/>
                 <a:ea typeface="Roboto" pitchFamily="2" charset="0"/>
               </a:rPr>
-              <a:t>13.1 Giới thiệu</a:t>
-            </a:r>
-            <a:endParaRPr lang="en-US" sz="2400" b="1" dirty="0">
-              <a:solidFill>
-                <a:srgbClr val="EC5F77"/>
-              </a:solidFill>
-              <a:latin typeface="UTM Helve" panose="02040603050506020204" pitchFamily="18" charset="0"/>
-              <a:ea typeface="Roboto" pitchFamily="2" charset="0"/>
-            </a:endParaRPr>
-          </a:p>
-        </p:txBody>
-      </p:sp>
-      <p:pic>
-        <p:nvPicPr>
-          <p:cNvPr id="8" name="Picture 7"/>
-          <p:cNvPicPr>
-            <a:picLocks noChangeAspect="1"/>
-          </p:cNvPicPr>
-          <p:nvPr/>
-        </p:nvPicPr>
-        <p:blipFill>
-          <a:blip r:embed="rId4"/>
-          <a:stretch>
-            <a:fillRect/>
-          </a:stretch>
-        </p:blipFill>
-        <p:spPr>
-          <a:xfrm>
-            <a:off x="542728" y="3333302"/>
-            <a:ext cx="4777157" cy="3060183"/>
-          </a:xfrm>
-          <a:prstGeom prst="rect">
-            <a:avLst/>
-          </a:prstGeom>
-        </p:spPr>
-      </p:pic>
+              <a:t>1</a:t>
+            </a:r>
+            <a:r>
+              <a:rPr lang="vi-VN" sz="2400" b="1" dirty="0" smtClean="0">
+                <a:solidFill>
+                  <a:srgbClr val="EC5F77"/>
+                </a:solidFill>
+                <a:latin typeface="UTM Helve" panose="02040603050506020204" pitchFamily="18" charset="0"/>
+                <a:ea typeface="Roboto" pitchFamily="2" charset="0"/>
+              </a:rPr>
+              <a:t>5</a:t>
+            </a:r>
+            <a:r>
+              <a:rPr lang="en-US" sz="2400" b="1" dirty="0" smtClean="0">
+                <a:solidFill>
+                  <a:srgbClr val="EC5F77"/>
+                </a:solidFill>
+                <a:latin typeface="UTM Helve" panose="02040603050506020204" pitchFamily="18" charset="0"/>
+                <a:ea typeface="Roboto" pitchFamily="2" charset="0"/>
+              </a:rPr>
+              <a:t>.1 </a:t>
+            </a:r>
+            <a:r>
+              <a:rPr lang="en-US" sz="2400" b="1" dirty="0">
+                <a:solidFill>
+                  <a:srgbClr val="EC5F77"/>
+                </a:solidFill>
+                <a:latin typeface="UTM Helve" panose="02040603050506020204" pitchFamily="18" charset="0"/>
+                <a:ea typeface="Roboto" pitchFamily="2" charset="0"/>
+              </a:rPr>
+              <a:t>Giới thiệu</a:t>
+            </a:r>
+          </a:p>
+        </p:txBody>
+      </p:sp>
       <p:sp>
         <p:nvSpPr>
           <p:cNvPr id="9" name="Title 1"/>
@@ -3286,8 +4010,8 @@
         </p:nvSpPr>
         <p:spPr>
           <a:xfrm>
-            <a:off x="715564" y="1887198"/>
-            <a:ext cx="7898349" cy="458437"/>
+            <a:off x="715564" y="1926954"/>
+            <a:ext cx="7898349" cy="829498"/>
           </a:xfrm>
           <a:prstGeom prst="rect">
             <a:avLst/>
@@ -3321,7 +4045,7 @@
               </a:lnSpc>
             </a:pPr>
             <a:r>
-              <a:rPr lang="en-US" sz="2000" b="0" dirty="0" smtClean="0">
+              <a:rPr lang="vi-VN" sz="2000" b="0" dirty="0" smtClean="0">
                 <a:solidFill>
                   <a:schemeClr val="tx1">
                     <a:lumMod val="95000"/>
@@ -3330,7 +4054,7 @@
                 </a:solidFill>
                 <a:ea typeface="Roboto Condensed" pitchFamily="2" charset="0"/>
               </a:rPr>
-              <a:t>Bạn có thể cho đầu xoay trái, phải, hoặc nhìn phía trước</a:t>
+              <a:t>Cảm biến siêu âm phát ra sóng siêu âm, và nó có thể đo được khoảng cách từ nó đến vật cản là bao nhiêu</a:t>
             </a:r>
             <a:endParaRPr lang="en-US" sz="2000" b="0" dirty="0" smtClean="0">
               <a:solidFill>
@@ -3392,7 +4116,7 @@
       </p:sp>
       <p:sp>
         <p:nvSpPr>
-          <p:cNvPr id="11" name="Title 1"/>
+          <p:cNvPr id="14" name="Title 1"/>
           <p:cNvSpPr txBox="1">
             <a:spLocks/>
           </p:cNvSpPr>
@@ -3400,8 +4124,8 @@
         </p:nvSpPr>
         <p:spPr>
           <a:xfrm>
-            <a:off x="715564" y="2364277"/>
-            <a:ext cx="7898349" cy="969025"/>
+            <a:off x="715564" y="2748590"/>
+            <a:ext cx="7898349" cy="814490"/>
           </a:xfrm>
           <a:prstGeom prst="rect">
             <a:avLst/>
@@ -3435,7 +4159,7 @@
               </a:lnSpc>
             </a:pPr>
             <a:r>
-              <a:rPr lang="en-US" sz="2000" b="0" dirty="0" smtClean="0">
+              <a:rPr lang="vi-VN" sz="2000" b="0" dirty="0" smtClean="0">
                 <a:solidFill>
                   <a:schemeClr val="tx1">
                     <a:lumMod val="95000"/>
@@ -3444,7 +4168,7 @@
                 </a:solidFill>
                 <a:ea typeface="Roboto Condensed" pitchFamily="2" charset="0"/>
               </a:rPr>
-              <a:t>Dưới đây là cách tính gốc độ lấy theo hướng logo miro:bit quay ra trước. Nhưng khi gắn micro:bit lên xe thì logo quay ra sau. Do vậy bạn làm ngược lại để có hướng quay đúng.</a:t>
+              <a:t>Dựa vào khoảng cách đo được, chúng ta có thể lập trình cho xe dừng lại, chạy lùi hoặc rẻ nếu muốn.</a:t>
             </a:r>
             <a:endParaRPr lang="en-US" sz="2000" b="0" dirty="0" smtClean="0">
               <a:solidFill>
@@ -3460,13 +4184,13 @@
       </p:sp>
       <p:sp>
         <p:nvSpPr>
-          <p:cNvPr id="12" name="Rectangle 11"/>
+          <p:cNvPr id="15" name="Rectangle 14"/>
           <p:cNvSpPr/>
           <p:nvPr/>
         </p:nvSpPr>
         <p:spPr>
           <a:xfrm>
-            <a:off x="542728" y="2505423"/>
+            <a:off x="542728" y="2876484"/>
             <a:ext cx="172836" cy="176901"/>
           </a:xfrm>
           <a:prstGeom prst="rect">
@@ -3504,10 +4228,713 @@
           </a:p>
         </p:txBody>
       </p:sp>
+      <p:grpSp>
+        <p:nvGrpSpPr>
+          <p:cNvPr id="12" name="Group 11"/>
+          <p:cNvGrpSpPr/>
+          <p:nvPr/>
+        </p:nvGrpSpPr>
+        <p:grpSpPr>
+          <a:xfrm>
+            <a:off x="542728" y="3472675"/>
+            <a:ext cx="5833112" cy="2878841"/>
+            <a:chOff x="963898" y="3604595"/>
+            <a:chExt cx="5833112" cy="2878841"/>
+          </a:xfrm>
+        </p:grpSpPr>
+        <p:pic>
+          <p:nvPicPr>
+            <p:cNvPr id="1026" name="Picture 2" descr="Differences Between Newer and Earlier Versions of Ultrasonic Sensor HC-SR04P"/>
+            <p:cNvPicPr>
+              <a:picLocks noChangeAspect="1" noChangeArrowheads="1"/>
+            </p:cNvPicPr>
+            <p:nvPr/>
+          </p:nvPicPr>
+          <p:blipFill rotWithShape="1">
+            <a:blip r:embed="rId3" cstate="print">
+              <a:extLst>
+                <a:ext uri="{28A0092B-C50C-407E-A947-70E740481C1C}">
+                  <a14:useLocalDpi xmlns:a14="http://schemas.microsoft.com/office/drawing/2010/main" val="0"/>
+                </a:ext>
+              </a:extLst>
+            </a:blip>
+            <a:srcRect t="25739" b="14435"/>
+            <a:stretch/>
+          </p:blipFill>
+          <p:spPr bwMode="auto">
+            <a:xfrm rot="5400000">
+              <a:off x="627916" y="4331568"/>
+              <a:ext cx="2345130" cy="1403000"/>
+            </a:xfrm>
+            <a:prstGeom prst="rect">
+              <a:avLst/>
+            </a:prstGeom>
+            <a:noFill/>
+            <a:extLst>
+              <a:ext uri="{909E8E84-426E-40DD-AFC4-6F175D3DCCD1}">
+                <a14:hiddenFill xmlns:a14="http://schemas.microsoft.com/office/drawing/2010/main">
+                  <a:solidFill>
+                    <a:srgbClr val="FFFFFF"/>
+                  </a:solidFill>
+                </a14:hiddenFill>
+              </a:ext>
+            </a:extLst>
+          </p:spPr>
+        </p:pic>
+        <p:sp>
+          <p:nvSpPr>
+            <p:cNvPr id="3" name="Rectangle 2"/>
+            <p:cNvSpPr/>
+            <p:nvPr/>
+          </p:nvSpPr>
+          <p:spPr>
+            <a:xfrm>
+              <a:off x="5247397" y="3604595"/>
+              <a:ext cx="304800" cy="2601038"/>
+            </a:xfrm>
+            <a:prstGeom prst="rect">
+              <a:avLst/>
+            </a:prstGeom>
+          </p:spPr>
+          <p:style>
+            <a:lnRef idx="2">
+              <a:schemeClr val="accent1">
+                <a:shade val="50000"/>
+              </a:schemeClr>
+            </a:lnRef>
+            <a:fillRef idx="1">
+              <a:schemeClr val="accent1"/>
+            </a:fillRef>
+            <a:effectRef idx="0">
+              <a:schemeClr val="accent1"/>
+            </a:effectRef>
+            <a:fontRef idx="minor">
+              <a:schemeClr val="lt1"/>
+            </a:fontRef>
+          </p:style>
+          <p:txBody>
+            <a:bodyPr rtlCol="0" anchor="ctr"/>
+            <a:lstStyle/>
+            <a:p>
+              <a:pPr algn="ctr"/>
+              <a:endParaRPr lang="en-US"/>
+            </a:p>
+          </p:txBody>
+        </p:sp>
+        <p:sp>
+          <p:nvSpPr>
+            <p:cNvPr id="8" name="Arc 7"/>
+            <p:cNvSpPr/>
+            <p:nvPr/>
+          </p:nvSpPr>
+          <p:spPr>
+            <a:xfrm>
+              <a:off x="3608319" y="4015409"/>
+              <a:ext cx="1018177" cy="1018177"/>
+            </a:xfrm>
+            <a:prstGeom prst="arc">
+              <a:avLst>
+                <a:gd name="adj1" fmla="val 17149958"/>
+                <a:gd name="adj2" fmla="val 4513080"/>
+              </a:avLst>
+            </a:prstGeom>
+          </p:spPr>
+          <p:style>
+            <a:lnRef idx="1">
+              <a:schemeClr val="accent1"/>
+            </a:lnRef>
+            <a:fillRef idx="0">
+              <a:schemeClr val="accent1"/>
+            </a:fillRef>
+            <a:effectRef idx="0">
+              <a:schemeClr val="accent1"/>
+            </a:effectRef>
+            <a:fontRef idx="minor">
+              <a:schemeClr val="tx1"/>
+            </a:fontRef>
+          </p:style>
+          <p:txBody>
+            <a:bodyPr rtlCol="0" anchor="ctr"/>
+            <a:lstStyle/>
+            <a:p>
+              <a:pPr algn="ctr"/>
+              <a:endParaRPr lang="en-US"/>
+            </a:p>
+          </p:txBody>
+        </p:sp>
+        <p:sp>
+          <p:nvSpPr>
+            <p:cNvPr id="16" name="Arc 15"/>
+            <p:cNvSpPr/>
+            <p:nvPr/>
+          </p:nvSpPr>
+          <p:spPr>
+            <a:xfrm>
+              <a:off x="3008152" y="4008954"/>
+              <a:ext cx="959841" cy="959841"/>
+            </a:xfrm>
+            <a:prstGeom prst="arc">
+              <a:avLst>
+                <a:gd name="adj1" fmla="val 17149958"/>
+                <a:gd name="adj2" fmla="val 4513080"/>
+              </a:avLst>
+            </a:prstGeom>
+          </p:spPr>
+          <p:style>
+            <a:lnRef idx="1">
+              <a:schemeClr val="accent1"/>
+            </a:lnRef>
+            <a:fillRef idx="0">
+              <a:schemeClr val="accent1"/>
+            </a:fillRef>
+            <a:effectRef idx="0">
+              <a:schemeClr val="accent1"/>
+            </a:effectRef>
+            <a:fontRef idx="minor">
+              <a:schemeClr val="tx1"/>
+            </a:fontRef>
+          </p:style>
+          <p:txBody>
+            <a:bodyPr rtlCol="0" anchor="ctr"/>
+            <a:lstStyle/>
+            <a:p>
+              <a:pPr algn="ctr"/>
+              <a:endParaRPr lang="en-US"/>
+            </a:p>
+          </p:txBody>
+        </p:sp>
+        <p:sp>
+          <p:nvSpPr>
+            <p:cNvPr id="17" name="Arc 16"/>
+            <p:cNvSpPr/>
+            <p:nvPr/>
+          </p:nvSpPr>
+          <p:spPr>
+            <a:xfrm>
+              <a:off x="2757008" y="4151055"/>
+              <a:ext cx="675638" cy="675638"/>
+            </a:xfrm>
+            <a:prstGeom prst="arc">
+              <a:avLst>
+                <a:gd name="adj1" fmla="val 17149958"/>
+                <a:gd name="adj2" fmla="val 4513080"/>
+              </a:avLst>
+            </a:prstGeom>
+          </p:spPr>
+          <p:style>
+            <a:lnRef idx="1">
+              <a:schemeClr val="accent1"/>
+            </a:lnRef>
+            <a:fillRef idx="0">
+              <a:schemeClr val="accent1"/>
+            </a:fillRef>
+            <a:effectRef idx="0">
+              <a:schemeClr val="accent1"/>
+            </a:effectRef>
+            <a:fontRef idx="minor">
+              <a:schemeClr val="tx1"/>
+            </a:fontRef>
+          </p:style>
+          <p:txBody>
+            <a:bodyPr rtlCol="0" anchor="ctr"/>
+            <a:lstStyle/>
+            <a:p>
+              <a:pPr algn="ctr"/>
+              <a:endParaRPr lang="en-US"/>
+            </a:p>
+          </p:txBody>
+        </p:sp>
+        <p:sp>
+          <p:nvSpPr>
+            <p:cNvPr id="18" name="Arc 17"/>
+            <p:cNvSpPr/>
+            <p:nvPr/>
+          </p:nvSpPr>
+          <p:spPr>
+            <a:xfrm>
+              <a:off x="2501981" y="4277366"/>
+              <a:ext cx="423016" cy="423015"/>
+            </a:xfrm>
+            <a:prstGeom prst="arc">
+              <a:avLst>
+                <a:gd name="adj1" fmla="val 17149958"/>
+                <a:gd name="adj2" fmla="val 4513080"/>
+              </a:avLst>
+            </a:prstGeom>
+          </p:spPr>
+          <p:style>
+            <a:lnRef idx="1">
+              <a:schemeClr val="accent1"/>
+            </a:lnRef>
+            <a:fillRef idx="0">
+              <a:schemeClr val="accent1"/>
+            </a:fillRef>
+            <a:effectRef idx="0">
+              <a:schemeClr val="accent1"/>
+            </a:effectRef>
+            <a:fontRef idx="minor">
+              <a:schemeClr val="tx1"/>
+            </a:fontRef>
+          </p:style>
+          <p:txBody>
+            <a:bodyPr rtlCol="0" anchor="ctr"/>
+            <a:lstStyle/>
+            <a:p>
+              <a:pPr algn="ctr"/>
+              <a:endParaRPr lang="en-US"/>
+            </a:p>
+          </p:txBody>
+        </p:sp>
+        <p:sp>
+          <p:nvSpPr>
+            <p:cNvPr id="19" name="Arc 18"/>
+            <p:cNvSpPr/>
+            <p:nvPr/>
+          </p:nvSpPr>
+          <p:spPr>
+            <a:xfrm>
+              <a:off x="3648429" y="3689391"/>
+              <a:ext cx="1598968" cy="1598968"/>
+            </a:xfrm>
+            <a:prstGeom prst="arc">
+              <a:avLst>
+                <a:gd name="adj1" fmla="val 17149958"/>
+                <a:gd name="adj2" fmla="val 4513080"/>
+              </a:avLst>
+            </a:prstGeom>
+          </p:spPr>
+          <p:style>
+            <a:lnRef idx="1">
+              <a:schemeClr val="accent1"/>
+            </a:lnRef>
+            <a:fillRef idx="0">
+              <a:schemeClr val="accent1"/>
+            </a:fillRef>
+            <a:effectRef idx="0">
+              <a:schemeClr val="accent1"/>
+            </a:effectRef>
+            <a:fontRef idx="minor">
+              <a:schemeClr val="tx1"/>
+            </a:fontRef>
+          </p:style>
+          <p:txBody>
+            <a:bodyPr rtlCol="0" anchor="ctr"/>
+            <a:lstStyle/>
+            <a:p>
+              <a:pPr algn="ctr"/>
+              <a:endParaRPr lang="en-US"/>
+            </a:p>
+          </p:txBody>
+        </p:sp>
+        <p:sp>
+          <p:nvSpPr>
+            <p:cNvPr id="20" name="Arc 19"/>
+            <p:cNvSpPr/>
+            <p:nvPr/>
+          </p:nvSpPr>
+          <p:spPr>
+            <a:xfrm>
+              <a:off x="3608319" y="5181600"/>
+              <a:ext cx="1018177" cy="1018177"/>
+            </a:xfrm>
+            <a:prstGeom prst="arc">
+              <a:avLst>
+                <a:gd name="adj1" fmla="val 17149958"/>
+                <a:gd name="adj2" fmla="val 4513080"/>
+              </a:avLst>
+            </a:prstGeom>
+          </p:spPr>
+          <p:style>
+            <a:lnRef idx="1">
+              <a:schemeClr val="accent1"/>
+            </a:lnRef>
+            <a:fillRef idx="0">
+              <a:schemeClr val="accent1"/>
+            </a:fillRef>
+            <a:effectRef idx="0">
+              <a:schemeClr val="accent1"/>
+            </a:effectRef>
+            <a:fontRef idx="minor">
+              <a:schemeClr val="tx1"/>
+            </a:fontRef>
+          </p:style>
+          <p:txBody>
+            <a:bodyPr rtlCol="0" anchor="ctr"/>
+            <a:lstStyle/>
+            <a:p>
+              <a:pPr algn="ctr"/>
+              <a:endParaRPr lang="en-US"/>
+            </a:p>
+          </p:txBody>
+        </p:sp>
+        <p:sp>
+          <p:nvSpPr>
+            <p:cNvPr id="21" name="Arc 20"/>
+            <p:cNvSpPr/>
+            <p:nvPr/>
+          </p:nvSpPr>
+          <p:spPr>
+            <a:xfrm>
+              <a:off x="3008152" y="5175145"/>
+              <a:ext cx="959841" cy="959841"/>
+            </a:xfrm>
+            <a:prstGeom prst="arc">
+              <a:avLst>
+                <a:gd name="adj1" fmla="val 17149958"/>
+                <a:gd name="adj2" fmla="val 4513080"/>
+              </a:avLst>
+            </a:prstGeom>
+          </p:spPr>
+          <p:style>
+            <a:lnRef idx="1">
+              <a:schemeClr val="accent1"/>
+            </a:lnRef>
+            <a:fillRef idx="0">
+              <a:schemeClr val="accent1"/>
+            </a:fillRef>
+            <a:effectRef idx="0">
+              <a:schemeClr val="accent1"/>
+            </a:effectRef>
+            <a:fontRef idx="minor">
+              <a:schemeClr val="tx1"/>
+            </a:fontRef>
+          </p:style>
+          <p:txBody>
+            <a:bodyPr rtlCol="0" anchor="ctr"/>
+            <a:lstStyle/>
+            <a:p>
+              <a:pPr algn="ctr"/>
+              <a:endParaRPr lang="en-US"/>
+            </a:p>
+          </p:txBody>
+        </p:sp>
+        <p:sp>
+          <p:nvSpPr>
+            <p:cNvPr id="22" name="Arc 21"/>
+            <p:cNvSpPr/>
+            <p:nvPr/>
+          </p:nvSpPr>
+          <p:spPr>
+            <a:xfrm>
+              <a:off x="2757008" y="5317246"/>
+              <a:ext cx="675638" cy="675638"/>
+            </a:xfrm>
+            <a:prstGeom prst="arc">
+              <a:avLst>
+                <a:gd name="adj1" fmla="val 17149958"/>
+                <a:gd name="adj2" fmla="val 4513080"/>
+              </a:avLst>
+            </a:prstGeom>
+          </p:spPr>
+          <p:style>
+            <a:lnRef idx="1">
+              <a:schemeClr val="accent1"/>
+            </a:lnRef>
+            <a:fillRef idx="0">
+              <a:schemeClr val="accent1"/>
+            </a:fillRef>
+            <a:effectRef idx="0">
+              <a:schemeClr val="accent1"/>
+            </a:effectRef>
+            <a:fontRef idx="minor">
+              <a:schemeClr val="tx1"/>
+            </a:fontRef>
+          </p:style>
+          <p:txBody>
+            <a:bodyPr rtlCol="0" anchor="ctr"/>
+            <a:lstStyle/>
+            <a:p>
+              <a:pPr algn="ctr"/>
+              <a:endParaRPr lang="en-US"/>
+            </a:p>
+          </p:txBody>
+        </p:sp>
+        <p:sp>
+          <p:nvSpPr>
+            <p:cNvPr id="23" name="Arc 22"/>
+            <p:cNvSpPr/>
+            <p:nvPr/>
+          </p:nvSpPr>
+          <p:spPr>
+            <a:xfrm>
+              <a:off x="2501981" y="5443557"/>
+              <a:ext cx="423016" cy="423015"/>
+            </a:xfrm>
+            <a:prstGeom prst="arc">
+              <a:avLst>
+                <a:gd name="adj1" fmla="val 17149958"/>
+                <a:gd name="adj2" fmla="val 4513080"/>
+              </a:avLst>
+            </a:prstGeom>
+          </p:spPr>
+          <p:style>
+            <a:lnRef idx="1">
+              <a:schemeClr val="accent1"/>
+            </a:lnRef>
+            <a:fillRef idx="0">
+              <a:schemeClr val="accent1"/>
+            </a:fillRef>
+            <a:effectRef idx="0">
+              <a:schemeClr val="accent1"/>
+            </a:effectRef>
+            <a:fontRef idx="minor">
+              <a:schemeClr val="tx1"/>
+            </a:fontRef>
+          </p:style>
+          <p:txBody>
+            <a:bodyPr rtlCol="0" anchor="ctr"/>
+            <a:lstStyle/>
+            <a:p>
+              <a:pPr algn="ctr"/>
+              <a:endParaRPr lang="en-US"/>
+            </a:p>
+          </p:txBody>
+        </p:sp>
+        <p:sp>
+          <p:nvSpPr>
+            <p:cNvPr id="24" name="Arc 23"/>
+            <p:cNvSpPr/>
+            <p:nvPr/>
+          </p:nvSpPr>
+          <p:spPr>
+            <a:xfrm>
+              <a:off x="3648429" y="4855582"/>
+              <a:ext cx="1598968" cy="1598968"/>
+            </a:xfrm>
+            <a:prstGeom prst="arc">
+              <a:avLst>
+                <a:gd name="adj1" fmla="val 17149958"/>
+                <a:gd name="adj2" fmla="val 4513080"/>
+              </a:avLst>
+            </a:prstGeom>
+          </p:spPr>
+          <p:style>
+            <a:lnRef idx="1">
+              <a:schemeClr val="accent1"/>
+            </a:lnRef>
+            <a:fillRef idx="0">
+              <a:schemeClr val="accent1"/>
+            </a:fillRef>
+            <a:effectRef idx="0">
+              <a:schemeClr val="accent1"/>
+            </a:effectRef>
+            <a:fontRef idx="minor">
+              <a:schemeClr val="tx1"/>
+            </a:fontRef>
+          </p:style>
+          <p:txBody>
+            <a:bodyPr rtlCol="0" anchor="ctr"/>
+            <a:lstStyle/>
+            <a:p>
+              <a:pPr algn="ctr"/>
+              <a:endParaRPr lang="en-US"/>
+            </a:p>
+          </p:txBody>
+        </p:sp>
+        <p:sp>
+          <p:nvSpPr>
+            <p:cNvPr id="25" name="TextBox 24"/>
+            <p:cNvSpPr txBox="1"/>
+            <p:nvPr/>
+          </p:nvSpPr>
+          <p:spPr>
+            <a:xfrm>
+              <a:off x="963898" y="6144882"/>
+              <a:ext cx="2083061" cy="338554"/>
+            </a:xfrm>
+            <a:prstGeom prst="rect">
+              <a:avLst/>
+            </a:prstGeom>
+            <a:noFill/>
+          </p:spPr>
+          <p:txBody>
+            <a:bodyPr wrap="square" rtlCol="0">
+              <a:spAutoFit/>
+            </a:bodyPr>
+            <a:lstStyle/>
+            <a:p>
+              <a:r>
+                <a:rPr lang="en-US" sz="1600" i="1" dirty="0" smtClean="0">
+                  <a:solidFill>
+                    <a:schemeClr val="tx1">
+                      <a:lumMod val="85000"/>
+                      <a:lumOff val="15000"/>
+                    </a:schemeClr>
+                  </a:solidFill>
+                  <a:ea typeface="Roboto" pitchFamily="2" charset="0"/>
+                </a:rPr>
+                <a:t>Ultrasonic Sensor</a:t>
+              </a:r>
+              <a:endParaRPr lang="en-US" sz="1600" i="1" dirty="0">
+                <a:solidFill>
+                  <a:schemeClr val="tx1">
+                    <a:lumMod val="85000"/>
+                    <a:lumOff val="15000"/>
+                  </a:schemeClr>
+                </a:solidFill>
+                <a:ea typeface="Roboto" pitchFamily="2" charset="0"/>
+              </a:endParaRPr>
+            </a:p>
+          </p:txBody>
+        </p:sp>
+        <p:sp>
+          <p:nvSpPr>
+            <p:cNvPr id="26" name="TextBox 25"/>
+            <p:cNvSpPr txBox="1"/>
+            <p:nvPr/>
+          </p:nvSpPr>
+          <p:spPr>
+            <a:xfrm>
+              <a:off x="5653917" y="4089223"/>
+              <a:ext cx="1143093" cy="338554"/>
+            </a:xfrm>
+            <a:prstGeom prst="rect">
+              <a:avLst/>
+            </a:prstGeom>
+            <a:noFill/>
+          </p:spPr>
+          <p:txBody>
+            <a:bodyPr wrap="square" rtlCol="0">
+              <a:spAutoFit/>
+            </a:bodyPr>
+            <a:lstStyle/>
+            <a:p>
+              <a:r>
+                <a:rPr lang="vi-VN" sz="1600" i="1" dirty="0" smtClean="0">
+                  <a:solidFill>
+                    <a:schemeClr val="tx1">
+                      <a:lumMod val="85000"/>
+                      <a:lumOff val="15000"/>
+                    </a:schemeClr>
+                  </a:solidFill>
+                  <a:ea typeface="Roboto" pitchFamily="2" charset="0"/>
+                </a:rPr>
+                <a:t>Vật cản</a:t>
+              </a:r>
+              <a:endParaRPr lang="en-US" sz="1600" i="1" dirty="0">
+                <a:solidFill>
+                  <a:schemeClr val="tx1">
+                    <a:lumMod val="85000"/>
+                    <a:lumOff val="15000"/>
+                  </a:schemeClr>
+                </a:solidFill>
+                <a:ea typeface="Roboto" pitchFamily="2" charset="0"/>
+              </a:endParaRPr>
+            </a:p>
+          </p:txBody>
+        </p:sp>
+      </p:grpSp>
+      <p:cxnSp>
+        <p:nvCxnSpPr>
+          <p:cNvPr id="28" name="Straight Arrow Connector 27"/>
+          <p:cNvCxnSpPr>
+            <a:stCxn id="1026" idx="0"/>
+          </p:cNvCxnSpPr>
+          <p:nvPr/>
+        </p:nvCxnSpPr>
+        <p:spPr>
+          <a:xfrm>
+            <a:off x="2080811" y="4901148"/>
+            <a:ext cx="2745416" cy="0"/>
+          </a:xfrm>
+          <a:prstGeom prst="straightConnector1">
+            <a:avLst/>
+          </a:prstGeom>
+          <a:ln w="12700">
+            <a:prstDash val="dash"/>
+            <a:headEnd type="arrow" w="med" len="med"/>
+            <a:tailEnd type="arrow" w="med" len="med"/>
+          </a:ln>
+        </p:spPr>
+        <p:style>
+          <a:lnRef idx="1">
+            <a:schemeClr val="accent1"/>
+          </a:lnRef>
+          <a:fillRef idx="0">
+            <a:schemeClr val="accent1"/>
+          </a:fillRef>
+          <a:effectRef idx="0">
+            <a:schemeClr val="accent1"/>
+          </a:effectRef>
+          <a:fontRef idx="minor">
+            <a:schemeClr val="tx1"/>
+          </a:fontRef>
+        </p:style>
+      </p:cxnSp>
+      <p:pic>
+        <p:nvPicPr>
+          <p:cNvPr id="29" name="Picture 28"/>
+          <p:cNvPicPr>
+            <a:picLocks noChangeAspect="1"/>
+          </p:cNvPicPr>
+          <p:nvPr/>
+        </p:nvPicPr>
+        <p:blipFill>
+          <a:blip r:embed="rId4"/>
+          <a:stretch>
+            <a:fillRect/>
+          </a:stretch>
+        </p:blipFill>
+        <p:spPr>
+          <a:xfrm>
+            <a:off x="5351229" y="4521269"/>
+            <a:ext cx="3115110" cy="1209844"/>
+          </a:xfrm>
+          <a:prstGeom prst="rect">
+            <a:avLst/>
+          </a:prstGeom>
+        </p:spPr>
+      </p:pic>
+      <p:sp>
+        <p:nvSpPr>
+          <p:cNvPr id="31" name="TextBox 30"/>
+          <p:cNvSpPr txBox="1"/>
+          <p:nvPr/>
+        </p:nvSpPr>
+        <p:spPr>
+          <a:xfrm>
+            <a:off x="5474187" y="5860964"/>
+            <a:ext cx="3139726" cy="338554"/>
+          </a:xfrm>
+          <a:prstGeom prst="rect">
+            <a:avLst/>
+          </a:prstGeom>
+          <a:noFill/>
+        </p:spPr>
+        <p:txBody>
+          <a:bodyPr wrap="square" rtlCol="0">
+            <a:spAutoFit/>
+          </a:bodyPr>
+          <a:lstStyle/>
+          <a:p>
+            <a:r>
+              <a:rPr lang="vi-VN" sz="1600" i="1" dirty="0" smtClean="0">
+                <a:solidFill>
+                  <a:schemeClr val="tx1">
+                    <a:lumMod val="85000"/>
+                    <a:lumOff val="15000"/>
+                  </a:schemeClr>
+                </a:solidFill>
+                <a:ea typeface="Roboto" pitchFamily="2" charset="0"/>
+              </a:rPr>
+              <a:t>Xe chạy lùi nếu thấy vật cản</a:t>
+            </a:r>
+            <a:endParaRPr lang="en-US" sz="1600" i="1" dirty="0">
+              <a:solidFill>
+                <a:schemeClr val="tx1">
+                  <a:lumMod val="85000"/>
+                  <a:lumOff val="15000"/>
+                </a:schemeClr>
+              </a:solidFill>
+              <a:ea typeface="Roboto" pitchFamily="2" charset="0"/>
+            </a:endParaRPr>
+          </a:p>
+        </p:txBody>
+      </p:sp>
     </p:spTree>
     <p:extLst>
       <p:ext uri="{BB962C8B-B14F-4D97-AF65-F5344CB8AC3E}">
-        <p14:creationId xmlns:p14="http://schemas.microsoft.com/office/powerpoint/2010/main" val="2169177858"/>
+        <p14:creationId xmlns:p14="http://schemas.microsoft.com/office/powerpoint/2010/main" val="1504869908"/>
       </p:ext>
     </p:extLst>
   </p:cSld>
@@ -3643,7 +5070,27 @@
                 <a:latin typeface="UTM Helve" panose="02040603050506020204" pitchFamily="18" charset="0"/>
                 <a:ea typeface="Roboto" pitchFamily="2" charset="0"/>
               </a:rPr>
-              <a:t>13.2 </a:t>
+              <a:t>1</a:t>
+            </a:r>
+            <a:r>
+              <a:rPr lang="vi-VN" sz="2400" b="1" dirty="0" smtClean="0">
+                <a:solidFill>
+                  <a:srgbClr val="EC5F77"/>
+                </a:solidFill>
+                <a:latin typeface="UTM Helve" panose="02040603050506020204" pitchFamily="18" charset="0"/>
+                <a:ea typeface="Roboto" pitchFamily="2" charset="0"/>
+              </a:rPr>
+              <a:t>5</a:t>
+            </a:r>
+            <a:r>
+              <a:rPr lang="en-US" sz="2400" b="1" dirty="0" smtClean="0">
+                <a:solidFill>
+                  <a:srgbClr val="EC5F77"/>
+                </a:solidFill>
+                <a:latin typeface="UTM Helve" panose="02040603050506020204" pitchFamily="18" charset="0"/>
+                <a:ea typeface="Roboto" pitchFamily="2" charset="0"/>
+              </a:rPr>
+              <a:t>.2 </a:t>
             </a:r>
             <a:r>
               <a:rPr lang="en-US" sz="2400" b="1" dirty="0" smtClean="0">
@@ -3656,14 +5103,14 @@
               <a:t>Sử dụng </a:t>
             </a:r>
             <a:r>
-              <a:rPr lang="en-US" sz="2400" b="1" dirty="0" smtClean="0">
+              <a:rPr lang="vi-VN" sz="2400" b="1" dirty="0" smtClean="0">
                 <a:solidFill>
                   <a:srgbClr val="EC5F77"/>
                 </a:solidFill>
                 <a:latin typeface="UTM Helve" panose="02040603050506020204" pitchFamily="18" charset="0"/>
                 <a:ea typeface="Roboto" pitchFamily="2" charset="0"/>
               </a:rPr>
-              <a:t>Servor</a:t>
+              <a:t>Ultrasonic sensor</a:t>
             </a:r>
             <a:endParaRPr lang="en-US" sz="2400" b="1" dirty="0">
               <a:solidFill>
@@ -3685,8 +5132,8 @@
         </p:nvSpPr>
         <p:spPr>
           <a:xfrm>
-            <a:off x="590001" y="1955632"/>
-            <a:ext cx="7917895" cy="860783"/>
+            <a:off x="542728" y="1914682"/>
+            <a:ext cx="8208245" cy="860783"/>
           </a:xfrm>
           <a:prstGeom prst="rect">
             <a:avLst/>
@@ -3720,7 +5167,7 @@
               </a:lnSpc>
             </a:pPr>
             <a:r>
-              <a:rPr lang="en-US" sz="2000" b="0" i="1" dirty="0" smtClean="0">
+              <a:rPr lang="en-US" sz="1800" b="0" i="1" dirty="0" smtClean="0">
                 <a:solidFill>
                   <a:schemeClr val="tx1">
                     <a:lumMod val="95000"/>
@@ -3732,7 +5179,7 @@
               <a:t>Lưu ý: </a:t>
             </a:r>
             <a:r>
-              <a:rPr lang="vi-VN" sz="2000" b="0" i="1" dirty="0" smtClean="0">
+              <a:rPr lang="vi-VN" sz="1800" b="0" i="1" dirty="0" smtClean="0">
                 <a:solidFill>
                   <a:schemeClr val="tx1">
                     <a:lumMod val="95000"/>
@@ -3744,7 +5191,7 @@
               <a:t>Để </a:t>
             </a:r>
             <a:r>
-              <a:rPr lang="vi-VN" sz="2000" b="0" i="1" dirty="0">
+              <a:rPr lang="vi-VN" sz="1800" b="0" i="1" dirty="0" smtClean="0">
                 <a:solidFill>
                   <a:schemeClr val="tx1">
                     <a:lumMod val="95000"/>
@@ -3753,10 +5200,10 @@
                 </a:solidFill>
                 <a:ea typeface="Roboto Condensed" pitchFamily="2" charset="0"/>
               </a:rPr>
-              <a:t>điều khiển được động cơ Servo Motor, trên MakeCode chúng ta cần cài thêm extensions mở rộng zoom:bit</a:t>
-            </a:r>
-            <a:r>
-              <a:rPr lang="en-US" sz="2000" b="0" i="1" dirty="0" smtClean="0">
+              <a:t>nhận được khoảng cách mà cảm biến Ultrasonic thu thập được, </a:t>
+            </a:r>
+            <a:r>
+              <a:rPr lang="vi-VN" sz="1800" b="0" i="1" dirty="0">
                 <a:solidFill>
                   <a:schemeClr val="tx1">
                     <a:lumMod val="95000"/>
@@ -3765,17 +5212,44 @@
                 </a:solidFill>
                 <a:ea typeface="Roboto Condensed" pitchFamily="2" charset="0"/>
               </a:rPr>
+              <a:t>trên MakeCode chúng ta cần cài thêm </a:t>
+            </a:r>
+            <a:r>
+              <a:rPr lang="vi-VN" sz="1800" i="1" dirty="0">
+                <a:solidFill>
+                  <a:schemeClr val="tx1">
+                    <a:lumMod val="95000"/>
+                    <a:lumOff val="5000"/>
+                  </a:schemeClr>
+                </a:solidFill>
+                <a:ea typeface="Roboto Condensed" pitchFamily="2" charset="0"/>
+              </a:rPr>
+              <a:t>extensions</a:t>
+            </a:r>
+            <a:r>
+              <a:rPr lang="vi-VN" sz="1800" b="0" i="1" dirty="0">
+                <a:solidFill>
+                  <a:schemeClr val="tx1">
+                    <a:lumMod val="95000"/>
+                    <a:lumOff val="5000"/>
+                  </a:schemeClr>
+                </a:solidFill>
+                <a:ea typeface="Roboto Condensed" pitchFamily="2" charset="0"/>
+              </a:rPr>
+              <a:t> mở rộng zoom:bit</a:t>
+            </a:r>
+            <a:r>
+              <a:rPr lang="en-US" sz="1800" b="0" i="1" dirty="0" smtClean="0">
+                <a:solidFill>
+                  <a:schemeClr val="tx1">
+                    <a:lumMod val="95000"/>
+                    <a:lumOff val="5000"/>
+                  </a:schemeClr>
+                </a:solidFill>
+                <a:ea typeface="Roboto Condensed" pitchFamily="2" charset="0"/>
+              </a:rPr>
               <a:t> </a:t>
             </a:r>
-            <a:endParaRPr lang="en-US" sz="2000" b="0" i="1" dirty="0" smtClean="0">
-              <a:solidFill>
-                <a:schemeClr val="tx1">
-                  <a:lumMod val="95000"/>
-                  <a:lumOff val="5000"/>
-                </a:schemeClr>
-              </a:solidFill>
-              <a:ea typeface="Roboto Condensed" pitchFamily="2" charset="0"/>
-            </a:endParaRPr>
           </a:p>
         </p:txBody>
       </p:sp>
@@ -3867,7 +5341,7 @@
         </p:nvSpPr>
         <p:spPr>
           <a:xfrm>
-            <a:off x="431533" y="2800384"/>
+            <a:off x="608312" y="2775094"/>
             <a:ext cx="4316996" cy="976427"/>
           </a:xfrm>
           <a:prstGeom prst="rect">
@@ -3911,10 +5385,10 @@
                 </a:solidFill>
                 <a:ea typeface="Roboto Condensed" pitchFamily="2" charset="0"/>
               </a:rPr>
-              <a:t>Chọn nhóm REKA:BTI </a:t>
-            </a:r>
-            <a:r>
-              <a:rPr lang="en-US" sz="2000" b="0" dirty="0">
+              <a:t>Chọn nhóm </a:t>
+            </a:r>
+            <a:r>
+              <a:rPr lang="vi-VN" sz="2000" b="0" dirty="0" smtClean="0">
                 <a:solidFill>
                   <a:schemeClr val="tx1">
                     <a:lumMod val="95000"/>
@@ -3923,10 +5397,10 @@
                 </a:solidFill>
                 <a:ea typeface="Roboto Condensed" pitchFamily="2" charset="0"/>
               </a:rPr>
-              <a:t>--&gt; Tại mục Servos chọn Block </a:t>
-            </a:r>
-            <a:r>
-              <a:rPr lang="en-US" sz="2000" dirty="0">
+              <a:t>ZOOM:BIT</a:t>
+            </a:r>
+            <a:r>
+              <a:rPr lang="en-US" sz="2000" b="0" dirty="0" smtClean="0">
                 <a:solidFill>
                   <a:schemeClr val="tx1">
                     <a:lumMod val="95000"/>
@@ -3935,7 +5409,67 @@
                 </a:solidFill>
                 <a:ea typeface="Roboto Condensed" pitchFamily="2" charset="0"/>
               </a:rPr>
-              <a:t>set servo S1 position to 90 degrees</a:t>
+              <a:t> </a:t>
+            </a:r>
+            <a:r>
+              <a:rPr lang="en-US" sz="2000" b="0" dirty="0">
+                <a:solidFill>
+                  <a:schemeClr val="tx1">
+                    <a:lumMod val="95000"/>
+                    <a:lumOff val="5000"/>
+                  </a:schemeClr>
+                </a:solidFill>
+                <a:ea typeface="Roboto Condensed" pitchFamily="2" charset="0"/>
+              </a:rPr>
+              <a:t>--&gt; Tại mục </a:t>
+            </a:r>
+            <a:r>
+              <a:rPr lang="vi-VN" sz="2000" b="0" dirty="0" smtClean="0">
+                <a:solidFill>
+                  <a:schemeClr val="tx1">
+                    <a:lumMod val="95000"/>
+                    <a:lumOff val="5000"/>
+                  </a:schemeClr>
+                </a:solidFill>
+                <a:ea typeface="Roboto Condensed" pitchFamily="2" charset="0"/>
+              </a:rPr>
+              <a:t>Ultrasonic</a:t>
+            </a:r>
+            <a:r>
+              <a:rPr lang="en-US" sz="2000" b="0" dirty="0" smtClean="0">
+                <a:solidFill>
+                  <a:schemeClr val="tx1">
+                    <a:lumMod val="95000"/>
+                    <a:lumOff val="5000"/>
+                  </a:schemeClr>
+                </a:solidFill>
+                <a:ea typeface="Roboto Condensed" pitchFamily="2" charset="0"/>
+              </a:rPr>
+              <a:t> </a:t>
+            </a:r>
+            <a:r>
+              <a:rPr lang="en-US" sz="2000" b="0" dirty="0">
+                <a:solidFill>
+                  <a:schemeClr val="tx1">
+                    <a:lumMod val="95000"/>
+                    <a:lumOff val="5000"/>
+                  </a:schemeClr>
+                </a:solidFill>
+                <a:ea typeface="Roboto Condensed" pitchFamily="2" charset="0"/>
+              </a:rPr>
+              <a:t>chọn Block </a:t>
+            </a:r>
+            <a:r>
+              <a:rPr lang="vi-VN" sz="2000" dirty="0" smtClean="0">
+                <a:solidFill>
+                  <a:schemeClr val="tx1">
+                    <a:lumMod val="95000"/>
+                    <a:lumOff val="5000"/>
+                  </a:schemeClr>
+                </a:solidFill>
+                <a:ea typeface="Roboto Condensed" pitchFamily="2" charset="0"/>
+              </a:rPr>
+              <a:t>ultrasonic distance (cm)</a:t>
             </a:r>
             <a:endParaRPr lang="en-US" sz="2000" dirty="0" smtClean="0">
               <a:solidFill>
@@ -3957,7 +5491,7 @@
         </p:nvSpPr>
         <p:spPr>
           <a:xfrm>
-            <a:off x="590001" y="5621363"/>
+            <a:off x="590001" y="4757330"/>
             <a:ext cx="172836" cy="176901"/>
           </a:xfrm>
           <a:prstGeom prst="rect">
@@ -3997,13 +5531,81 @@
       </p:sp>
       <p:sp>
         <p:nvSpPr>
-          <p:cNvPr id="13" name="Rectangle 12"/>
+          <p:cNvPr id="17" name="Title 1"/>
+          <p:cNvSpPr txBox="1">
+            <a:spLocks/>
+          </p:cNvSpPr>
+          <p:nvPr/>
+        </p:nvSpPr>
+        <p:spPr>
+          <a:xfrm>
+            <a:off x="762837" y="4620181"/>
+            <a:ext cx="4007946" cy="1166160"/>
+          </a:xfrm>
+          <a:prstGeom prst="rect">
+            <a:avLst/>
+          </a:prstGeom>
+        </p:spPr>
+        <p:txBody>
+          <a:bodyPr/>
+          <a:lstStyle>
+            <a:lvl1pPr algn="l" defTabSz="914400" rtl="0" eaLnBrk="1" latinLnBrk="0" hangingPunct="1">
+              <a:lnSpc>
+                <a:spcPct val="90000"/>
+              </a:lnSpc>
+              <a:spcBef>
+                <a:spcPct val="0"/>
+              </a:spcBef>
+              <a:buNone/>
+              <a:defRPr sz="3200" b="1" kern="1200">
+                <a:solidFill>
+                  <a:srgbClr val="019DD0"/>
+                </a:solidFill>
+                <a:latin typeface="Arial" panose="020B0604020202020204" pitchFamily="34" charset="0"/>
+                <a:ea typeface="+mj-ea"/>
+                <a:cs typeface="Arial" panose="020B0604020202020204" pitchFamily="34" charset="0"/>
+              </a:defRPr>
+            </a:lvl1pPr>
+          </a:lstStyle>
+          <a:p>
+            <a:pPr>
+              <a:lnSpc>
+                <a:spcPct val="100000"/>
+              </a:lnSpc>
+            </a:pPr>
+            <a:r>
+              <a:rPr lang="vi-VN" sz="2000" b="0" dirty="0" smtClean="0">
+                <a:solidFill>
+                  <a:schemeClr val="tx1">
+                    <a:lumMod val="95000"/>
+                    <a:lumOff val="5000"/>
+                  </a:schemeClr>
+                </a:solidFill>
+                <a:ea typeface="Roboto Condensed" pitchFamily="2" charset="0"/>
+              </a:rPr>
+              <a:t>Bạn có thể dùng block show number để hiển thị ra màn hình LED như hình bên</a:t>
+            </a:r>
+            <a:endParaRPr lang="en-US" sz="2000" b="0" dirty="0" smtClean="0">
+              <a:solidFill>
+                <a:schemeClr val="tx1">
+                  <a:lumMod val="95000"/>
+                  <a:lumOff val="5000"/>
+                </a:schemeClr>
+              </a:solidFill>
+              <a:ea typeface="Roboto Condensed" pitchFamily="2" charset="0"/>
+            </a:endParaRPr>
+          </a:p>
+        </p:txBody>
+      </p:sp>
+      <p:sp>
+        <p:nvSpPr>
+          <p:cNvPr id="20" name="Rectangle 19"/>
           <p:cNvSpPr/>
           <p:nvPr/>
         </p:nvSpPr>
         <p:spPr>
           <a:xfrm>
-            <a:off x="590001" y="6095374"/>
+            <a:off x="590001" y="4120553"/>
             <a:ext cx="172836" cy="176901"/>
           </a:xfrm>
           <a:prstGeom prst="rect">
@@ -4043,7 +5645,7 @@
       </p:sp>
       <p:sp>
         <p:nvSpPr>
-          <p:cNvPr id="16" name="Title 1"/>
+          <p:cNvPr id="21" name="Title 1"/>
           <p:cNvSpPr txBox="1">
             <a:spLocks/>
           </p:cNvSpPr>
@@ -4051,7 +5653,7 @@
         </p:nvSpPr>
         <p:spPr>
           <a:xfrm>
-            <a:off x="762837" y="5974544"/>
+            <a:off x="762837" y="3983404"/>
             <a:ext cx="4007946" cy="485702"/>
           </a:xfrm>
           <a:prstGeom prst="rect">
@@ -4086,7 +5688,7 @@
               </a:lnSpc>
             </a:pPr>
             <a:r>
-              <a:rPr lang="en-US" sz="2000" b="0" dirty="0" smtClean="0">
+              <a:rPr lang="vi-VN" sz="2000" b="0" dirty="0" smtClean="0">
                 <a:solidFill>
                   <a:schemeClr val="tx1">
                     <a:lumMod val="95000"/>
@@ -4095,7 +5697,7 @@
                 </a:solidFill>
                 <a:ea typeface="Roboto Condensed" pitchFamily="2" charset="0"/>
               </a:rPr>
-              <a:t>Nhấn nút B thì xoay đầu qua phải</a:t>
+              <a:t>Kết quả đo được là một con số</a:t>
             </a:r>
             <a:endParaRPr lang="en-US" sz="2000" b="0" dirty="0" smtClean="0">
               <a:solidFill>
@@ -4109,313 +5711,54 @@
           </a:p>
         </p:txBody>
       </p:sp>
-      <p:sp>
-        <p:nvSpPr>
-          <p:cNvPr id="17" name="Title 1"/>
-          <p:cNvSpPr txBox="1">
-            <a:spLocks/>
-          </p:cNvSpPr>
-          <p:nvPr/>
-        </p:nvSpPr>
-        <p:spPr>
-          <a:xfrm>
-            <a:off x="762837" y="5484214"/>
-            <a:ext cx="4007946" cy="485702"/>
-          </a:xfrm>
-          <a:prstGeom prst="rect">
-            <a:avLst/>
-          </a:prstGeom>
-        </p:spPr>
-        <p:txBody>
-          <a:bodyPr/>
-          <a:lstStyle>
-            <a:lvl1pPr algn="l" defTabSz="914400" rtl="0" eaLnBrk="1" latinLnBrk="0" hangingPunct="1">
-              <a:lnSpc>
-                <a:spcPct val="90000"/>
-              </a:lnSpc>
-              <a:spcBef>
-                <a:spcPct val="0"/>
-              </a:spcBef>
-              <a:buNone/>
-              <a:defRPr sz="3200" b="1" kern="1200">
-                <a:solidFill>
-                  <a:srgbClr val="019DD0"/>
-                </a:solidFill>
-                <a:latin typeface="Arial" panose="020B0604020202020204" pitchFamily="34" charset="0"/>
-                <a:ea typeface="+mj-ea"/>
-                <a:cs typeface="Arial" panose="020B0604020202020204" pitchFamily="34" charset="0"/>
-              </a:defRPr>
-            </a:lvl1pPr>
-          </a:lstStyle>
-          <a:p>
-            <a:pPr>
-              <a:lnSpc>
-                <a:spcPct val="100000"/>
-              </a:lnSpc>
-            </a:pPr>
-            <a:r>
-              <a:rPr lang="en-US" sz="2000" b="0" dirty="0" smtClean="0">
-                <a:solidFill>
-                  <a:schemeClr val="tx1">
-                    <a:lumMod val="95000"/>
-                    <a:lumOff val="5000"/>
-                  </a:schemeClr>
-                </a:solidFill>
-                <a:ea typeface="Roboto Condensed" pitchFamily="2" charset="0"/>
-              </a:rPr>
-              <a:t>Nhấn nút A thì xoay đầu qua trái</a:t>
-            </a:r>
-            <a:endParaRPr lang="en-US" sz="2000" b="0" dirty="0" smtClean="0">
-              <a:solidFill>
-                <a:schemeClr val="tx1">
-                  <a:lumMod val="95000"/>
-                  <a:lumOff val="5000"/>
-                </a:schemeClr>
-              </a:solidFill>
-              <a:ea typeface="Roboto Condensed" pitchFamily="2" charset="0"/>
-            </a:endParaRPr>
-          </a:p>
-        </p:txBody>
-      </p:sp>
-      <p:grpSp>
-        <p:nvGrpSpPr>
-          <p:cNvPr id="19" name="Group 18"/>
-          <p:cNvGrpSpPr/>
-          <p:nvPr/>
-        </p:nvGrpSpPr>
-        <p:grpSpPr>
-          <a:xfrm>
-            <a:off x="4945049" y="2816415"/>
-            <a:ext cx="3402719" cy="3455860"/>
-            <a:chOff x="4945049" y="2653786"/>
-            <a:chExt cx="3562847" cy="3618489"/>
-          </a:xfrm>
-        </p:grpSpPr>
-        <p:pic>
-          <p:nvPicPr>
-            <p:cNvPr id="7" name="Picture 6"/>
-            <p:cNvPicPr>
-              <a:picLocks noChangeAspect="1"/>
-            </p:cNvPicPr>
-            <p:nvPr/>
-          </p:nvPicPr>
-          <p:blipFill>
-            <a:blip r:embed="rId3"/>
-            <a:stretch>
-              <a:fillRect/>
-            </a:stretch>
-          </p:blipFill>
-          <p:spPr>
-            <a:xfrm>
-              <a:off x="4945049" y="3843061"/>
-              <a:ext cx="3562847" cy="2429214"/>
-            </a:xfrm>
-            <a:prstGeom prst="rect">
-              <a:avLst/>
-            </a:prstGeom>
-          </p:spPr>
-        </p:pic>
-        <p:pic>
-          <p:nvPicPr>
-            <p:cNvPr id="18" name="Picture 17"/>
-            <p:cNvPicPr>
-              <a:picLocks noChangeAspect="1"/>
-            </p:cNvPicPr>
-            <p:nvPr/>
-          </p:nvPicPr>
-          <p:blipFill>
-            <a:blip r:embed="rId4"/>
-            <a:stretch>
-              <a:fillRect/>
-            </a:stretch>
-          </p:blipFill>
-          <p:spPr>
-            <a:xfrm>
-              <a:off x="4945049" y="2653786"/>
-              <a:ext cx="3524742" cy="1209844"/>
-            </a:xfrm>
-            <a:prstGeom prst="rect">
-              <a:avLst/>
-            </a:prstGeom>
-          </p:spPr>
-        </p:pic>
-      </p:grpSp>
-      <p:sp>
-        <p:nvSpPr>
-          <p:cNvPr id="20" name="Rectangle 19"/>
-          <p:cNvSpPr/>
-          <p:nvPr/>
-        </p:nvSpPr>
-        <p:spPr>
-          <a:xfrm>
-            <a:off x="590001" y="4838551"/>
-            <a:ext cx="172836" cy="176901"/>
-          </a:xfrm>
-          <a:prstGeom prst="rect">
-            <a:avLst/>
-          </a:prstGeom>
-          <a:solidFill>
-            <a:srgbClr val="EC5F77"/>
-          </a:solidFill>
-          <a:ln>
-            <a:noFill/>
-          </a:ln>
-        </p:spPr>
-        <p:style>
-          <a:lnRef idx="2">
-            <a:schemeClr val="accent1">
-              <a:shade val="50000"/>
-            </a:schemeClr>
-          </a:lnRef>
-          <a:fillRef idx="1">
-            <a:schemeClr val="accent1"/>
-          </a:fillRef>
-          <a:effectRef idx="0">
-            <a:schemeClr val="accent1"/>
-          </a:effectRef>
-          <a:fontRef idx="minor">
-            <a:schemeClr val="lt1"/>
-          </a:fontRef>
-        </p:style>
-        <p:txBody>
-          <a:bodyPr rtlCol="0" anchor="ctr"/>
-          <a:lstStyle/>
-          <a:p>
-            <a:pPr algn="ctr"/>
-            <a:endParaRPr lang="en-US"/>
-          </a:p>
-        </p:txBody>
-      </p:sp>
-      <p:sp>
-        <p:nvSpPr>
-          <p:cNvPr id="21" name="Title 1"/>
-          <p:cNvSpPr txBox="1">
-            <a:spLocks/>
-          </p:cNvSpPr>
-          <p:nvPr/>
-        </p:nvSpPr>
-        <p:spPr>
-          <a:xfrm>
-            <a:off x="762837" y="4701402"/>
-            <a:ext cx="4007946" cy="485702"/>
-          </a:xfrm>
-          <a:prstGeom prst="rect">
-            <a:avLst/>
-          </a:prstGeom>
-        </p:spPr>
-        <p:txBody>
-          <a:bodyPr/>
-          <a:lstStyle>
-            <a:lvl1pPr algn="l" defTabSz="914400" rtl="0" eaLnBrk="1" latinLnBrk="0" hangingPunct="1">
-              <a:lnSpc>
-                <a:spcPct val="90000"/>
-              </a:lnSpc>
-              <a:spcBef>
-                <a:spcPct val="0"/>
-              </a:spcBef>
-              <a:buNone/>
-              <a:defRPr sz="3200" b="1" kern="1200">
-                <a:solidFill>
-                  <a:srgbClr val="019DD0"/>
-                </a:solidFill>
-                <a:latin typeface="Arial" panose="020B0604020202020204" pitchFamily="34" charset="0"/>
-                <a:ea typeface="+mj-ea"/>
-                <a:cs typeface="Arial" panose="020B0604020202020204" pitchFamily="34" charset="0"/>
-              </a:defRPr>
-            </a:lvl1pPr>
-          </a:lstStyle>
-          <a:p>
-            <a:pPr>
-              <a:lnSpc>
-                <a:spcPct val="100000"/>
-              </a:lnSpc>
-            </a:pPr>
-            <a:r>
-              <a:rPr lang="en-US" sz="2000" b="0" dirty="0" smtClean="0">
-                <a:solidFill>
-                  <a:schemeClr val="tx1">
-                    <a:lumMod val="95000"/>
-                    <a:lumOff val="5000"/>
-                  </a:schemeClr>
-                </a:solidFill>
-                <a:ea typeface="Roboto Condensed" pitchFamily="2" charset="0"/>
-              </a:rPr>
-              <a:t>Khởi động lên thì quay đầu ra trước</a:t>
-            </a:r>
-            <a:endParaRPr lang="en-US" sz="2000" b="0" dirty="0" smtClean="0">
-              <a:solidFill>
-                <a:schemeClr val="tx1">
-                  <a:lumMod val="95000"/>
-                  <a:lumOff val="5000"/>
-                </a:schemeClr>
-              </a:solidFill>
-              <a:ea typeface="Roboto Condensed" pitchFamily="2" charset="0"/>
-            </a:endParaRPr>
-          </a:p>
-        </p:txBody>
-      </p:sp>
-      <p:sp>
-        <p:nvSpPr>
-          <p:cNvPr id="22" name="Title 1"/>
-          <p:cNvSpPr txBox="1">
-            <a:spLocks/>
-          </p:cNvSpPr>
-          <p:nvPr/>
-        </p:nvSpPr>
-        <p:spPr>
-          <a:xfrm>
-            <a:off x="466090" y="4020011"/>
-            <a:ext cx="4316996" cy="495802"/>
-          </a:xfrm>
-          <a:prstGeom prst="rect">
-            <a:avLst/>
-          </a:prstGeom>
-        </p:spPr>
-        <p:txBody>
-          <a:bodyPr/>
-          <a:lstStyle>
-            <a:lvl1pPr algn="l" defTabSz="914400" rtl="0" eaLnBrk="1" latinLnBrk="0" hangingPunct="1">
-              <a:lnSpc>
-                <a:spcPct val="90000"/>
-              </a:lnSpc>
-              <a:spcBef>
-                <a:spcPct val="0"/>
-              </a:spcBef>
-              <a:buNone/>
-              <a:defRPr sz="3200" b="1" kern="1200">
-                <a:solidFill>
-                  <a:srgbClr val="019DD0"/>
-                </a:solidFill>
-                <a:latin typeface="Arial" panose="020B0604020202020204" pitchFamily="34" charset="0"/>
-                <a:ea typeface="+mj-ea"/>
-                <a:cs typeface="Arial" panose="020B0604020202020204" pitchFamily="34" charset="0"/>
-              </a:defRPr>
-            </a:lvl1pPr>
-          </a:lstStyle>
-          <a:p>
-            <a:pPr>
-              <a:lnSpc>
-                <a:spcPct val="100000"/>
-              </a:lnSpc>
-            </a:pPr>
-            <a:r>
-              <a:rPr lang="en-US" sz="2000" dirty="0" smtClean="0">
-                <a:solidFill>
-                  <a:srgbClr val="EC5F77"/>
-                </a:solidFill>
-                <a:ea typeface="Roboto Condensed" pitchFamily="2" charset="0"/>
-              </a:rPr>
-              <a:t>Nhập vào góc độ mong muốn</a:t>
-            </a:r>
-            <a:endParaRPr lang="en-US" sz="2000" dirty="0" smtClean="0">
-              <a:solidFill>
-                <a:srgbClr val="EC5F77"/>
-              </a:solidFill>
-              <a:ea typeface="Roboto Condensed" pitchFamily="2" charset="0"/>
-            </a:endParaRPr>
-          </a:p>
-        </p:txBody>
-      </p:sp>
+      <p:pic>
+        <p:nvPicPr>
+          <p:cNvPr id="5" name="Picture 4"/>
+          <p:cNvPicPr>
+            <a:picLocks noChangeAspect="1"/>
+          </p:cNvPicPr>
+          <p:nvPr/>
+        </p:nvPicPr>
+        <p:blipFill>
+          <a:blip r:embed="rId3"/>
+          <a:stretch>
+            <a:fillRect/>
+          </a:stretch>
+        </p:blipFill>
+        <p:spPr>
+          <a:xfrm>
+            <a:off x="5146585" y="2882418"/>
+            <a:ext cx="2133898" cy="981212"/>
+          </a:xfrm>
+          <a:prstGeom prst="rect">
+            <a:avLst/>
+          </a:prstGeom>
+        </p:spPr>
+      </p:pic>
+      <p:pic>
+        <p:nvPicPr>
+          <p:cNvPr id="12" name="Picture 11"/>
+          <p:cNvPicPr>
+            <a:picLocks noChangeAspect="1"/>
+          </p:cNvPicPr>
+          <p:nvPr/>
+        </p:nvPicPr>
+        <p:blipFill>
+          <a:blip r:embed="rId4"/>
+          <a:stretch>
+            <a:fillRect/>
+          </a:stretch>
+        </p:blipFill>
+        <p:spPr>
+          <a:xfrm>
+            <a:off x="5146585" y="4547703"/>
+            <a:ext cx="3277057" cy="1209844"/>
+          </a:xfrm>
+          <a:prstGeom prst="rect">
+            <a:avLst/>
+          </a:prstGeom>
+        </p:spPr>
+      </p:pic>
     </p:spTree>
     <p:extLst>
       <p:ext uri="{BB962C8B-B14F-4D97-AF65-F5344CB8AC3E}">
@@ -4472,309 +5815,7 @@
       </p:sp>
       <p:sp>
         <p:nvSpPr>
-          <p:cNvPr id="3" name="Title 1"/>
-          <p:cNvSpPr txBox="1">
-            <a:spLocks/>
-          </p:cNvSpPr>
-          <p:nvPr/>
-        </p:nvSpPr>
-        <p:spPr>
-          <a:xfrm>
-            <a:off x="709053" y="4862785"/>
-            <a:ext cx="5644503" cy="508846"/>
-          </a:xfrm>
-          <a:prstGeom prst="rect">
-            <a:avLst/>
-          </a:prstGeom>
-        </p:spPr>
-        <p:txBody>
-          <a:bodyPr/>
-          <a:lstStyle>
-            <a:lvl1pPr algn="l" defTabSz="914400" rtl="0" eaLnBrk="1" latinLnBrk="0" hangingPunct="1">
-              <a:lnSpc>
-                <a:spcPct val="90000"/>
-              </a:lnSpc>
-              <a:spcBef>
-                <a:spcPct val="0"/>
-              </a:spcBef>
-              <a:buNone/>
-              <a:defRPr sz="3200" b="1" kern="1200">
-                <a:solidFill>
-                  <a:srgbClr val="019DD0"/>
-                </a:solidFill>
-                <a:latin typeface="Arial" panose="020B0604020202020204" pitchFamily="34" charset="0"/>
-                <a:ea typeface="+mj-ea"/>
-                <a:cs typeface="Arial" panose="020B0604020202020204" pitchFamily="34" charset="0"/>
-              </a:defRPr>
-            </a:lvl1pPr>
-          </a:lstStyle>
-          <a:p>
-            <a:pPr>
-              <a:lnSpc>
-                <a:spcPct val="100000"/>
-              </a:lnSpc>
-            </a:pPr>
-            <a:r>
-              <a:rPr lang="en-US" sz="2000" b="0" dirty="0" smtClean="0">
-                <a:solidFill>
-                  <a:schemeClr val="tx1">
-                    <a:lumMod val="95000"/>
-                    <a:lumOff val="5000"/>
-                  </a:schemeClr>
-                </a:solidFill>
-                <a:ea typeface="Roboto Condensed" pitchFamily="2" charset="0"/>
-              </a:rPr>
-              <a:t>Bước 1: Click Download tải file về máy tính</a:t>
-            </a:r>
-          </a:p>
-        </p:txBody>
-      </p:sp>
-      <p:pic>
-        <p:nvPicPr>
-          <p:cNvPr id="4" name="Picture 3"/>
-          <p:cNvPicPr>
-            <a:picLocks noChangeAspect="1"/>
-          </p:cNvPicPr>
-          <p:nvPr/>
-        </p:nvPicPr>
-        <p:blipFill>
-          <a:blip r:embed="rId2"/>
-          <a:stretch>
-            <a:fillRect/>
-          </a:stretch>
-        </p:blipFill>
-        <p:spPr>
-          <a:xfrm>
-            <a:off x="5743928" y="4822111"/>
-            <a:ext cx="2909512" cy="456394"/>
-          </a:xfrm>
-          <a:prstGeom prst="rect">
-            <a:avLst/>
-          </a:prstGeom>
-        </p:spPr>
-      </p:pic>
-      <p:sp>
-        <p:nvSpPr>
-          <p:cNvPr id="5" name="Title 1"/>
-          <p:cNvSpPr txBox="1">
-            <a:spLocks/>
-          </p:cNvSpPr>
-          <p:nvPr/>
-        </p:nvSpPr>
-        <p:spPr>
-          <a:xfrm>
-            <a:off x="709053" y="5412305"/>
-            <a:ext cx="8047836" cy="496573"/>
-          </a:xfrm>
-          <a:prstGeom prst="rect">
-            <a:avLst/>
-          </a:prstGeom>
-        </p:spPr>
-        <p:txBody>
-          <a:bodyPr/>
-          <a:lstStyle>
-            <a:lvl1pPr algn="l" defTabSz="914400" rtl="0" eaLnBrk="1" latinLnBrk="0" hangingPunct="1">
-              <a:lnSpc>
-                <a:spcPct val="90000"/>
-              </a:lnSpc>
-              <a:spcBef>
-                <a:spcPct val="0"/>
-              </a:spcBef>
-              <a:buNone/>
-              <a:defRPr sz="3200" b="1" kern="1200">
-                <a:solidFill>
-                  <a:srgbClr val="019DD0"/>
-                </a:solidFill>
-                <a:latin typeface="Arial" panose="020B0604020202020204" pitchFamily="34" charset="0"/>
-                <a:ea typeface="+mj-ea"/>
-                <a:cs typeface="Arial" panose="020B0604020202020204" pitchFamily="34" charset="0"/>
-              </a:defRPr>
-            </a:lvl1pPr>
-          </a:lstStyle>
-          <a:p>
-            <a:pPr>
-              <a:lnSpc>
-                <a:spcPct val="100000"/>
-              </a:lnSpc>
-            </a:pPr>
-            <a:r>
-              <a:rPr lang="en-US" sz="2000" b="0" dirty="0" smtClean="0">
-                <a:solidFill>
-                  <a:schemeClr val="tx1">
-                    <a:lumMod val="95000"/>
-                    <a:lumOff val="5000"/>
-                  </a:schemeClr>
-                </a:solidFill>
-                <a:ea typeface="Roboto Condensed" pitchFamily="2" charset="0"/>
-              </a:rPr>
-              <a:t>Bước 2: Gắn đầu USB vào máy tính, đầu micro USB vào micro:bit </a:t>
-            </a:r>
-          </a:p>
-        </p:txBody>
-      </p:sp>
-      <p:sp>
-        <p:nvSpPr>
-          <p:cNvPr id="8" name="TextBox 7"/>
-          <p:cNvSpPr txBox="1"/>
-          <p:nvPr/>
-        </p:nvSpPr>
-        <p:spPr>
-          <a:xfrm>
-            <a:off x="1265305" y="1364739"/>
-            <a:ext cx="5649845" cy="461665"/>
-          </a:xfrm>
-          <a:prstGeom prst="rect">
-            <a:avLst/>
-          </a:prstGeom>
-          <a:noFill/>
-        </p:spPr>
-        <p:txBody>
-          <a:bodyPr wrap="square" rtlCol="0">
-            <a:spAutoFit/>
-          </a:bodyPr>
-          <a:lstStyle/>
-          <a:p>
-            <a:r>
-              <a:rPr lang="en-US" sz="2400" b="1" dirty="0" smtClean="0">
-                <a:solidFill>
-                  <a:schemeClr val="tx1">
-                    <a:lumMod val="85000"/>
-                    <a:lumOff val="15000"/>
-                  </a:schemeClr>
-                </a:solidFill>
-                <a:latin typeface="UTM Helve" panose="02040603050506020204" pitchFamily="18" charset="0"/>
-                <a:ea typeface="Roboto" pitchFamily="2" charset="0"/>
-              </a:rPr>
-              <a:t>Đưa chương trình vào micro:bit</a:t>
-            </a:r>
-            <a:endParaRPr lang="en-US" sz="2400" b="1" dirty="0">
-              <a:solidFill>
-                <a:schemeClr val="tx1">
-                  <a:lumMod val="85000"/>
-                  <a:lumOff val="15000"/>
-                </a:schemeClr>
-              </a:solidFill>
-              <a:latin typeface="UTM Helve" panose="02040603050506020204" pitchFamily="18" charset="0"/>
-              <a:ea typeface="Roboto" pitchFamily="2" charset="0"/>
-            </a:endParaRPr>
-          </a:p>
-        </p:txBody>
-      </p:sp>
-      <p:pic>
-        <p:nvPicPr>
-          <p:cNvPr id="9" name="Picture 8"/>
-          <p:cNvPicPr>
-            <a:picLocks noChangeAspect="1"/>
-          </p:cNvPicPr>
-          <p:nvPr/>
-        </p:nvPicPr>
-        <p:blipFill>
-          <a:blip r:embed="rId3">
-            <a:extLst>
-              <a:ext uri="{28A0092B-C50C-407E-A947-70E740481C1C}">
-                <a14:useLocalDpi xmlns:a14="http://schemas.microsoft.com/office/drawing/2010/main" val="0"/>
-              </a:ext>
-            </a:extLst>
-          </a:blip>
-          <a:stretch>
-            <a:fillRect/>
-          </a:stretch>
-        </p:blipFill>
-        <p:spPr>
-          <a:xfrm>
-            <a:off x="709053" y="1437696"/>
-            <a:ext cx="466725" cy="409575"/>
-          </a:xfrm>
-          <a:prstGeom prst="rect">
-            <a:avLst/>
-          </a:prstGeom>
-        </p:spPr>
-      </p:pic>
-      <p:pic>
-        <p:nvPicPr>
-          <p:cNvPr id="11" name="Picture 10"/>
-          <p:cNvPicPr>
-            <a:picLocks noChangeAspect="1"/>
-          </p:cNvPicPr>
-          <p:nvPr/>
-        </p:nvPicPr>
-        <p:blipFill rotWithShape="1">
-          <a:blip r:embed="rId4"/>
-          <a:srcRect t="9567"/>
-          <a:stretch/>
-        </p:blipFill>
-        <p:spPr>
-          <a:xfrm>
-            <a:off x="1477989" y="1992477"/>
-            <a:ext cx="6441059" cy="2452204"/>
-          </a:xfrm>
-          <a:prstGeom prst="rect">
-            <a:avLst/>
-          </a:prstGeom>
-        </p:spPr>
-      </p:pic>
-      <p:sp>
-        <p:nvSpPr>
-          <p:cNvPr id="12" name="Title 1"/>
-          <p:cNvSpPr txBox="1">
-            <a:spLocks/>
-          </p:cNvSpPr>
-          <p:nvPr/>
-        </p:nvSpPr>
-        <p:spPr>
-          <a:xfrm>
-            <a:off x="709053" y="5983805"/>
-            <a:ext cx="8047836" cy="496573"/>
-          </a:xfrm>
-          <a:prstGeom prst="rect">
-            <a:avLst/>
-          </a:prstGeom>
-        </p:spPr>
-        <p:txBody>
-          <a:bodyPr/>
-          <a:lstStyle>
-            <a:lvl1pPr algn="l" defTabSz="914400" rtl="0" eaLnBrk="1" latinLnBrk="0" hangingPunct="1">
-              <a:lnSpc>
-                <a:spcPct val="90000"/>
-              </a:lnSpc>
-              <a:spcBef>
-                <a:spcPct val="0"/>
-              </a:spcBef>
-              <a:buNone/>
-              <a:defRPr sz="3200" b="1" kern="1200">
-                <a:solidFill>
-                  <a:srgbClr val="019DD0"/>
-                </a:solidFill>
-                <a:latin typeface="Arial" panose="020B0604020202020204" pitchFamily="34" charset="0"/>
-                <a:ea typeface="+mj-ea"/>
-                <a:cs typeface="Arial" panose="020B0604020202020204" pitchFamily="34" charset="0"/>
-              </a:defRPr>
-            </a:lvl1pPr>
-          </a:lstStyle>
-          <a:p>
-            <a:pPr>
-              <a:lnSpc>
-                <a:spcPct val="100000"/>
-              </a:lnSpc>
-            </a:pPr>
-            <a:r>
-              <a:rPr lang="en-US" sz="2000" b="0" dirty="0" smtClean="0">
-                <a:solidFill>
-                  <a:schemeClr val="tx1">
-                    <a:lumMod val="95000"/>
-                    <a:lumOff val="5000"/>
-                  </a:schemeClr>
-                </a:solidFill>
-                <a:ea typeface="Roboto Condensed" pitchFamily="2" charset="0"/>
-              </a:rPr>
-              <a:t>Bước 3: Copy file .hex vào micro:bit </a:t>
-            </a:r>
-          </a:p>
-        </p:txBody>
-      </p:sp>
-      <p:sp>
-        <p:nvSpPr>
-          <p:cNvPr id="13" name="Rectangle 12"/>
+          <p:cNvPr id="3" name="Rectangle 2"/>
           <p:cNvSpPr/>
           <p:nvPr/>
         </p:nvSpPr>
@@ -4829,7 +5870,7 @@
       </p:sp>
       <p:sp>
         <p:nvSpPr>
-          <p:cNvPr id="14" name="TextBox 13"/>
+          <p:cNvPr id="4" name="TextBox 3"/>
           <p:cNvSpPr txBox="1"/>
           <p:nvPr/>
         </p:nvSpPr>
@@ -4857,7 +5898,27 @@
                 <a:latin typeface="UTM Helve" panose="02040603050506020204" pitchFamily="18" charset="0"/>
                 <a:ea typeface="Roboto" pitchFamily="2" charset="0"/>
               </a:rPr>
-              <a:t>13.2 </a:t>
+              <a:t>1</a:t>
+            </a:r>
+            <a:r>
+              <a:rPr lang="vi-VN" sz="2400" b="1" dirty="0" smtClean="0">
+                <a:solidFill>
+                  <a:srgbClr val="EC5F77"/>
+                </a:solidFill>
+                <a:latin typeface="UTM Helve" panose="02040603050506020204" pitchFamily="18" charset="0"/>
+                <a:ea typeface="Roboto" pitchFamily="2" charset="0"/>
+              </a:rPr>
+              <a:t>5</a:t>
+            </a:r>
+            <a:r>
+              <a:rPr lang="en-US" sz="2400" b="1" dirty="0" smtClean="0">
+                <a:solidFill>
+                  <a:srgbClr val="EC5F77"/>
+                </a:solidFill>
+                <a:latin typeface="UTM Helve" panose="02040603050506020204" pitchFamily="18" charset="0"/>
+                <a:ea typeface="Roboto" pitchFamily="2" charset="0"/>
+              </a:rPr>
+              <a:t>.2 </a:t>
             </a:r>
             <a:r>
               <a:rPr lang="en-US" sz="2400" b="1" dirty="0" smtClean="0">
@@ -4870,14 +5931,14 @@
               <a:t>Sử dụng </a:t>
             </a:r>
             <a:r>
-              <a:rPr lang="en-US" sz="2400" b="1" dirty="0" smtClean="0">
+              <a:rPr lang="vi-VN" sz="2400" b="1" dirty="0" smtClean="0">
                 <a:solidFill>
                   <a:srgbClr val="EC5F77"/>
                 </a:solidFill>
                 <a:latin typeface="UTM Helve" panose="02040603050506020204" pitchFamily="18" charset="0"/>
                 <a:ea typeface="Roboto" pitchFamily="2" charset="0"/>
               </a:rPr>
-              <a:t>Servor</a:t>
+              <a:t>Ultrasonic sensor</a:t>
             </a:r>
             <a:endParaRPr lang="en-US" sz="2400" b="1" dirty="0">
               <a:solidFill>
@@ -4889,10 +5950,416 @@
           </a:p>
         </p:txBody>
       </p:sp>
+      <p:sp>
+        <p:nvSpPr>
+          <p:cNvPr id="5" name="TextBox 4"/>
+          <p:cNvSpPr txBox="1"/>
+          <p:nvPr/>
+        </p:nvSpPr>
+        <p:spPr>
+          <a:xfrm>
+            <a:off x="1098981" y="1272143"/>
+            <a:ext cx="5341576" cy="461665"/>
+          </a:xfrm>
+          <a:prstGeom prst="rect">
+            <a:avLst/>
+          </a:prstGeom>
+          <a:noFill/>
+        </p:spPr>
+        <p:txBody>
+          <a:bodyPr wrap="square" rtlCol="0">
+            <a:spAutoFit/>
+          </a:bodyPr>
+          <a:lstStyle/>
+          <a:p>
+            <a:r>
+              <a:rPr lang="en-US" sz="2400" b="1" dirty="0" smtClean="0">
+                <a:solidFill>
+                  <a:schemeClr val="tx1">
+                    <a:lumMod val="85000"/>
+                    <a:lumOff val="15000"/>
+                  </a:schemeClr>
+                </a:solidFill>
+                <a:latin typeface="UTM Helve" panose="02040603050506020204" pitchFamily="18" charset="0"/>
+                <a:ea typeface="Roboto" pitchFamily="2" charset="0"/>
+              </a:rPr>
+              <a:t>Lập trình trong MakeCode</a:t>
+            </a:r>
+            <a:endParaRPr lang="en-US" sz="2400" b="1" dirty="0">
+              <a:solidFill>
+                <a:schemeClr val="tx1">
+                  <a:lumMod val="85000"/>
+                  <a:lumOff val="15000"/>
+                </a:schemeClr>
+              </a:solidFill>
+              <a:latin typeface="UTM Helve" panose="02040603050506020204" pitchFamily="18" charset="0"/>
+              <a:ea typeface="Roboto" pitchFamily="2" charset="0"/>
+            </a:endParaRPr>
+          </a:p>
+        </p:txBody>
+      </p:sp>
+      <p:pic>
+        <p:nvPicPr>
+          <p:cNvPr id="6" name="Picture 5"/>
+          <p:cNvPicPr>
+            <a:picLocks noChangeAspect="1"/>
+          </p:cNvPicPr>
+          <p:nvPr/>
+        </p:nvPicPr>
+        <p:blipFill>
+          <a:blip r:embed="rId2">
+            <a:extLst>
+              <a:ext uri="{28A0092B-C50C-407E-A947-70E740481C1C}">
+                <a14:useLocalDpi xmlns:a14="http://schemas.microsoft.com/office/drawing/2010/main" val="0"/>
+              </a:ext>
+            </a:extLst>
+          </a:blip>
+          <a:stretch>
+            <a:fillRect/>
+          </a:stretch>
+        </p:blipFill>
+        <p:spPr>
+          <a:xfrm>
+            <a:off x="542728" y="1345100"/>
+            <a:ext cx="466725" cy="409575"/>
+          </a:xfrm>
+          <a:prstGeom prst="rect">
+            <a:avLst/>
+          </a:prstGeom>
+        </p:spPr>
+      </p:pic>
+      <p:sp>
+        <p:nvSpPr>
+          <p:cNvPr id="7" name="Rectangle 6"/>
+          <p:cNvSpPr/>
+          <p:nvPr/>
+        </p:nvSpPr>
+        <p:spPr>
+          <a:xfrm>
+            <a:off x="590001" y="2158113"/>
+            <a:ext cx="172836" cy="176901"/>
+          </a:xfrm>
+          <a:prstGeom prst="rect">
+            <a:avLst/>
+          </a:prstGeom>
+          <a:solidFill>
+            <a:srgbClr val="EC5F77"/>
+          </a:solidFill>
+          <a:ln>
+            <a:noFill/>
+          </a:ln>
+        </p:spPr>
+        <p:style>
+          <a:lnRef idx="2">
+            <a:schemeClr val="accent1">
+              <a:shade val="50000"/>
+            </a:schemeClr>
+          </a:lnRef>
+          <a:fillRef idx="1">
+            <a:schemeClr val="accent1"/>
+          </a:fillRef>
+          <a:effectRef idx="0">
+            <a:schemeClr val="accent1"/>
+          </a:effectRef>
+          <a:fontRef idx="minor">
+            <a:schemeClr val="lt1"/>
+          </a:fontRef>
+        </p:style>
+        <p:txBody>
+          <a:bodyPr rtlCol="0" anchor="ctr"/>
+          <a:lstStyle/>
+          <a:p>
+            <a:pPr algn="ctr"/>
+            <a:endParaRPr lang="en-US"/>
+          </a:p>
+        </p:txBody>
+      </p:sp>
+      <p:sp>
+        <p:nvSpPr>
+          <p:cNvPr id="8" name="Title 1"/>
+          <p:cNvSpPr txBox="1">
+            <a:spLocks/>
+          </p:cNvSpPr>
+          <p:nvPr/>
+        </p:nvSpPr>
+        <p:spPr>
+          <a:xfrm>
+            <a:off x="762837" y="2020964"/>
+            <a:ext cx="7851076" cy="824361"/>
+          </a:xfrm>
+          <a:prstGeom prst="rect">
+            <a:avLst/>
+          </a:prstGeom>
+        </p:spPr>
+        <p:txBody>
+          <a:bodyPr/>
+          <a:lstStyle>
+            <a:lvl1pPr algn="l" defTabSz="914400" rtl="0" eaLnBrk="1" latinLnBrk="0" hangingPunct="1">
+              <a:lnSpc>
+                <a:spcPct val="90000"/>
+              </a:lnSpc>
+              <a:spcBef>
+                <a:spcPct val="0"/>
+              </a:spcBef>
+              <a:buNone/>
+              <a:defRPr sz="3200" b="1" kern="1200">
+                <a:solidFill>
+                  <a:srgbClr val="019DD0"/>
+                </a:solidFill>
+                <a:latin typeface="Arial" panose="020B0604020202020204" pitchFamily="34" charset="0"/>
+                <a:ea typeface="+mj-ea"/>
+                <a:cs typeface="Arial" panose="020B0604020202020204" pitchFamily="34" charset="0"/>
+              </a:defRPr>
+            </a:lvl1pPr>
+          </a:lstStyle>
+          <a:p>
+            <a:pPr>
+              <a:lnSpc>
+                <a:spcPct val="100000"/>
+              </a:lnSpc>
+            </a:pPr>
+            <a:r>
+              <a:rPr lang="en-US" sz="2000" b="0" dirty="0" smtClean="0">
+                <a:solidFill>
+                  <a:schemeClr val="tx1">
+                    <a:lumMod val="95000"/>
+                    <a:lumOff val="5000"/>
+                  </a:schemeClr>
+                </a:solidFill>
+                <a:ea typeface="Roboto Condensed" pitchFamily="2" charset="0"/>
+              </a:rPr>
+              <a:t>Bạn có thể kết hợp với biểu thức logic </a:t>
+            </a:r>
+            <a:r>
+              <a:rPr lang="en-US" sz="2000" dirty="0" smtClean="0">
+                <a:solidFill>
+                  <a:schemeClr val="tx1">
+                    <a:lumMod val="95000"/>
+                    <a:lumOff val="5000"/>
+                  </a:schemeClr>
+                </a:solidFill>
+                <a:ea typeface="Roboto Condensed" pitchFamily="2" charset="0"/>
+              </a:rPr>
+              <a:t>if else </a:t>
+            </a:r>
+            <a:r>
+              <a:rPr lang="en-US" sz="2000" b="0" dirty="0" smtClean="0">
+                <a:solidFill>
+                  <a:schemeClr val="tx1">
+                    <a:lumMod val="95000"/>
+                    <a:lumOff val="5000"/>
+                  </a:schemeClr>
+                </a:solidFill>
+                <a:ea typeface="Roboto Condensed" pitchFamily="2" charset="0"/>
+              </a:rPr>
+              <a:t>để đưa ra các lựa chọn tương ứng với khoảng cách mà cảm biến đó được.</a:t>
+            </a:r>
+            <a:endParaRPr lang="en-US" sz="2000" b="0" dirty="0" smtClean="0">
+              <a:solidFill>
+                <a:schemeClr val="tx1">
+                  <a:lumMod val="95000"/>
+                  <a:lumOff val="5000"/>
+                </a:schemeClr>
+              </a:solidFill>
+              <a:ea typeface="Roboto Condensed" pitchFamily="2" charset="0"/>
+            </a:endParaRPr>
+          </a:p>
+        </p:txBody>
+      </p:sp>
+      <p:sp>
+        <p:nvSpPr>
+          <p:cNvPr id="9" name="Title 1"/>
+          <p:cNvSpPr txBox="1">
+            <a:spLocks/>
+          </p:cNvSpPr>
+          <p:nvPr/>
+        </p:nvSpPr>
+        <p:spPr>
+          <a:xfrm>
+            <a:off x="691348" y="2895030"/>
+            <a:ext cx="7994053" cy="555585"/>
+          </a:xfrm>
+          <a:prstGeom prst="rect">
+            <a:avLst/>
+          </a:prstGeom>
+        </p:spPr>
+        <p:txBody>
+          <a:bodyPr/>
+          <a:lstStyle>
+            <a:lvl1pPr algn="l" defTabSz="914400" rtl="0" eaLnBrk="1" latinLnBrk="0" hangingPunct="1">
+              <a:lnSpc>
+                <a:spcPct val="90000"/>
+              </a:lnSpc>
+              <a:spcBef>
+                <a:spcPct val="0"/>
+              </a:spcBef>
+              <a:buNone/>
+              <a:defRPr sz="3200" b="1" kern="1200">
+                <a:solidFill>
+                  <a:srgbClr val="019DD0"/>
+                </a:solidFill>
+                <a:latin typeface="Arial" panose="020B0604020202020204" pitchFamily="34" charset="0"/>
+                <a:ea typeface="+mj-ea"/>
+                <a:cs typeface="Arial" panose="020B0604020202020204" pitchFamily="34" charset="0"/>
+              </a:defRPr>
+            </a:lvl1pPr>
+          </a:lstStyle>
+          <a:p>
+            <a:pPr>
+              <a:lnSpc>
+                <a:spcPct val="100000"/>
+              </a:lnSpc>
+            </a:pPr>
+            <a:r>
+              <a:rPr lang="en-US" sz="2000" b="0" dirty="0" smtClean="0">
+                <a:solidFill>
+                  <a:schemeClr val="tx1">
+                    <a:lumMod val="95000"/>
+                    <a:lumOff val="5000"/>
+                  </a:schemeClr>
+                </a:solidFill>
+                <a:ea typeface="Roboto Condensed" pitchFamily="2" charset="0"/>
+              </a:rPr>
+              <a:t>Ví dụ: Nếu khoảng cách &lt; 20 (cm) thì cho xe dừng lại, rồi chạy lùi.</a:t>
+            </a:r>
+            <a:endParaRPr lang="en-US" sz="2000" b="0" dirty="0" smtClean="0">
+              <a:solidFill>
+                <a:schemeClr val="tx1">
+                  <a:lumMod val="95000"/>
+                  <a:lumOff val="5000"/>
+                </a:schemeClr>
+              </a:solidFill>
+              <a:ea typeface="Roboto Condensed" pitchFamily="2" charset="0"/>
+            </a:endParaRPr>
+          </a:p>
+        </p:txBody>
+      </p:sp>
+      <p:pic>
+        <p:nvPicPr>
+          <p:cNvPr id="10" name="Picture 9"/>
+          <p:cNvPicPr>
+            <a:picLocks noChangeAspect="1"/>
+          </p:cNvPicPr>
+          <p:nvPr/>
+        </p:nvPicPr>
+        <p:blipFill>
+          <a:blip r:embed="rId3"/>
+          <a:stretch>
+            <a:fillRect/>
+          </a:stretch>
+        </p:blipFill>
+        <p:spPr>
+          <a:xfrm>
+            <a:off x="590001" y="3566122"/>
+            <a:ext cx="4429743" cy="2400635"/>
+          </a:xfrm>
+          <a:prstGeom prst="rect">
+            <a:avLst/>
+          </a:prstGeom>
+        </p:spPr>
+      </p:pic>
+      <p:sp>
+        <p:nvSpPr>
+          <p:cNvPr id="11" name="Rounded Rectangle 10"/>
+          <p:cNvSpPr/>
+          <p:nvPr/>
+        </p:nvSpPr>
+        <p:spPr>
+          <a:xfrm>
+            <a:off x="5127784" y="3611179"/>
+            <a:ext cx="3105320" cy="2235783"/>
+          </a:xfrm>
+          <a:prstGeom prst="roundRect">
+            <a:avLst>
+              <a:gd name="adj" fmla="val 7971"/>
+            </a:avLst>
+          </a:prstGeom>
+          <a:gradFill flip="none" rotWithShape="1">
+            <a:gsLst>
+              <a:gs pos="15000">
+                <a:srgbClr val="EC5F77"/>
+              </a:gs>
+              <a:gs pos="100000">
+                <a:srgbClr val="A8589E"/>
+              </a:gs>
+            </a:gsLst>
+            <a:lin ang="0" scaled="1"/>
+            <a:tileRect/>
+          </a:gradFill>
+          <a:ln>
+            <a:noFill/>
+          </a:ln>
+        </p:spPr>
+        <p:style>
+          <a:lnRef idx="2">
+            <a:schemeClr val="accent1">
+              <a:shade val="50000"/>
+            </a:schemeClr>
+          </a:lnRef>
+          <a:fillRef idx="1">
+            <a:schemeClr val="accent1"/>
+          </a:fillRef>
+          <a:effectRef idx="0">
+            <a:schemeClr val="accent1"/>
+          </a:effectRef>
+          <a:fontRef idx="minor">
+            <a:schemeClr val="lt1"/>
+          </a:fontRef>
+        </p:style>
+        <p:txBody>
+          <a:bodyPr rtlCol="0" anchor="ctr"/>
+          <a:lstStyle/>
+          <a:p>
+            <a:r>
+              <a:rPr lang="en-US" dirty="0" smtClean="0"/>
+              <a:t>Bạn dùng </a:t>
+            </a:r>
+            <a:r>
+              <a:rPr lang="en-US" b="1" dirty="0" smtClean="0"/>
+              <a:t>forever</a:t>
+            </a:r>
+            <a:r>
+              <a:rPr lang="en-US" dirty="0" smtClean="0"/>
+              <a:t> để luôn luôn nhận được giá trị khoảng cách mà cảm biến siêu âm đo được, và kiểm tra nó bằng if else mọi lúc.</a:t>
+            </a:r>
+            <a:endParaRPr lang="en-US" dirty="0"/>
+          </a:p>
+        </p:txBody>
+      </p:sp>
+      <p:pic>
+        <p:nvPicPr>
+          <p:cNvPr id="12" name="Picture 11"/>
+          <p:cNvPicPr>
+            <a:picLocks noChangeAspect="1"/>
+          </p:cNvPicPr>
+          <p:nvPr/>
+        </p:nvPicPr>
+        <p:blipFill>
+          <a:blip r:embed="rId4">
+            <a:extLst>
+              <a:ext uri="{28A0092B-C50C-407E-A947-70E740481C1C}">
+                <a14:useLocalDpi xmlns:a14="http://schemas.microsoft.com/office/drawing/2010/main" val="0"/>
+              </a:ext>
+            </a:extLst>
+          </a:blip>
+          <a:stretch>
+            <a:fillRect/>
+          </a:stretch>
+        </p:blipFill>
+        <p:spPr>
+          <a:xfrm rot="21428780">
+            <a:off x="7451660" y="3037172"/>
+            <a:ext cx="1562887" cy="1468879"/>
+          </a:xfrm>
+          <a:prstGeom prst="rect">
+            <a:avLst/>
+          </a:prstGeom>
+        </p:spPr>
+      </p:pic>
     </p:spTree>
     <p:extLst>
       <p:ext uri="{BB962C8B-B14F-4D97-AF65-F5344CB8AC3E}">
-        <p14:creationId xmlns:p14="http://schemas.microsoft.com/office/powerpoint/2010/main" val="3773185111"/>
+        <p14:creationId xmlns:p14="http://schemas.microsoft.com/office/powerpoint/2010/main" val="3527867414"/>
       </p:ext>
     </p:extLst>
   </p:cSld>
@@ -4945,112 +6412,7 @@
       </p:sp>
       <p:sp>
         <p:nvSpPr>
-          <p:cNvPr id="5" name="TextBox 4"/>
-          <p:cNvSpPr txBox="1"/>
-          <p:nvPr/>
-        </p:nvSpPr>
-        <p:spPr>
-          <a:xfrm>
-            <a:off x="1265305" y="1364739"/>
-            <a:ext cx="5649845" cy="461665"/>
-          </a:xfrm>
-          <a:prstGeom prst="rect">
-            <a:avLst/>
-          </a:prstGeom>
-          <a:noFill/>
-        </p:spPr>
-        <p:txBody>
-          <a:bodyPr wrap="square" rtlCol="0">
-            <a:spAutoFit/>
-          </a:bodyPr>
-          <a:lstStyle/>
-          <a:p>
-            <a:r>
-              <a:rPr lang="en-US" sz="2400" b="1" dirty="0" smtClean="0">
-                <a:solidFill>
-                  <a:schemeClr val="tx1">
-                    <a:lumMod val="85000"/>
-                    <a:lumOff val="15000"/>
-                  </a:schemeClr>
-                </a:solidFill>
-                <a:latin typeface="UTM Helve" panose="02040603050506020204" pitchFamily="18" charset="0"/>
-                <a:ea typeface="Roboto" pitchFamily="2" charset="0"/>
-              </a:rPr>
-              <a:t>Giữ an toàn cho micro:bit</a:t>
-            </a:r>
-            <a:endParaRPr lang="en-US" sz="2400" b="1" dirty="0">
-              <a:solidFill>
-                <a:schemeClr val="tx1">
-                  <a:lumMod val="85000"/>
-                  <a:lumOff val="15000"/>
-                </a:schemeClr>
-              </a:solidFill>
-              <a:latin typeface="UTM Helve" panose="02040603050506020204" pitchFamily="18" charset="0"/>
-              <a:ea typeface="Roboto" pitchFamily="2" charset="0"/>
-            </a:endParaRPr>
-          </a:p>
-        </p:txBody>
-      </p:sp>
-      <p:pic>
-        <p:nvPicPr>
-          <p:cNvPr id="6" name="Picture 5"/>
-          <p:cNvPicPr>
-            <a:picLocks noChangeAspect="1"/>
-          </p:cNvPicPr>
-          <p:nvPr/>
-        </p:nvPicPr>
-        <p:blipFill>
-          <a:blip r:embed="rId2">
-            <a:extLst>
-              <a:ext uri="{28A0092B-C50C-407E-A947-70E740481C1C}">
-                <a14:useLocalDpi xmlns:a14="http://schemas.microsoft.com/office/drawing/2010/main" val="0"/>
-              </a:ext>
-            </a:extLst>
-          </a:blip>
-          <a:stretch>
-            <a:fillRect/>
-          </a:stretch>
-        </p:blipFill>
-        <p:spPr>
-          <a:xfrm>
-            <a:off x="709053" y="1437696"/>
-            <a:ext cx="466725" cy="409575"/>
-          </a:xfrm>
-          <a:prstGeom prst="rect">
-            <a:avLst/>
-          </a:prstGeom>
-        </p:spPr>
-      </p:pic>
-      <p:pic>
-        <p:nvPicPr>
-          <p:cNvPr id="7" name="Google Shape;149;p5"/>
-          <p:cNvPicPr preferRelativeResize="0"/>
-          <p:nvPr/>
-        </p:nvPicPr>
-        <p:blipFill rotWithShape="1">
-          <a:blip r:embed="rId3">
-            <a:alphaModFix/>
-          </a:blip>
-          <a:srcRect/>
-          <a:stretch/>
-        </p:blipFill>
-        <p:spPr>
-          <a:xfrm>
-            <a:off x="804690" y="2535250"/>
-            <a:ext cx="3206517" cy="3182856"/>
-          </a:xfrm>
-          <a:prstGeom prst="rect">
-            <a:avLst/>
-          </a:prstGeom>
-          <a:noFill/>
-          <a:ln>
-            <a:noFill/>
-          </a:ln>
-        </p:spPr>
-      </p:pic>
-      <p:sp>
-        <p:nvSpPr>
-          <p:cNvPr id="8" name="Title 1"/>
+          <p:cNvPr id="3" name="Title 1"/>
           <p:cNvSpPr txBox="1">
             <a:spLocks/>
           </p:cNvSpPr>
@@ -5058,8 +6420,8 @@
         </p:nvSpPr>
         <p:spPr>
           <a:xfrm>
-            <a:off x="4261791" y="2490360"/>
-            <a:ext cx="4253559" cy="3227746"/>
+            <a:off x="709053" y="4862785"/>
+            <a:ext cx="5644503" cy="508846"/>
           </a:xfrm>
           <a:prstGeom prst="rect">
             <a:avLst/>
@@ -5087,15 +6449,13 @@
             </a:lvl1pPr>
           </a:lstStyle>
           <a:p>
-            <a:pPr marL="342900" indent="-342900">
+            <a:pPr>
               <a:lnSpc>
                 <a:spcPct val="100000"/>
               </a:lnSpc>
-              <a:buFont typeface="Arial" panose="020B0604020202020204" pitchFamily="34" charset="0"/>
-              <a:buChar char="•"/>
             </a:pPr>
             <a:r>
-              <a:rPr lang="en-US" sz="2400" b="0" dirty="0">
+              <a:rPr lang="en-US" sz="2000" b="0" dirty="0" smtClean="0">
                 <a:solidFill>
                   <a:schemeClr val="tx1">
                     <a:lumMod val="95000"/>
@@ -5104,10 +6464,81 @@
                 </a:solidFill>
                 <a:ea typeface="Roboto Condensed" pitchFamily="2" charset="0"/>
               </a:rPr>
-              <a:t>Cầm micro:bit cẩn thận ở các </a:t>
-            </a:r>
-            <a:r>
-              <a:rPr lang="en-US" sz="2400" b="0" dirty="0" smtClean="0">
+              <a:t>Bước 1: Click Download tải file về máy tính</a:t>
+            </a:r>
+          </a:p>
+        </p:txBody>
+      </p:sp>
+      <p:pic>
+        <p:nvPicPr>
+          <p:cNvPr id="4" name="Picture 3"/>
+          <p:cNvPicPr>
+            <a:picLocks noChangeAspect="1"/>
+          </p:cNvPicPr>
+          <p:nvPr/>
+        </p:nvPicPr>
+        <p:blipFill>
+          <a:blip r:embed="rId2"/>
+          <a:stretch>
+            <a:fillRect/>
+          </a:stretch>
+        </p:blipFill>
+        <p:spPr>
+          <a:xfrm>
+            <a:off x="5743928" y="4822111"/>
+            <a:ext cx="2909512" cy="456394"/>
+          </a:xfrm>
+          <a:prstGeom prst="rect">
+            <a:avLst/>
+          </a:prstGeom>
+        </p:spPr>
+      </p:pic>
+      <p:sp>
+        <p:nvSpPr>
+          <p:cNvPr id="5" name="Title 1"/>
+          <p:cNvSpPr txBox="1">
+            <a:spLocks/>
+          </p:cNvSpPr>
+          <p:nvPr/>
+        </p:nvSpPr>
+        <p:spPr>
+          <a:xfrm>
+            <a:off x="709053" y="5412305"/>
+            <a:ext cx="8047836" cy="496573"/>
+          </a:xfrm>
+          <a:prstGeom prst="rect">
+            <a:avLst/>
+          </a:prstGeom>
+        </p:spPr>
+        <p:txBody>
+          <a:bodyPr/>
+          <a:lstStyle>
+            <a:lvl1pPr algn="l" defTabSz="914400" rtl="0" eaLnBrk="1" latinLnBrk="0" hangingPunct="1">
+              <a:lnSpc>
+                <a:spcPct val="90000"/>
+              </a:lnSpc>
+              <a:spcBef>
+                <a:spcPct val="0"/>
+              </a:spcBef>
+              <a:buNone/>
+              <a:defRPr sz="3200" b="1" kern="1200">
+                <a:solidFill>
+                  <a:srgbClr val="019DD0"/>
+                </a:solidFill>
+                <a:latin typeface="Arial" panose="020B0604020202020204" pitchFamily="34" charset="0"/>
+                <a:ea typeface="+mj-ea"/>
+                <a:cs typeface="Arial" panose="020B0604020202020204" pitchFamily="34" charset="0"/>
+              </a:defRPr>
+            </a:lvl1pPr>
+          </a:lstStyle>
+          <a:p>
+            <a:pPr>
+              <a:lnSpc>
+                <a:spcPct val="100000"/>
+              </a:lnSpc>
+            </a:pPr>
+            <a:r>
+              <a:rPr lang="en-US" sz="2000" b="0" dirty="0" smtClean="0">
                 <a:solidFill>
                   <a:schemeClr val="tx1">
                     <a:lumMod val="95000"/>
@@ -5116,10 +6547,158 @@
                 </a:solidFill>
                 <a:ea typeface="Roboto Condensed" pitchFamily="2" charset="0"/>
               </a:rPr>
-              <a:t>cạnh</a:t>
-            </a:r>
-            <a:br>
-              <a:rPr lang="en-US" sz="2400" b="0" dirty="0" smtClean="0">
+              <a:t>Bước 2: Gắn đầu USB vào máy tính, đầu micro USB vào micro:bit </a:t>
+            </a:r>
+          </a:p>
+        </p:txBody>
+      </p:sp>
+      <p:sp>
+        <p:nvSpPr>
+          <p:cNvPr id="8" name="TextBox 7"/>
+          <p:cNvSpPr txBox="1"/>
+          <p:nvPr/>
+        </p:nvSpPr>
+        <p:spPr>
+          <a:xfrm>
+            <a:off x="1265305" y="1364739"/>
+            <a:ext cx="5649845" cy="461665"/>
+          </a:xfrm>
+          <a:prstGeom prst="rect">
+            <a:avLst/>
+          </a:prstGeom>
+          <a:noFill/>
+        </p:spPr>
+        <p:txBody>
+          <a:bodyPr wrap="square" rtlCol="0">
+            <a:spAutoFit/>
+          </a:bodyPr>
+          <a:lstStyle/>
+          <a:p>
+            <a:r>
+              <a:rPr lang="en-US" sz="2400" b="1" dirty="0" smtClean="0">
+                <a:solidFill>
+                  <a:schemeClr val="tx1">
+                    <a:lumMod val="85000"/>
+                    <a:lumOff val="15000"/>
+                  </a:schemeClr>
+                </a:solidFill>
+                <a:latin typeface="UTM Helve" panose="02040603050506020204" pitchFamily="18" charset="0"/>
+                <a:ea typeface="Roboto" pitchFamily="2" charset="0"/>
+              </a:rPr>
+              <a:t>Đưa chương trình vào micro:bit</a:t>
+            </a:r>
+            <a:endParaRPr lang="en-US" sz="2400" b="1" dirty="0">
+              <a:solidFill>
+                <a:schemeClr val="tx1">
+                  <a:lumMod val="85000"/>
+                  <a:lumOff val="15000"/>
+                </a:schemeClr>
+              </a:solidFill>
+              <a:latin typeface="UTM Helve" panose="02040603050506020204" pitchFamily="18" charset="0"/>
+              <a:ea typeface="Roboto" pitchFamily="2" charset="0"/>
+            </a:endParaRPr>
+          </a:p>
+        </p:txBody>
+      </p:sp>
+      <p:pic>
+        <p:nvPicPr>
+          <p:cNvPr id="9" name="Picture 8"/>
+          <p:cNvPicPr>
+            <a:picLocks noChangeAspect="1"/>
+          </p:cNvPicPr>
+          <p:nvPr/>
+        </p:nvPicPr>
+        <p:blipFill>
+          <a:blip r:embed="rId3">
+            <a:extLst>
+              <a:ext uri="{28A0092B-C50C-407E-A947-70E740481C1C}">
+                <a14:useLocalDpi xmlns:a14="http://schemas.microsoft.com/office/drawing/2010/main" val="0"/>
+              </a:ext>
+            </a:extLst>
+          </a:blip>
+          <a:stretch>
+            <a:fillRect/>
+          </a:stretch>
+        </p:blipFill>
+        <p:spPr>
+          <a:xfrm>
+            <a:off x="709053" y="1437696"/>
+            <a:ext cx="466725" cy="409575"/>
+          </a:xfrm>
+          <a:prstGeom prst="rect">
+            <a:avLst/>
+          </a:prstGeom>
+        </p:spPr>
+      </p:pic>
+      <p:pic>
+        <p:nvPicPr>
+          <p:cNvPr id="11" name="Picture 10"/>
+          <p:cNvPicPr>
+            <a:picLocks noChangeAspect="1"/>
+          </p:cNvPicPr>
+          <p:nvPr/>
+        </p:nvPicPr>
+        <p:blipFill rotWithShape="1">
+          <a:blip r:embed="rId4"/>
+          <a:srcRect t="9567"/>
+          <a:stretch/>
+        </p:blipFill>
+        <p:spPr>
+          <a:xfrm>
+            <a:off x="1477989" y="1992477"/>
+            <a:ext cx="6441059" cy="2452204"/>
+          </a:xfrm>
+          <a:prstGeom prst="rect">
+            <a:avLst/>
+          </a:prstGeom>
+        </p:spPr>
+      </p:pic>
+      <p:sp>
+        <p:nvSpPr>
+          <p:cNvPr id="12" name="Title 1"/>
+          <p:cNvSpPr txBox="1">
+            <a:spLocks/>
+          </p:cNvSpPr>
+          <p:nvPr/>
+        </p:nvSpPr>
+        <p:spPr>
+          <a:xfrm>
+            <a:off x="709053" y="5983805"/>
+            <a:ext cx="8047836" cy="496573"/>
+          </a:xfrm>
+          <a:prstGeom prst="rect">
+            <a:avLst/>
+          </a:prstGeom>
+        </p:spPr>
+        <p:txBody>
+          <a:bodyPr/>
+          <a:lstStyle>
+            <a:lvl1pPr algn="l" defTabSz="914400" rtl="0" eaLnBrk="1" latinLnBrk="0" hangingPunct="1">
+              <a:lnSpc>
+                <a:spcPct val="90000"/>
+              </a:lnSpc>
+              <a:spcBef>
+                <a:spcPct val="0"/>
+              </a:spcBef>
+              <a:buNone/>
+              <a:defRPr sz="3200" b="1" kern="1200">
+                <a:solidFill>
+                  <a:srgbClr val="019DD0"/>
+                </a:solidFill>
+                <a:latin typeface="Arial" panose="020B0604020202020204" pitchFamily="34" charset="0"/>
+                <a:ea typeface="+mj-ea"/>
+                <a:cs typeface="Arial" panose="020B0604020202020204" pitchFamily="34" charset="0"/>
+              </a:defRPr>
+            </a:lvl1pPr>
+          </a:lstStyle>
+          <a:p>
+            <a:pPr>
+              <a:lnSpc>
+                <a:spcPct val="100000"/>
+              </a:lnSpc>
+            </a:pPr>
+            <a:r>
+              <a:rPr lang="en-US" sz="2000" b="0" dirty="0" smtClean="0">
                 <a:solidFill>
                   <a:schemeClr val="tx1">
                     <a:lumMod val="95000"/>
@@ -5128,84 +6707,14 @@
                 </a:solidFill>
                 <a:ea typeface="Roboto Condensed" pitchFamily="2" charset="0"/>
               </a:rPr>
-            </a:br>
-            <a:endParaRPr lang="en-US" sz="2400" b="0" dirty="0" smtClean="0">
-              <a:solidFill>
-                <a:schemeClr val="tx1">
-                  <a:lumMod val="95000"/>
-                  <a:lumOff val="5000"/>
-                </a:schemeClr>
-              </a:solidFill>
-              <a:ea typeface="Roboto Condensed" pitchFamily="2" charset="0"/>
-            </a:endParaRPr>
-          </a:p>
-          <a:p>
-            <a:pPr marL="342900" indent="-342900">
-              <a:lnSpc>
-                <a:spcPct val="100000"/>
-              </a:lnSpc>
-              <a:buFont typeface="Arial" panose="020B0604020202020204" pitchFamily="34" charset="0"/>
-              <a:buChar char="•"/>
-            </a:pPr>
-            <a:r>
-              <a:rPr lang="en-US" sz="2400" b="0" dirty="0" smtClean="0">
-                <a:solidFill>
-                  <a:schemeClr val="tx1">
-                    <a:lumMod val="95000"/>
-                    <a:lumOff val="5000"/>
-                  </a:schemeClr>
-                </a:solidFill>
-                <a:ea typeface="Roboto Condensed" pitchFamily="2" charset="0"/>
-              </a:rPr>
-              <a:t>Tránh chạm vào các bộ phận</a:t>
-            </a:r>
-            <a:br>
-              <a:rPr lang="en-US" sz="2400" b="0" dirty="0" smtClean="0">
-                <a:solidFill>
-                  <a:schemeClr val="tx1">
-                    <a:lumMod val="95000"/>
-                    <a:lumOff val="5000"/>
-                  </a:schemeClr>
-                </a:solidFill>
-                <a:ea typeface="Roboto Condensed" pitchFamily="2" charset="0"/>
-              </a:rPr>
-            </a:br>
-            <a:endParaRPr lang="en-US" sz="2400" b="0" dirty="0" smtClean="0">
-              <a:solidFill>
-                <a:schemeClr val="tx1">
-                  <a:lumMod val="95000"/>
-                  <a:lumOff val="5000"/>
-                </a:schemeClr>
-              </a:solidFill>
-              <a:ea typeface="Roboto Condensed" pitchFamily="2" charset="0"/>
-            </a:endParaRPr>
-          </a:p>
-          <a:p>
-            <a:pPr marL="342900" indent="-342900">
-              <a:lnSpc>
-                <a:spcPct val="100000"/>
-              </a:lnSpc>
-              <a:buFont typeface="Arial" panose="020B0604020202020204" pitchFamily="34" charset="0"/>
-              <a:buChar char="•"/>
-            </a:pPr>
-            <a:r>
-              <a:rPr lang="en-US" sz="2400" b="0" dirty="0" smtClean="0">
-                <a:solidFill>
-                  <a:schemeClr val="tx1">
-                    <a:lumMod val="95000"/>
-                    <a:lumOff val="5000"/>
-                  </a:schemeClr>
-                </a:solidFill>
-                <a:ea typeface="Roboto Condensed" pitchFamily="2" charset="0"/>
-              </a:rPr>
-              <a:t>Tránh xa micro:bit khỏi nước</a:t>
-            </a:r>
-          </a:p>
-        </p:txBody>
-      </p:sp>
-      <p:sp>
-        <p:nvSpPr>
-          <p:cNvPr id="9" name="Rectangle 8"/>
+              <a:t>Bước 3: Copy file .hex vào micro:bit </a:t>
+            </a:r>
+          </a:p>
+        </p:txBody>
+      </p:sp>
+      <p:sp>
+        <p:nvSpPr>
+          <p:cNvPr id="13" name="Rectangle 12"/>
           <p:cNvSpPr/>
           <p:nvPr/>
         </p:nvSpPr>
@@ -5260,7 +6769,7 @@
       </p:sp>
       <p:sp>
         <p:nvSpPr>
-          <p:cNvPr id="10" name="TextBox 9"/>
+          <p:cNvPr id="14" name="TextBox 13"/>
           <p:cNvSpPr txBox="1"/>
           <p:nvPr/>
         </p:nvSpPr>
@@ -5288,27 +6797,7 @@
                 <a:latin typeface="UTM Helve" panose="02040603050506020204" pitchFamily="18" charset="0"/>
                 <a:ea typeface="Roboto" pitchFamily="2" charset="0"/>
               </a:rPr>
-              <a:t>13.2 </a:t>
-            </a:r>
-            <a:r>
-              <a:rPr lang="en-US" sz="2400" b="1" dirty="0" smtClean="0">
-                <a:solidFill>
-                  <a:srgbClr val="EC5F77"/>
-                </a:solidFill>
-                <a:latin typeface="UTM Helve" panose="02040603050506020204" pitchFamily="18" charset="0"/>
-                <a:ea typeface="Roboto" pitchFamily="2" charset="0"/>
-              </a:rPr>
-              <a:t>Sử dụng </a:t>
-            </a:r>
-            <a:r>
-              <a:rPr lang="en-US" sz="2400" b="1" dirty="0" smtClean="0">
-                <a:solidFill>
-                  <a:srgbClr val="EC5F77"/>
-                </a:solidFill>
-                <a:latin typeface="UTM Helve" panose="02040603050506020204" pitchFamily="18" charset="0"/>
-                <a:ea typeface="Roboto" pitchFamily="2" charset="0"/>
-              </a:rPr>
-              <a:t>Servor</a:t>
+              <a:t>13.2 Sử dụng Servor</a:t>
             </a:r>
             <a:endParaRPr lang="en-US" sz="2400" b="1" dirty="0">
               <a:solidFill>
@@ -5323,7 +6812,7 @@
     </p:spTree>
     <p:extLst>
       <p:ext uri="{BB962C8B-B14F-4D97-AF65-F5344CB8AC3E}">
-        <p14:creationId xmlns:p14="http://schemas.microsoft.com/office/powerpoint/2010/main" val="2800974292"/>
+        <p14:creationId xmlns:p14="http://schemas.microsoft.com/office/powerpoint/2010/main" val="3773185111"/>
       </p:ext>
     </p:extLst>
   </p:cSld>
@@ -5376,7 +6865,267 @@
       </p:sp>
       <p:sp>
         <p:nvSpPr>
-          <p:cNvPr id="3" name="Rectangle 2"/>
+          <p:cNvPr id="5" name="TextBox 4"/>
+          <p:cNvSpPr txBox="1"/>
+          <p:nvPr/>
+        </p:nvSpPr>
+        <p:spPr>
+          <a:xfrm>
+            <a:off x="1265305" y="1364739"/>
+            <a:ext cx="5649845" cy="461665"/>
+          </a:xfrm>
+          <a:prstGeom prst="rect">
+            <a:avLst/>
+          </a:prstGeom>
+          <a:noFill/>
+        </p:spPr>
+        <p:txBody>
+          <a:bodyPr wrap="square" rtlCol="0">
+            <a:spAutoFit/>
+          </a:bodyPr>
+          <a:lstStyle/>
+          <a:p>
+            <a:r>
+              <a:rPr lang="en-US" sz="2400" b="1" dirty="0" smtClean="0">
+                <a:solidFill>
+                  <a:schemeClr val="tx1">
+                    <a:lumMod val="85000"/>
+                    <a:lumOff val="15000"/>
+                  </a:schemeClr>
+                </a:solidFill>
+                <a:latin typeface="UTM Helve" panose="02040603050506020204" pitchFamily="18" charset="0"/>
+                <a:ea typeface="Roboto" pitchFamily="2" charset="0"/>
+              </a:rPr>
+              <a:t>Giữ an toàn cho micro:bit</a:t>
+            </a:r>
+            <a:endParaRPr lang="en-US" sz="2400" b="1" dirty="0">
+              <a:solidFill>
+                <a:schemeClr val="tx1">
+                  <a:lumMod val="85000"/>
+                  <a:lumOff val="15000"/>
+                </a:schemeClr>
+              </a:solidFill>
+              <a:latin typeface="UTM Helve" panose="02040603050506020204" pitchFamily="18" charset="0"/>
+              <a:ea typeface="Roboto" pitchFamily="2" charset="0"/>
+            </a:endParaRPr>
+          </a:p>
+        </p:txBody>
+      </p:sp>
+      <p:pic>
+        <p:nvPicPr>
+          <p:cNvPr id="6" name="Picture 5"/>
+          <p:cNvPicPr>
+            <a:picLocks noChangeAspect="1"/>
+          </p:cNvPicPr>
+          <p:nvPr/>
+        </p:nvPicPr>
+        <p:blipFill>
+          <a:blip r:embed="rId2">
+            <a:extLst>
+              <a:ext uri="{28A0092B-C50C-407E-A947-70E740481C1C}">
+                <a14:useLocalDpi xmlns:a14="http://schemas.microsoft.com/office/drawing/2010/main" val="0"/>
+              </a:ext>
+            </a:extLst>
+          </a:blip>
+          <a:stretch>
+            <a:fillRect/>
+          </a:stretch>
+        </p:blipFill>
+        <p:spPr>
+          <a:xfrm>
+            <a:off x="709053" y="1437696"/>
+            <a:ext cx="466725" cy="409575"/>
+          </a:xfrm>
+          <a:prstGeom prst="rect">
+            <a:avLst/>
+          </a:prstGeom>
+        </p:spPr>
+      </p:pic>
+      <p:pic>
+        <p:nvPicPr>
+          <p:cNvPr id="7" name="Google Shape;149;p5"/>
+          <p:cNvPicPr preferRelativeResize="0"/>
+          <p:nvPr/>
+        </p:nvPicPr>
+        <p:blipFill rotWithShape="1">
+          <a:blip r:embed="rId3">
+            <a:alphaModFix/>
+          </a:blip>
+          <a:srcRect/>
+          <a:stretch/>
+        </p:blipFill>
+        <p:spPr>
+          <a:xfrm>
+            <a:off x="804690" y="2535250"/>
+            <a:ext cx="3206517" cy="3182856"/>
+          </a:xfrm>
+          <a:prstGeom prst="rect">
+            <a:avLst/>
+          </a:prstGeom>
+          <a:noFill/>
+          <a:ln>
+            <a:noFill/>
+          </a:ln>
+        </p:spPr>
+      </p:pic>
+      <p:sp>
+        <p:nvSpPr>
+          <p:cNvPr id="8" name="Title 1"/>
+          <p:cNvSpPr txBox="1">
+            <a:spLocks/>
+          </p:cNvSpPr>
+          <p:nvPr/>
+        </p:nvSpPr>
+        <p:spPr>
+          <a:xfrm>
+            <a:off x="4261791" y="2490360"/>
+            <a:ext cx="4253559" cy="3227746"/>
+          </a:xfrm>
+          <a:prstGeom prst="rect">
+            <a:avLst/>
+          </a:prstGeom>
+        </p:spPr>
+        <p:txBody>
+          <a:bodyPr/>
+          <a:lstStyle>
+            <a:lvl1pPr algn="l" defTabSz="914400" rtl="0" eaLnBrk="1" latinLnBrk="0" hangingPunct="1">
+              <a:lnSpc>
+                <a:spcPct val="90000"/>
+              </a:lnSpc>
+              <a:spcBef>
+                <a:spcPct val="0"/>
+              </a:spcBef>
+              <a:buNone/>
+              <a:defRPr sz="3200" b="1" kern="1200">
+                <a:solidFill>
+                  <a:srgbClr val="019DD0"/>
+                </a:solidFill>
+                <a:latin typeface="Arial" panose="020B0604020202020204" pitchFamily="34" charset="0"/>
+                <a:ea typeface="+mj-ea"/>
+                <a:cs typeface="Arial" panose="020B0604020202020204" pitchFamily="34" charset="0"/>
+              </a:defRPr>
+            </a:lvl1pPr>
+          </a:lstStyle>
+          <a:p>
+            <a:pPr marL="342900" indent="-342900">
+              <a:lnSpc>
+                <a:spcPct val="100000"/>
+              </a:lnSpc>
+              <a:buFont typeface="Arial" panose="020B0604020202020204" pitchFamily="34" charset="0"/>
+              <a:buChar char="•"/>
+            </a:pPr>
+            <a:r>
+              <a:rPr lang="en-US" sz="2400" b="0" dirty="0">
+                <a:solidFill>
+                  <a:schemeClr val="tx1">
+                    <a:lumMod val="95000"/>
+                    <a:lumOff val="5000"/>
+                  </a:schemeClr>
+                </a:solidFill>
+                <a:ea typeface="Roboto Condensed" pitchFamily="2" charset="0"/>
+              </a:rPr>
+              <a:t>Cầm micro:bit cẩn thận ở các </a:t>
+            </a:r>
+            <a:r>
+              <a:rPr lang="en-US" sz="2400" b="0" dirty="0" smtClean="0">
+                <a:solidFill>
+                  <a:schemeClr val="tx1">
+                    <a:lumMod val="95000"/>
+                    <a:lumOff val="5000"/>
+                  </a:schemeClr>
+                </a:solidFill>
+                <a:ea typeface="Roboto Condensed" pitchFamily="2" charset="0"/>
+              </a:rPr>
+              <a:t>cạnh</a:t>
+            </a:r>
+            <a:br>
+              <a:rPr lang="en-US" sz="2400" b="0" dirty="0" smtClean="0">
+                <a:solidFill>
+                  <a:schemeClr val="tx1">
+                    <a:lumMod val="95000"/>
+                    <a:lumOff val="5000"/>
+                  </a:schemeClr>
+                </a:solidFill>
+                <a:ea typeface="Roboto Condensed" pitchFamily="2" charset="0"/>
+              </a:rPr>
+            </a:br>
+            <a:endParaRPr lang="en-US" sz="2400" b="0" dirty="0" smtClean="0">
+              <a:solidFill>
+                <a:schemeClr val="tx1">
+                  <a:lumMod val="95000"/>
+                  <a:lumOff val="5000"/>
+                </a:schemeClr>
+              </a:solidFill>
+              <a:ea typeface="Roboto Condensed" pitchFamily="2" charset="0"/>
+            </a:endParaRPr>
+          </a:p>
+          <a:p>
+            <a:pPr marL="342900" indent="-342900">
+              <a:lnSpc>
+                <a:spcPct val="100000"/>
+              </a:lnSpc>
+              <a:buFont typeface="Arial" panose="020B0604020202020204" pitchFamily="34" charset="0"/>
+              <a:buChar char="•"/>
+            </a:pPr>
+            <a:r>
+              <a:rPr lang="en-US" sz="2400" b="0" dirty="0" smtClean="0">
+                <a:solidFill>
+                  <a:schemeClr val="tx1">
+                    <a:lumMod val="95000"/>
+                    <a:lumOff val="5000"/>
+                  </a:schemeClr>
+                </a:solidFill>
+                <a:ea typeface="Roboto Condensed" pitchFamily="2" charset="0"/>
+              </a:rPr>
+              <a:t>Tránh chạm vào các bộ phận</a:t>
+            </a:r>
+            <a:br>
+              <a:rPr lang="en-US" sz="2400" b="0" dirty="0" smtClean="0">
+                <a:solidFill>
+                  <a:schemeClr val="tx1">
+                    <a:lumMod val="95000"/>
+                    <a:lumOff val="5000"/>
+                  </a:schemeClr>
+                </a:solidFill>
+                <a:ea typeface="Roboto Condensed" pitchFamily="2" charset="0"/>
+              </a:rPr>
+            </a:br>
+            <a:endParaRPr lang="en-US" sz="2400" b="0" dirty="0" smtClean="0">
+              <a:solidFill>
+                <a:schemeClr val="tx1">
+                  <a:lumMod val="95000"/>
+                  <a:lumOff val="5000"/>
+                </a:schemeClr>
+              </a:solidFill>
+              <a:ea typeface="Roboto Condensed" pitchFamily="2" charset="0"/>
+            </a:endParaRPr>
+          </a:p>
+          <a:p>
+            <a:pPr marL="342900" indent="-342900">
+              <a:lnSpc>
+                <a:spcPct val="100000"/>
+              </a:lnSpc>
+              <a:buFont typeface="Arial" panose="020B0604020202020204" pitchFamily="34" charset="0"/>
+              <a:buChar char="•"/>
+            </a:pPr>
+            <a:r>
+              <a:rPr lang="en-US" sz="2400" b="0" dirty="0" smtClean="0">
+                <a:solidFill>
+                  <a:schemeClr val="tx1">
+                    <a:lumMod val="95000"/>
+                    <a:lumOff val="5000"/>
+                  </a:schemeClr>
+                </a:solidFill>
+                <a:ea typeface="Roboto Condensed" pitchFamily="2" charset="0"/>
+              </a:rPr>
+              <a:t>Tránh xa micro:bit khỏi nước</a:t>
+            </a:r>
+          </a:p>
+        </p:txBody>
+      </p:sp>
+      <p:sp>
+        <p:nvSpPr>
+          <p:cNvPr id="9" name="Rectangle 8"/>
           <p:cNvSpPr/>
           <p:nvPr/>
         </p:nvSpPr>
@@ -5431,7 +7180,7 @@
       </p:sp>
       <p:sp>
         <p:nvSpPr>
-          <p:cNvPr id="4" name="TextBox 3"/>
+          <p:cNvPr id="10" name="TextBox 9"/>
           <p:cNvSpPr txBox="1"/>
           <p:nvPr/>
         </p:nvSpPr>
@@ -5459,72 +7208,11 @@
                 <a:latin typeface="UTM Helve" panose="02040603050506020204" pitchFamily="18" charset="0"/>
                 <a:ea typeface="Roboto" pitchFamily="2" charset="0"/>
               </a:rPr>
-              <a:t>13.4 </a:t>
-            </a:r>
-            <a:r>
-              <a:rPr lang="en-US" sz="2400" b="1" dirty="0" smtClean="0">
-                <a:solidFill>
-                  <a:srgbClr val="EC5F77"/>
-                </a:solidFill>
-                <a:latin typeface="UTM Helve" panose="02040603050506020204" pitchFamily="18" charset="0"/>
-                <a:ea typeface="Roboto" pitchFamily="2" charset="0"/>
-              </a:rPr>
-              <a:t>Hoạt </a:t>
-            </a:r>
-            <a:r>
-              <a:rPr lang="en-US" sz="2400" b="1" dirty="0">
-                <a:solidFill>
-                  <a:srgbClr val="EC5F77"/>
-                </a:solidFill>
-                <a:latin typeface="UTM Helve" panose="02040603050506020204" pitchFamily="18" charset="0"/>
-                <a:ea typeface="Roboto" pitchFamily="2" charset="0"/>
-              </a:rPr>
-              <a:t>động học viên</a:t>
-            </a:r>
-          </a:p>
-        </p:txBody>
-      </p:sp>
-      <p:sp>
-        <p:nvSpPr>
-          <p:cNvPr id="7" name="TextBox 6"/>
-          <p:cNvSpPr txBox="1"/>
-          <p:nvPr/>
-        </p:nvSpPr>
-        <p:spPr>
-          <a:xfrm>
-            <a:off x="1098981" y="1272143"/>
-            <a:ext cx="4007624" cy="461665"/>
-          </a:xfrm>
-          <a:prstGeom prst="rect">
-            <a:avLst/>
-          </a:prstGeom>
-          <a:noFill/>
-        </p:spPr>
-        <p:txBody>
-          <a:bodyPr wrap="square" rtlCol="0">
-            <a:spAutoFit/>
-          </a:bodyPr>
-          <a:lstStyle/>
-          <a:p>
-            <a:r>
-              <a:rPr lang="en-US" sz="2400" b="1" dirty="0" smtClean="0">
-                <a:solidFill>
-                  <a:schemeClr val="tx1">
-                    <a:lumMod val="85000"/>
-                    <a:lumOff val="15000"/>
-                  </a:schemeClr>
-                </a:solidFill>
-                <a:latin typeface="UTM Helve" panose="02040603050506020204" pitchFamily="18" charset="0"/>
-                <a:ea typeface="Roboto" pitchFamily="2" charset="0"/>
-              </a:rPr>
-              <a:t>Xe cảnh sát zoom:bit</a:t>
+              <a:t>13.2 Sử dụng Servor</a:t>
             </a:r>
             <a:endParaRPr lang="en-US" sz="2400" b="1" dirty="0">
               <a:solidFill>
-                <a:schemeClr val="tx1">
-                  <a:lumMod val="85000"/>
-                  <a:lumOff val="15000"/>
-                </a:schemeClr>
+                <a:srgbClr val="EC5F77"/>
               </a:solidFill>
               <a:latin typeface="UTM Helve" panose="02040603050506020204" pitchFamily="18" charset="0"/>
               <a:ea typeface="Roboto" pitchFamily="2" charset="0"/>
@@ -5532,1154 +7220,10 @@
           </a:p>
         </p:txBody>
       </p:sp>
-      <p:pic>
-        <p:nvPicPr>
-          <p:cNvPr id="8" name="Picture 7"/>
-          <p:cNvPicPr>
-            <a:picLocks noChangeAspect="1"/>
-          </p:cNvPicPr>
-          <p:nvPr/>
-        </p:nvPicPr>
-        <p:blipFill>
-          <a:blip r:embed="rId2">
-            <a:extLst>
-              <a:ext uri="{28A0092B-C50C-407E-A947-70E740481C1C}">
-                <a14:useLocalDpi xmlns:a14="http://schemas.microsoft.com/office/drawing/2010/main" val="0"/>
-              </a:ext>
-            </a:extLst>
-          </a:blip>
-          <a:stretch>
-            <a:fillRect/>
-          </a:stretch>
-        </p:blipFill>
-        <p:spPr>
-          <a:xfrm>
-            <a:off x="542728" y="1345100"/>
-            <a:ext cx="466725" cy="409575"/>
-          </a:xfrm>
-          <a:prstGeom prst="rect">
-            <a:avLst/>
-          </a:prstGeom>
-        </p:spPr>
-      </p:pic>
-      <p:sp>
-        <p:nvSpPr>
-          <p:cNvPr id="11" name="Rectangle 10"/>
-          <p:cNvSpPr/>
-          <p:nvPr/>
-        </p:nvSpPr>
-        <p:spPr>
-          <a:xfrm>
-            <a:off x="418918" y="1761309"/>
-            <a:ext cx="8605811" cy="369332"/>
-          </a:xfrm>
-          <a:prstGeom prst="rect">
-            <a:avLst/>
-          </a:prstGeom>
-        </p:spPr>
-        <p:txBody>
-          <a:bodyPr wrap="square">
-            <a:spAutoFit/>
-          </a:bodyPr>
-          <a:lstStyle/>
-          <a:p>
-            <a:r>
-              <a:rPr lang="en-US" dirty="0" smtClean="0"/>
-              <a:t>Sử dụng zoom:bit giả làm một xe cảnh sát với yêu cầu chương trình như sau:</a:t>
-            </a:r>
-            <a:endParaRPr lang="en-US" dirty="0" smtClean="0"/>
-          </a:p>
-        </p:txBody>
-      </p:sp>
-      <p:sp>
-        <p:nvSpPr>
-          <p:cNvPr id="19" name="Title 1"/>
-          <p:cNvSpPr txBox="1">
-            <a:spLocks/>
-          </p:cNvSpPr>
-          <p:nvPr/>
-        </p:nvSpPr>
-        <p:spPr>
-          <a:xfrm>
-            <a:off x="770775" y="2203380"/>
-            <a:ext cx="7790129" cy="772904"/>
-          </a:xfrm>
-          <a:prstGeom prst="rect">
-            <a:avLst/>
-          </a:prstGeom>
-        </p:spPr>
-        <p:txBody>
-          <a:bodyPr/>
-          <a:lstStyle>
-            <a:lvl1pPr algn="l" defTabSz="914400" rtl="0" eaLnBrk="1" latinLnBrk="0" hangingPunct="1">
-              <a:lnSpc>
-                <a:spcPct val="90000"/>
-              </a:lnSpc>
-              <a:spcBef>
-                <a:spcPct val="0"/>
-              </a:spcBef>
-              <a:buNone/>
-              <a:defRPr sz="3200" b="1" kern="1200">
-                <a:solidFill>
-                  <a:srgbClr val="019DD0"/>
-                </a:solidFill>
-                <a:latin typeface="Arial" panose="020B0604020202020204" pitchFamily="34" charset="0"/>
-                <a:ea typeface="+mj-ea"/>
-                <a:cs typeface="Arial" panose="020B0604020202020204" pitchFamily="34" charset="0"/>
-              </a:defRPr>
-            </a:lvl1pPr>
-          </a:lstStyle>
-          <a:p>
-            <a:pPr>
-              <a:lnSpc>
-                <a:spcPct val="100000"/>
-              </a:lnSpc>
-            </a:pPr>
-            <a:r>
-              <a:rPr lang="vi-VN" sz="2000" b="0" dirty="0">
-                <a:solidFill>
-                  <a:schemeClr val="tx1">
-                    <a:lumMod val="95000"/>
-                    <a:lumOff val="5000"/>
-                  </a:schemeClr>
-                </a:solidFill>
-                <a:ea typeface="Roboto Condensed" pitchFamily="2" charset="0"/>
-              </a:rPr>
-              <a:t>Khởi động lên thì cho Servo xoay đầu phía trước, </a:t>
-            </a:r>
-            <a:r>
-              <a:rPr lang="vi-VN" sz="2000" b="0" dirty="0" smtClean="0">
-                <a:solidFill>
-                  <a:schemeClr val="tx1">
-                    <a:lumMod val="95000"/>
-                    <a:lumOff val="5000"/>
-                  </a:schemeClr>
-                </a:solidFill>
-                <a:ea typeface="Roboto Condensed" pitchFamily="2" charset="0"/>
-              </a:rPr>
-              <a:t>Màn </a:t>
-            </a:r>
-            <a:r>
-              <a:rPr lang="vi-VN" sz="2000" b="0" dirty="0">
-                <a:solidFill>
-                  <a:schemeClr val="tx1">
-                    <a:lumMod val="95000"/>
-                    <a:lumOff val="5000"/>
-                  </a:schemeClr>
-                </a:solidFill>
-                <a:ea typeface="Roboto Condensed" pitchFamily="2" charset="0"/>
-              </a:rPr>
-              <a:t>hình LED hiển thị mặt cười. Bật âm thanh power up</a:t>
-            </a:r>
-            <a:endParaRPr lang="vi-VN" sz="2000" b="0" dirty="0">
-              <a:solidFill>
-                <a:schemeClr val="tx1">
-                  <a:lumMod val="95000"/>
-                  <a:lumOff val="5000"/>
-                </a:schemeClr>
-              </a:solidFill>
-              <a:ea typeface="Roboto Condensed" pitchFamily="2" charset="0"/>
-            </a:endParaRPr>
-          </a:p>
-        </p:txBody>
-      </p:sp>
-      <p:sp>
-        <p:nvSpPr>
-          <p:cNvPr id="20" name="Rectangle 19"/>
-          <p:cNvSpPr/>
-          <p:nvPr/>
-        </p:nvSpPr>
-        <p:spPr>
-          <a:xfrm>
-            <a:off x="542728" y="3083694"/>
-            <a:ext cx="172836" cy="176901"/>
-          </a:xfrm>
-          <a:prstGeom prst="rect">
-            <a:avLst/>
-          </a:prstGeom>
-          <a:solidFill>
-            <a:srgbClr val="EC5F77"/>
-          </a:solidFill>
-          <a:ln>
-            <a:noFill/>
-          </a:ln>
-        </p:spPr>
-        <p:style>
-          <a:lnRef idx="2">
-            <a:schemeClr val="accent1">
-              <a:shade val="50000"/>
-            </a:schemeClr>
-          </a:lnRef>
-          <a:fillRef idx="1">
-            <a:schemeClr val="accent1"/>
-          </a:fillRef>
-          <a:effectRef idx="0">
-            <a:schemeClr val="accent1"/>
-          </a:effectRef>
-          <a:fontRef idx="minor">
-            <a:schemeClr val="lt1"/>
-          </a:fontRef>
-        </p:style>
-        <p:txBody>
-          <a:bodyPr rtlCol="0" anchor="ctr"/>
-          <a:lstStyle/>
-          <a:p>
-            <a:pPr algn="ctr"/>
-            <a:endParaRPr lang="en-US"/>
-          </a:p>
-        </p:txBody>
-      </p:sp>
-      <p:sp>
-        <p:nvSpPr>
-          <p:cNvPr id="22" name="Rectangle 21"/>
-          <p:cNvSpPr/>
-          <p:nvPr/>
-        </p:nvSpPr>
-        <p:spPr>
-          <a:xfrm>
-            <a:off x="542728" y="3633435"/>
-            <a:ext cx="172836" cy="176901"/>
-          </a:xfrm>
-          <a:prstGeom prst="rect">
-            <a:avLst/>
-          </a:prstGeom>
-          <a:solidFill>
-            <a:srgbClr val="EC5F77"/>
-          </a:solidFill>
-          <a:ln>
-            <a:noFill/>
-          </a:ln>
-        </p:spPr>
-        <p:style>
-          <a:lnRef idx="2">
-            <a:schemeClr val="accent1">
-              <a:shade val="50000"/>
-            </a:schemeClr>
-          </a:lnRef>
-          <a:fillRef idx="1">
-            <a:schemeClr val="accent1"/>
-          </a:fillRef>
-          <a:effectRef idx="0">
-            <a:schemeClr val="accent1"/>
-          </a:effectRef>
-          <a:fontRef idx="minor">
-            <a:schemeClr val="lt1"/>
-          </a:fontRef>
-        </p:style>
-        <p:txBody>
-          <a:bodyPr rtlCol="0" anchor="ctr"/>
-          <a:lstStyle/>
-          <a:p>
-            <a:pPr algn="ctr"/>
-            <a:endParaRPr lang="en-US"/>
-          </a:p>
-        </p:txBody>
-      </p:sp>
-      <p:sp>
-        <p:nvSpPr>
-          <p:cNvPr id="23" name="Title 1"/>
-          <p:cNvSpPr txBox="1">
-            <a:spLocks/>
-          </p:cNvSpPr>
-          <p:nvPr/>
-        </p:nvSpPr>
-        <p:spPr>
-          <a:xfrm>
-            <a:off x="770775" y="3501799"/>
-            <a:ext cx="4636112" cy="784842"/>
-          </a:xfrm>
-          <a:prstGeom prst="rect">
-            <a:avLst/>
-          </a:prstGeom>
-        </p:spPr>
-        <p:txBody>
-          <a:bodyPr/>
-          <a:lstStyle>
-            <a:lvl1pPr algn="l" defTabSz="914400" rtl="0" eaLnBrk="1" latinLnBrk="0" hangingPunct="1">
-              <a:lnSpc>
-                <a:spcPct val="90000"/>
-              </a:lnSpc>
-              <a:spcBef>
-                <a:spcPct val="0"/>
-              </a:spcBef>
-              <a:buNone/>
-              <a:defRPr sz="3200" b="1" kern="1200">
-                <a:solidFill>
-                  <a:srgbClr val="019DD0"/>
-                </a:solidFill>
-                <a:latin typeface="Arial" panose="020B0604020202020204" pitchFamily="34" charset="0"/>
-                <a:ea typeface="+mj-ea"/>
-                <a:cs typeface="Arial" panose="020B0604020202020204" pitchFamily="34" charset="0"/>
-              </a:defRPr>
-            </a:lvl1pPr>
-          </a:lstStyle>
-          <a:p>
-            <a:pPr>
-              <a:lnSpc>
-                <a:spcPct val="100000"/>
-              </a:lnSpc>
-            </a:pPr>
-            <a:r>
-              <a:rPr lang="vi-VN" sz="2000" b="0" dirty="0">
-                <a:solidFill>
-                  <a:schemeClr val="tx1">
-                    <a:lumMod val="95000"/>
-                    <a:lumOff val="5000"/>
-                  </a:schemeClr>
-                </a:solidFill>
-                <a:ea typeface="Roboto Condensed" pitchFamily="2" charset="0"/>
-              </a:rPr>
-              <a:t>Nhấn button A, </a:t>
-            </a:r>
-            <a:r>
-              <a:rPr lang="en-US" sz="2000" b="0" dirty="0" smtClean="0">
-                <a:solidFill>
-                  <a:schemeClr val="tx1">
-                    <a:lumMod val="95000"/>
-                    <a:lumOff val="5000"/>
-                  </a:schemeClr>
-                </a:solidFill>
-                <a:ea typeface="Roboto Condensed" pitchFamily="2" charset="0"/>
-              </a:rPr>
-              <a:t>đầu </a:t>
-            </a:r>
-            <a:r>
-              <a:rPr lang="vi-VN" sz="2000" b="0" dirty="0" smtClean="0">
-                <a:solidFill>
-                  <a:schemeClr val="tx1">
-                    <a:lumMod val="95000"/>
-                    <a:lumOff val="5000"/>
-                  </a:schemeClr>
-                </a:solidFill>
-                <a:ea typeface="Roboto Condensed" pitchFamily="2" charset="0"/>
-              </a:rPr>
-              <a:t>xoay </a:t>
-            </a:r>
-            <a:r>
-              <a:rPr lang="en-US" sz="2000" b="0" dirty="0" smtClean="0">
-                <a:solidFill>
-                  <a:schemeClr val="tx1">
-                    <a:lumMod val="95000"/>
-                    <a:lumOff val="5000"/>
-                  </a:schemeClr>
-                </a:solidFill>
-                <a:ea typeface="Roboto Condensed" pitchFamily="2" charset="0"/>
-              </a:rPr>
-              <a:t>phải</a:t>
-            </a:r>
-            <a:r>
-              <a:rPr lang="vi-VN" sz="2000" b="0" dirty="0" smtClean="0">
-                <a:solidFill>
-                  <a:schemeClr val="tx1">
-                    <a:lumMod val="95000"/>
-                    <a:lumOff val="5000"/>
-                  </a:schemeClr>
-                </a:solidFill>
-                <a:ea typeface="Roboto Condensed" pitchFamily="2" charset="0"/>
-              </a:rPr>
-              <a:t>, </a:t>
-            </a:r>
-            <a:r>
-              <a:rPr lang="vi-VN" sz="2000" b="0" dirty="0">
-                <a:solidFill>
-                  <a:schemeClr val="tx1">
-                    <a:lumMod val="95000"/>
-                    <a:lumOff val="5000"/>
-                  </a:schemeClr>
-                </a:solidFill>
-                <a:ea typeface="Roboto Condensed" pitchFamily="2" charset="0"/>
-              </a:rPr>
-              <a:t>màn hình LED hiển thị mũi trên hướng </a:t>
-            </a:r>
-            <a:r>
-              <a:rPr lang="en-US" sz="2000" b="0" dirty="0" smtClean="0">
-                <a:solidFill>
-                  <a:schemeClr val="tx1">
-                    <a:lumMod val="95000"/>
-                    <a:lumOff val="5000"/>
-                  </a:schemeClr>
-                </a:solidFill>
-                <a:ea typeface="Roboto Condensed" pitchFamily="2" charset="0"/>
-              </a:rPr>
-              <a:t>phải</a:t>
-            </a:r>
-            <a:endParaRPr lang="en-US" sz="2000" b="0" dirty="0" smtClean="0">
-              <a:solidFill>
-                <a:schemeClr val="tx1">
-                  <a:lumMod val="95000"/>
-                  <a:lumOff val="5000"/>
-                </a:schemeClr>
-              </a:solidFill>
-              <a:ea typeface="Roboto Condensed" pitchFamily="2" charset="0"/>
-            </a:endParaRPr>
-          </a:p>
-        </p:txBody>
-      </p:sp>
-      <p:sp>
-        <p:nvSpPr>
-          <p:cNvPr id="29" name="Rectangle 28"/>
-          <p:cNvSpPr/>
-          <p:nvPr/>
-        </p:nvSpPr>
-        <p:spPr>
-          <a:xfrm>
-            <a:off x="542728" y="2349633"/>
-            <a:ext cx="172836" cy="176901"/>
-          </a:xfrm>
-          <a:prstGeom prst="rect">
-            <a:avLst/>
-          </a:prstGeom>
-          <a:solidFill>
-            <a:srgbClr val="EC5F77"/>
-          </a:solidFill>
-          <a:ln>
-            <a:noFill/>
-          </a:ln>
-        </p:spPr>
-        <p:style>
-          <a:lnRef idx="2">
-            <a:schemeClr val="accent1">
-              <a:shade val="50000"/>
-            </a:schemeClr>
-          </a:lnRef>
-          <a:fillRef idx="1">
-            <a:schemeClr val="accent1"/>
-          </a:fillRef>
-          <a:effectRef idx="0">
-            <a:schemeClr val="accent1"/>
-          </a:effectRef>
-          <a:fontRef idx="minor">
-            <a:schemeClr val="lt1"/>
-          </a:fontRef>
-        </p:style>
-        <p:txBody>
-          <a:bodyPr rtlCol="0" anchor="ctr"/>
-          <a:lstStyle/>
-          <a:p>
-            <a:pPr algn="ctr"/>
-            <a:endParaRPr lang="en-US"/>
-          </a:p>
-        </p:txBody>
-      </p:sp>
-      <p:sp>
-        <p:nvSpPr>
-          <p:cNvPr id="21" name="Title 1"/>
-          <p:cNvSpPr txBox="1">
-            <a:spLocks/>
-          </p:cNvSpPr>
-          <p:nvPr/>
-        </p:nvSpPr>
-        <p:spPr>
-          <a:xfrm>
-            <a:off x="770775" y="2952058"/>
-            <a:ext cx="4225295" cy="485199"/>
-          </a:xfrm>
-          <a:prstGeom prst="rect">
-            <a:avLst/>
-          </a:prstGeom>
-        </p:spPr>
-        <p:txBody>
-          <a:bodyPr/>
-          <a:lstStyle>
-            <a:lvl1pPr algn="l" defTabSz="914400" rtl="0" eaLnBrk="1" latinLnBrk="0" hangingPunct="1">
-              <a:lnSpc>
-                <a:spcPct val="90000"/>
-              </a:lnSpc>
-              <a:spcBef>
-                <a:spcPct val="0"/>
-              </a:spcBef>
-              <a:buNone/>
-              <a:defRPr sz="3200" b="1" kern="1200">
-                <a:solidFill>
-                  <a:srgbClr val="019DD0"/>
-                </a:solidFill>
-                <a:latin typeface="Arial" panose="020B0604020202020204" pitchFamily="34" charset="0"/>
-                <a:ea typeface="+mj-ea"/>
-                <a:cs typeface="Arial" panose="020B0604020202020204" pitchFamily="34" charset="0"/>
-              </a:defRPr>
-            </a:lvl1pPr>
-          </a:lstStyle>
-          <a:p>
-            <a:pPr>
-              <a:lnSpc>
-                <a:spcPct val="100000"/>
-              </a:lnSpc>
-            </a:pPr>
-            <a:r>
-              <a:rPr lang="en-US" sz="2000" b="0" dirty="0" smtClean="0">
-                <a:solidFill>
-                  <a:schemeClr val="tx1">
-                    <a:lumMod val="95000"/>
-                    <a:lumOff val="5000"/>
-                  </a:schemeClr>
-                </a:solidFill>
-                <a:ea typeface="Roboto Condensed" pitchFamily="2" charset="0"/>
-              </a:rPr>
-              <a:t>Đèn trước tự động sáng khi trời tối</a:t>
-            </a:r>
-            <a:endParaRPr lang="en-US" sz="2000" b="0" dirty="0" smtClean="0">
-              <a:solidFill>
-                <a:schemeClr val="tx1">
-                  <a:lumMod val="95000"/>
-                  <a:lumOff val="5000"/>
-                </a:schemeClr>
-              </a:solidFill>
-              <a:ea typeface="Roboto Condensed" pitchFamily="2" charset="0"/>
-            </a:endParaRPr>
-          </a:p>
-        </p:txBody>
-      </p:sp>
-      <p:sp>
-        <p:nvSpPr>
-          <p:cNvPr id="17" name="Rectangle 16"/>
-          <p:cNvSpPr/>
-          <p:nvPr/>
-        </p:nvSpPr>
-        <p:spPr>
-          <a:xfrm>
-            <a:off x="542728" y="4388809"/>
-            <a:ext cx="172836" cy="176901"/>
-          </a:xfrm>
-          <a:prstGeom prst="rect">
-            <a:avLst/>
-          </a:prstGeom>
-          <a:solidFill>
-            <a:srgbClr val="EC5F77"/>
-          </a:solidFill>
-          <a:ln>
-            <a:noFill/>
-          </a:ln>
-        </p:spPr>
-        <p:style>
-          <a:lnRef idx="2">
-            <a:schemeClr val="accent1">
-              <a:shade val="50000"/>
-            </a:schemeClr>
-          </a:lnRef>
-          <a:fillRef idx="1">
-            <a:schemeClr val="accent1"/>
-          </a:fillRef>
-          <a:effectRef idx="0">
-            <a:schemeClr val="accent1"/>
-          </a:effectRef>
-          <a:fontRef idx="minor">
-            <a:schemeClr val="lt1"/>
-          </a:fontRef>
-        </p:style>
-        <p:txBody>
-          <a:bodyPr rtlCol="0" anchor="ctr"/>
-          <a:lstStyle/>
-          <a:p>
-            <a:pPr algn="ctr"/>
-            <a:endParaRPr lang="en-US"/>
-          </a:p>
-        </p:txBody>
-      </p:sp>
-      <p:sp>
-        <p:nvSpPr>
-          <p:cNvPr id="18" name="Title 1"/>
-          <p:cNvSpPr txBox="1">
-            <a:spLocks/>
-          </p:cNvSpPr>
-          <p:nvPr/>
-        </p:nvSpPr>
-        <p:spPr>
-          <a:xfrm>
-            <a:off x="770775" y="4257173"/>
-            <a:ext cx="4636112" cy="784842"/>
-          </a:xfrm>
-          <a:prstGeom prst="rect">
-            <a:avLst/>
-          </a:prstGeom>
-        </p:spPr>
-        <p:txBody>
-          <a:bodyPr/>
-          <a:lstStyle>
-            <a:lvl1pPr algn="l" defTabSz="914400" rtl="0" eaLnBrk="1" latinLnBrk="0" hangingPunct="1">
-              <a:lnSpc>
-                <a:spcPct val="90000"/>
-              </a:lnSpc>
-              <a:spcBef>
-                <a:spcPct val="0"/>
-              </a:spcBef>
-              <a:buNone/>
-              <a:defRPr sz="3200" b="1" kern="1200">
-                <a:solidFill>
-                  <a:srgbClr val="019DD0"/>
-                </a:solidFill>
-                <a:latin typeface="Arial" panose="020B0604020202020204" pitchFamily="34" charset="0"/>
-                <a:ea typeface="+mj-ea"/>
-                <a:cs typeface="Arial" panose="020B0604020202020204" pitchFamily="34" charset="0"/>
-              </a:defRPr>
-            </a:lvl1pPr>
-          </a:lstStyle>
-          <a:p>
-            <a:pPr>
-              <a:lnSpc>
-                <a:spcPct val="100000"/>
-              </a:lnSpc>
-            </a:pPr>
-            <a:r>
-              <a:rPr lang="vi-VN" sz="2000" b="0" dirty="0">
-                <a:solidFill>
-                  <a:schemeClr val="tx1">
-                    <a:lumMod val="95000"/>
-                    <a:lumOff val="5000"/>
-                  </a:schemeClr>
-                </a:solidFill>
-                <a:ea typeface="Roboto Condensed" pitchFamily="2" charset="0"/>
-              </a:rPr>
-              <a:t>Nhấn button </a:t>
-            </a:r>
-            <a:r>
-              <a:rPr lang="en-US" sz="2000" b="0" dirty="0" smtClean="0">
-                <a:solidFill>
-                  <a:schemeClr val="tx1">
-                    <a:lumMod val="95000"/>
-                    <a:lumOff val="5000"/>
-                  </a:schemeClr>
-                </a:solidFill>
-                <a:ea typeface="Roboto Condensed" pitchFamily="2" charset="0"/>
-              </a:rPr>
-              <a:t>B</a:t>
-            </a:r>
-            <a:r>
-              <a:rPr lang="vi-VN" sz="2000" b="0" dirty="0" smtClean="0">
-                <a:solidFill>
-                  <a:schemeClr val="tx1">
-                    <a:lumMod val="95000"/>
-                    <a:lumOff val="5000"/>
-                  </a:schemeClr>
-                </a:solidFill>
-                <a:ea typeface="Roboto Condensed" pitchFamily="2" charset="0"/>
-              </a:rPr>
-              <a:t>, </a:t>
-            </a:r>
-            <a:r>
-              <a:rPr lang="en-US" sz="2000" b="0" dirty="0" smtClean="0">
-                <a:solidFill>
-                  <a:schemeClr val="tx1">
-                    <a:lumMod val="95000"/>
-                    <a:lumOff val="5000"/>
-                  </a:schemeClr>
-                </a:solidFill>
-                <a:ea typeface="Roboto Condensed" pitchFamily="2" charset="0"/>
-              </a:rPr>
-              <a:t>đầu </a:t>
-            </a:r>
-            <a:r>
-              <a:rPr lang="vi-VN" sz="2000" b="0" dirty="0" smtClean="0">
-                <a:solidFill>
-                  <a:schemeClr val="tx1">
-                    <a:lumMod val="95000"/>
-                    <a:lumOff val="5000"/>
-                  </a:schemeClr>
-                </a:solidFill>
-                <a:ea typeface="Roboto Condensed" pitchFamily="2" charset="0"/>
-              </a:rPr>
-              <a:t>xoay </a:t>
-            </a:r>
-            <a:r>
-              <a:rPr lang="en-US" sz="2000" b="0" dirty="0" smtClean="0">
-                <a:solidFill>
-                  <a:schemeClr val="tx1">
-                    <a:lumMod val="95000"/>
-                    <a:lumOff val="5000"/>
-                  </a:schemeClr>
-                </a:solidFill>
-                <a:ea typeface="Roboto Condensed" pitchFamily="2" charset="0"/>
-              </a:rPr>
-              <a:t>trái</a:t>
-            </a:r>
-            <a:r>
-              <a:rPr lang="vi-VN" sz="2000" b="0" dirty="0" smtClean="0">
-                <a:solidFill>
-                  <a:schemeClr val="tx1">
-                    <a:lumMod val="95000"/>
-                    <a:lumOff val="5000"/>
-                  </a:schemeClr>
-                </a:solidFill>
-                <a:ea typeface="Roboto Condensed" pitchFamily="2" charset="0"/>
-              </a:rPr>
-              <a:t>, </a:t>
-            </a:r>
-            <a:r>
-              <a:rPr lang="vi-VN" sz="2000" b="0" dirty="0">
-                <a:solidFill>
-                  <a:schemeClr val="tx1">
-                    <a:lumMod val="95000"/>
-                    <a:lumOff val="5000"/>
-                  </a:schemeClr>
-                </a:solidFill>
-                <a:ea typeface="Roboto Condensed" pitchFamily="2" charset="0"/>
-              </a:rPr>
-              <a:t>màn hình LED hiển thị mũi trên hướng </a:t>
-            </a:r>
-            <a:r>
-              <a:rPr lang="en-US" sz="2000" b="0" dirty="0" smtClean="0">
-                <a:solidFill>
-                  <a:schemeClr val="tx1">
-                    <a:lumMod val="95000"/>
-                    <a:lumOff val="5000"/>
-                  </a:schemeClr>
-                </a:solidFill>
-                <a:ea typeface="Roboto Condensed" pitchFamily="2" charset="0"/>
-              </a:rPr>
-              <a:t>trái</a:t>
-            </a:r>
-            <a:endParaRPr lang="en-US" sz="2000" b="0" dirty="0" smtClean="0">
-              <a:solidFill>
-                <a:schemeClr val="tx1">
-                  <a:lumMod val="95000"/>
-                  <a:lumOff val="5000"/>
-                </a:schemeClr>
-              </a:solidFill>
-              <a:ea typeface="Roboto Condensed" pitchFamily="2" charset="0"/>
-            </a:endParaRPr>
-          </a:p>
-        </p:txBody>
-      </p:sp>
-      <p:sp>
-        <p:nvSpPr>
-          <p:cNvPr id="24" name="Rectangle 23"/>
-          <p:cNvSpPr/>
-          <p:nvPr/>
-        </p:nvSpPr>
-        <p:spPr>
-          <a:xfrm>
-            <a:off x="542728" y="5170571"/>
-            <a:ext cx="172836" cy="176901"/>
-          </a:xfrm>
-          <a:prstGeom prst="rect">
-            <a:avLst/>
-          </a:prstGeom>
-          <a:solidFill>
-            <a:srgbClr val="EC5F77"/>
-          </a:solidFill>
-          <a:ln>
-            <a:noFill/>
-          </a:ln>
-        </p:spPr>
-        <p:style>
-          <a:lnRef idx="2">
-            <a:schemeClr val="accent1">
-              <a:shade val="50000"/>
-            </a:schemeClr>
-          </a:lnRef>
-          <a:fillRef idx="1">
-            <a:schemeClr val="accent1"/>
-          </a:fillRef>
-          <a:effectRef idx="0">
-            <a:schemeClr val="accent1"/>
-          </a:effectRef>
-          <a:fontRef idx="minor">
-            <a:schemeClr val="lt1"/>
-          </a:fontRef>
-        </p:style>
-        <p:txBody>
-          <a:bodyPr rtlCol="0" anchor="ctr"/>
-          <a:lstStyle/>
-          <a:p>
-            <a:pPr algn="ctr"/>
-            <a:endParaRPr lang="en-US"/>
-          </a:p>
-        </p:txBody>
-      </p:sp>
-      <p:sp>
-        <p:nvSpPr>
-          <p:cNvPr id="25" name="Title 1"/>
-          <p:cNvSpPr txBox="1">
-            <a:spLocks/>
-          </p:cNvSpPr>
-          <p:nvPr/>
-        </p:nvSpPr>
-        <p:spPr>
-          <a:xfrm>
-            <a:off x="770775" y="5038935"/>
-            <a:ext cx="4967416" cy="784842"/>
-          </a:xfrm>
-          <a:prstGeom prst="rect">
-            <a:avLst/>
-          </a:prstGeom>
-        </p:spPr>
-        <p:txBody>
-          <a:bodyPr/>
-          <a:lstStyle>
-            <a:lvl1pPr algn="l" defTabSz="914400" rtl="0" eaLnBrk="1" latinLnBrk="0" hangingPunct="1">
-              <a:lnSpc>
-                <a:spcPct val="90000"/>
-              </a:lnSpc>
-              <a:spcBef>
-                <a:spcPct val="0"/>
-              </a:spcBef>
-              <a:buNone/>
-              <a:defRPr sz="3200" b="1" kern="1200">
-                <a:solidFill>
-                  <a:srgbClr val="019DD0"/>
-                </a:solidFill>
-                <a:latin typeface="Arial" panose="020B0604020202020204" pitchFamily="34" charset="0"/>
-                <a:ea typeface="+mj-ea"/>
-                <a:cs typeface="Arial" panose="020B0604020202020204" pitchFamily="34" charset="0"/>
-              </a:defRPr>
-            </a:lvl1pPr>
-          </a:lstStyle>
-          <a:p>
-            <a:pPr>
-              <a:lnSpc>
-                <a:spcPct val="100000"/>
-              </a:lnSpc>
-            </a:pPr>
-            <a:r>
-              <a:rPr lang="vi-VN" sz="2000" b="0" dirty="0">
-                <a:solidFill>
-                  <a:schemeClr val="tx1">
-                    <a:lumMod val="95000"/>
-                    <a:lumOff val="5000"/>
-                  </a:schemeClr>
-                </a:solidFill>
-                <a:ea typeface="Roboto Condensed" pitchFamily="2" charset="0"/>
-              </a:rPr>
-              <a:t>Nhấn button </a:t>
-            </a:r>
-            <a:r>
-              <a:rPr lang="en-US" sz="2000" b="0" dirty="0" smtClean="0">
-                <a:solidFill>
-                  <a:schemeClr val="tx1">
-                    <a:lumMod val="95000"/>
-                    <a:lumOff val="5000"/>
-                  </a:schemeClr>
-                </a:solidFill>
-                <a:ea typeface="Roboto Condensed" pitchFamily="2" charset="0"/>
-              </a:rPr>
-              <a:t>A+B</a:t>
-            </a:r>
-            <a:r>
-              <a:rPr lang="vi-VN" sz="2000" b="0" dirty="0" smtClean="0">
-                <a:solidFill>
-                  <a:schemeClr val="tx1">
-                    <a:lumMod val="95000"/>
-                    <a:lumOff val="5000"/>
-                  </a:schemeClr>
-                </a:solidFill>
-                <a:ea typeface="Roboto Condensed" pitchFamily="2" charset="0"/>
-              </a:rPr>
-              <a:t>, </a:t>
-            </a:r>
-            <a:r>
-              <a:rPr lang="en-US" sz="2000" b="0" dirty="0" smtClean="0">
-                <a:solidFill>
-                  <a:schemeClr val="tx1">
-                    <a:lumMod val="95000"/>
-                    <a:lumOff val="5000"/>
-                  </a:schemeClr>
-                </a:solidFill>
-                <a:ea typeface="Roboto Condensed" pitchFamily="2" charset="0"/>
-              </a:rPr>
-              <a:t>đầu </a:t>
-            </a:r>
-            <a:r>
-              <a:rPr lang="vi-VN" sz="2000" b="0" dirty="0" smtClean="0">
-                <a:solidFill>
-                  <a:schemeClr val="tx1">
-                    <a:lumMod val="95000"/>
-                    <a:lumOff val="5000"/>
-                  </a:schemeClr>
-                </a:solidFill>
-                <a:ea typeface="Roboto Condensed" pitchFamily="2" charset="0"/>
-              </a:rPr>
-              <a:t>xoay </a:t>
-            </a:r>
-            <a:r>
-              <a:rPr lang="en-US" sz="2000" b="0" dirty="0" smtClean="0">
-                <a:solidFill>
-                  <a:schemeClr val="tx1">
-                    <a:lumMod val="95000"/>
-                    <a:lumOff val="5000"/>
-                  </a:schemeClr>
-                </a:solidFill>
-                <a:ea typeface="Roboto Condensed" pitchFamily="2" charset="0"/>
-              </a:rPr>
-              <a:t>ra trước</a:t>
-            </a:r>
-            <a:r>
-              <a:rPr lang="vi-VN" sz="2000" b="0" dirty="0" smtClean="0">
-                <a:solidFill>
-                  <a:schemeClr val="tx1">
-                    <a:lumMod val="95000"/>
-                    <a:lumOff val="5000"/>
-                  </a:schemeClr>
-                </a:solidFill>
-                <a:ea typeface="Roboto Condensed" pitchFamily="2" charset="0"/>
-              </a:rPr>
-              <a:t>, </a:t>
-            </a:r>
-            <a:r>
-              <a:rPr lang="vi-VN" sz="2000" b="0" dirty="0">
-                <a:solidFill>
-                  <a:schemeClr val="tx1">
-                    <a:lumMod val="95000"/>
-                    <a:lumOff val="5000"/>
-                  </a:schemeClr>
-                </a:solidFill>
-                <a:ea typeface="Roboto Condensed" pitchFamily="2" charset="0"/>
-              </a:rPr>
-              <a:t>màn hình LED hiển thị mũi trên hướng </a:t>
-            </a:r>
-            <a:r>
-              <a:rPr lang="en-US" sz="2000" b="0" dirty="0" smtClean="0">
-                <a:solidFill>
-                  <a:schemeClr val="tx1">
-                    <a:lumMod val="95000"/>
-                    <a:lumOff val="5000"/>
-                  </a:schemeClr>
-                </a:solidFill>
-                <a:ea typeface="Roboto Condensed" pitchFamily="2" charset="0"/>
-              </a:rPr>
-              <a:t>lên</a:t>
-            </a:r>
-            <a:endParaRPr lang="en-US" sz="2000" b="0" dirty="0" smtClean="0">
-              <a:solidFill>
-                <a:schemeClr val="tx1">
-                  <a:lumMod val="95000"/>
-                  <a:lumOff val="5000"/>
-                </a:schemeClr>
-              </a:solidFill>
-              <a:ea typeface="Roboto Condensed" pitchFamily="2" charset="0"/>
-            </a:endParaRPr>
-          </a:p>
-        </p:txBody>
-      </p:sp>
-      <p:sp>
-        <p:nvSpPr>
-          <p:cNvPr id="26" name="Rectangle 25"/>
-          <p:cNvSpPr/>
-          <p:nvPr/>
-        </p:nvSpPr>
-        <p:spPr>
-          <a:xfrm>
-            <a:off x="542728" y="5992206"/>
-            <a:ext cx="172836" cy="176901"/>
-          </a:xfrm>
-          <a:prstGeom prst="rect">
-            <a:avLst/>
-          </a:prstGeom>
-          <a:solidFill>
-            <a:srgbClr val="EC5F77"/>
-          </a:solidFill>
-          <a:ln>
-            <a:noFill/>
-          </a:ln>
-        </p:spPr>
-        <p:style>
-          <a:lnRef idx="2">
-            <a:schemeClr val="accent1">
-              <a:shade val="50000"/>
-            </a:schemeClr>
-          </a:lnRef>
-          <a:fillRef idx="1">
-            <a:schemeClr val="accent1"/>
-          </a:fillRef>
-          <a:effectRef idx="0">
-            <a:schemeClr val="accent1"/>
-          </a:effectRef>
-          <a:fontRef idx="minor">
-            <a:schemeClr val="lt1"/>
-          </a:fontRef>
-        </p:style>
-        <p:txBody>
-          <a:bodyPr rtlCol="0" anchor="ctr"/>
-          <a:lstStyle/>
-          <a:p>
-            <a:pPr algn="ctr"/>
-            <a:endParaRPr lang="en-US"/>
-          </a:p>
-        </p:txBody>
-      </p:sp>
-      <p:sp>
-        <p:nvSpPr>
-          <p:cNvPr id="27" name="Title 1"/>
-          <p:cNvSpPr txBox="1">
-            <a:spLocks/>
-          </p:cNvSpPr>
-          <p:nvPr/>
-        </p:nvSpPr>
-        <p:spPr>
-          <a:xfrm>
-            <a:off x="770775" y="5794310"/>
-            <a:ext cx="4967416" cy="784842"/>
-          </a:xfrm>
-          <a:prstGeom prst="rect">
-            <a:avLst/>
-          </a:prstGeom>
-        </p:spPr>
-        <p:txBody>
-          <a:bodyPr/>
-          <a:lstStyle>
-            <a:lvl1pPr algn="l" defTabSz="914400" rtl="0" eaLnBrk="1" latinLnBrk="0" hangingPunct="1">
-              <a:lnSpc>
-                <a:spcPct val="90000"/>
-              </a:lnSpc>
-              <a:spcBef>
-                <a:spcPct val="0"/>
-              </a:spcBef>
-              <a:buNone/>
-              <a:defRPr sz="3200" b="1" kern="1200">
-                <a:solidFill>
-                  <a:srgbClr val="019DD0"/>
-                </a:solidFill>
-                <a:latin typeface="Arial" panose="020B0604020202020204" pitchFamily="34" charset="0"/>
-                <a:ea typeface="+mj-ea"/>
-                <a:cs typeface="Arial" panose="020B0604020202020204" pitchFamily="34" charset="0"/>
-              </a:defRPr>
-            </a:lvl1pPr>
-          </a:lstStyle>
-          <a:p>
-            <a:pPr>
-              <a:lnSpc>
-                <a:spcPct val="100000"/>
-              </a:lnSpc>
-            </a:pPr>
-            <a:r>
-              <a:rPr lang="en-US" sz="2000" b="0" dirty="0" smtClean="0">
-                <a:solidFill>
-                  <a:schemeClr val="tx1">
-                    <a:lumMod val="95000"/>
-                    <a:lumOff val="5000"/>
-                  </a:schemeClr>
-                </a:solidFill>
-                <a:ea typeface="Roboto Condensed" pitchFamily="2" charset="0"/>
-              </a:rPr>
-              <a:t>Chạm Logo</a:t>
-            </a:r>
-            <a:r>
-              <a:rPr lang="vi-VN" sz="2000" b="0" dirty="0" smtClean="0">
-                <a:solidFill>
-                  <a:schemeClr val="tx1">
-                    <a:lumMod val="95000"/>
-                    <a:lumOff val="5000"/>
-                  </a:schemeClr>
-                </a:solidFill>
-                <a:ea typeface="Roboto Condensed" pitchFamily="2" charset="0"/>
-              </a:rPr>
-              <a:t>, </a:t>
-            </a:r>
-            <a:r>
-              <a:rPr lang="en-US" sz="2000" b="0" dirty="0" smtClean="0">
-                <a:solidFill>
-                  <a:schemeClr val="tx1">
-                    <a:lumMod val="95000"/>
-                    <a:lumOff val="5000"/>
-                  </a:schemeClr>
-                </a:solidFill>
-                <a:ea typeface="Roboto Condensed" pitchFamily="2" charset="0"/>
-              </a:rPr>
-              <a:t>đầu </a:t>
-            </a:r>
-            <a:r>
-              <a:rPr lang="vi-VN" sz="2000" b="0" dirty="0" smtClean="0">
-                <a:solidFill>
-                  <a:schemeClr val="tx1">
-                    <a:lumMod val="95000"/>
-                    <a:lumOff val="5000"/>
-                  </a:schemeClr>
-                </a:solidFill>
-                <a:ea typeface="Roboto Condensed" pitchFamily="2" charset="0"/>
-              </a:rPr>
-              <a:t>xoay </a:t>
-            </a:r>
-            <a:r>
-              <a:rPr lang="en-US" sz="2000" b="0" dirty="0" smtClean="0">
-                <a:solidFill>
-                  <a:schemeClr val="tx1">
-                    <a:lumMod val="95000"/>
-                    <a:lumOff val="5000"/>
-                  </a:schemeClr>
-                </a:solidFill>
-                <a:ea typeface="Roboto Condensed" pitchFamily="2" charset="0"/>
-              </a:rPr>
-              <a:t>ra trước</a:t>
-            </a:r>
-            <a:r>
-              <a:rPr lang="vi-VN" sz="2000" b="0" dirty="0" smtClean="0">
-                <a:solidFill>
-                  <a:schemeClr val="tx1">
-                    <a:lumMod val="95000"/>
-                    <a:lumOff val="5000"/>
-                  </a:schemeClr>
-                </a:solidFill>
-                <a:ea typeface="Roboto Condensed" pitchFamily="2" charset="0"/>
-              </a:rPr>
-              <a:t>, màn hình LED hiển thị mũi trên hướng </a:t>
-            </a:r>
-            <a:r>
-              <a:rPr lang="en-US" sz="2000" b="0" dirty="0" smtClean="0">
-                <a:solidFill>
-                  <a:schemeClr val="tx1">
-                    <a:lumMod val="95000"/>
-                    <a:lumOff val="5000"/>
-                  </a:schemeClr>
-                </a:solidFill>
-                <a:ea typeface="Roboto Condensed" pitchFamily="2" charset="0"/>
-              </a:rPr>
-              <a:t>xuống</a:t>
-            </a:r>
-            <a:endParaRPr lang="en-US" sz="2000" b="0" dirty="0" smtClean="0">
-              <a:solidFill>
-                <a:schemeClr val="tx1">
-                  <a:lumMod val="95000"/>
-                  <a:lumOff val="5000"/>
-                </a:schemeClr>
-              </a:solidFill>
-              <a:ea typeface="Roboto Condensed" pitchFamily="2" charset="0"/>
-            </a:endParaRPr>
-          </a:p>
-        </p:txBody>
-      </p:sp>
-      <p:pic>
-        <p:nvPicPr>
-          <p:cNvPr id="2050" name="Picture 2" descr="Free vector sticker design with front view of police car isolated"/>
-          <p:cNvPicPr>
-            <a:picLocks noChangeAspect="1" noChangeArrowheads="1"/>
-          </p:cNvPicPr>
-          <p:nvPr/>
-        </p:nvPicPr>
-        <p:blipFill>
-          <a:blip r:embed="rId3">
-            <a:extLst>
-              <a:ext uri="{28A0092B-C50C-407E-A947-70E740481C1C}">
-                <a14:useLocalDpi xmlns:a14="http://schemas.microsoft.com/office/drawing/2010/main" val="0"/>
-              </a:ext>
-            </a:extLst>
-          </a:blip>
-          <a:srcRect/>
-          <a:stretch>
-            <a:fillRect/>
-          </a:stretch>
-        </p:blipFill>
-        <p:spPr bwMode="auto">
-          <a:xfrm>
-            <a:off x="5569730" y="3260595"/>
-            <a:ext cx="3239147" cy="3140835"/>
-          </a:xfrm>
-          <a:prstGeom prst="rect">
-            <a:avLst/>
-          </a:prstGeom>
-          <a:noFill/>
-          <a:extLst>
-            <a:ext uri="{909E8E84-426E-40DD-AFC4-6F175D3DCCD1}">
-              <a14:hiddenFill xmlns:a14="http://schemas.microsoft.com/office/drawing/2010/main">
-                <a:solidFill>
-                  <a:srgbClr val="FFFFFF"/>
-                </a:solidFill>
-              </a14:hiddenFill>
-            </a:ext>
-          </a:extLst>
-        </p:spPr>
-      </p:pic>
     </p:spTree>
     <p:extLst>
       <p:ext uri="{BB962C8B-B14F-4D97-AF65-F5344CB8AC3E}">
-        <p14:creationId xmlns:p14="http://schemas.microsoft.com/office/powerpoint/2010/main" val="2483830330"/>
+        <p14:creationId xmlns:p14="http://schemas.microsoft.com/office/powerpoint/2010/main" val="2800974292"/>
       </p:ext>
     </p:extLst>
   </p:cSld>
@@ -6815,161 +7359,24 @@
                 <a:latin typeface="UTM Helve" panose="02040603050506020204" pitchFamily="18" charset="0"/>
                 <a:ea typeface="Roboto" pitchFamily="2" charset="0"/>
               </a:rPr>
-              <a:t>10.3 Hoạt động học viên</a:t>
-            </a:r>
-            <a:endParaRPr lang="en-US" sz="2400" b="1" dirty="0">
-              <a:solidFill>
-                <a:srgbClr val="EC5F77"/>
-              </a:solidFill>
-              <a:latin typeface="UTM Helve" panose="02040603050506020204" pitchFamily="18" charset="0"/>
-              <a:ea typeface="Roboto" pitchFamily="2" charset="0"/>
-            </a:endParaRPr>
-          </a:p>
-        </p:txBody>
-      </p:sp>
-      <p:sp>
-        <p:nvSpPr>
-          <p:cNvPr id="21" name="Title 1"/>
-          <p:cNvSpPr txBox="1">
-            <a:spLocks/>
-          </p:cNvSpPr>
-          <p:nvPr/>
-        </p:nvSpPr>
-        <p:spPr>
-          <a:xfrm>
-            <a:off x="542728" y="1862928"/>
-            <a:ext cx="4320820" cy="2360214"/>
-          </a:xfrm>
-          <a:prstGeom prst="rect">
-            <a:avLst/>
-          </a:prstGeom>
-        </p:spPr>
-        <p:txBody>
-          <a:bodyPr/>
-          <a:lstStyle>
-            <a:lvl1pPr algn="l" defTabSz="914400" rtl="0" eaLnBrk="1" latinLnBrk="0" hangingPunct="1">
-              <a:lnSpc>
-                <a:spcPct val="90000"/>
-              </a:lnSpc>
-              <a:spcBef>
-                <a:spcPct val="0"/>
-              </a:spcBef>
-              <a:buNone/>
-              <a:defRPr sz="3200" b="1" kern="1200">
-                <a:solidFill>
-                  <a:srgbClr val="019DD0"/>
-                </a:solidFill>
-                <a:latin typeface="Arial" panose="020B0604020202020204" pitchFamily="34" charset="0"/>
-                <a:ea typeface="+mj-ea"/>
-                <a:cs typeface="Arial" panose="020B0604020202020204" pitchFamily="34" charset="0"/>
-              </a:defRPr>
-            </a:lvl1pPr>
-          </a:lstStyle>
-          <a:p>
-            <a:pPr>
-              <a:lnSpc>
-                <a:spcPct val="100000"/>
-              </a:lnSpc>
-            </a:pPr>
-            <a:r>
-              <a:rPr lang="vi-VN" sz="2000" b="0" dirty="0">
-                <a:solidFill>
-                  <a:schemeClr val="tx1">
-                    <a:lumMod val="95000"/>
-                    <a:lumOff val="5000"/>
-                  </a:schemeClr>
-                </a:solidFill>
-                <a:ea typeface="Roboto Condensed" pitchFamily="2" charset="0"/>
+              <a:t>13.4 Hoạt </a:t>
+            </a:r>
+            <a:r>
+              <a:rPr lang="en-US" sz="2400" b="1" dirty="0">
+                <a:solidFill>
+                  <a:srgbClr val="EC5F77"/>
+                </a:solidFill>
+                <a:latin typeface="UTM Helve" panose="02040603050506020204" pitchFamily="18" charset="0"/>
+                <a:ea typeface="Roboto" pitchFamily="2" charset="0"/>
               </a:rPr>
-              <a:t>Để tăng sự thu hút của mọi người và nhường đường để xe chạy, bạn có thể vừa cho đèn RGB LED nhấp nháy liên </a:t>
-            </a:r>
-            <a:r>
-              <a:rPr lang="vi-VN" sz="2000" b="0" dirty="0" smtClean="0">
-                <a:solidFill>
-                  <a:schemeClr val="tx1">
-                    <a:lumMod val="95000"/>
-                    <a:lumOff val="5000"/>
-                  </a:schemeClr>
-                </a:solidFill>
-                <a:ea typeface="Roboto Condensed" pitchFamily="2" charset="0"/>
-              </a:rPr>
-              <a:t>tục</a:t>
-            </a:r>
-            <a:r>
-              <a:rPr lang="en-US" sz="2000" b="0" dirty="0" smtClean="0">
-                <a:solidFill>
-                  <a:schemeClr val="tx1">
-                    <a:lumMod val="95000"/>
-                    <a:lumOff val="5000"/>
-                  </a:schemeClr>
-                </a:solidFill>
-                <a:ea typeface="Roboto Condensed" pitchFamily="2" charset="0"/>
-              </a:rPr>
-              <a:t> 2 màu Xanh Đỏ</a:t>
-            </a:r>
-            <a:r>
-              <a:rPr lang="vi-VN" sz="2000" b="0" dirty="0" smtClean="0">
-                <a:solidFill>
-                  <a:schemeClr val="tx1">
-                    <a:lumMod val="95000"/>
-                    <a:lumOff val="5000"/>
-                  </a:schemeClr>
-                </a:solidFill>
-                <a:ea typeface="Roboto Condensed" pitchFamily="2" charset="0"/>
-              </a:rPr>
-              <a:t> </a:t>
-            </a:r>
-            <a:r>
-              <a:rPr lang="vi-VN" sz="2000" b="0" dirty="0">
-                <a:solidFill>
-                  <a:schemeClr val="tx1">
-                    <a:lumMod val="95000"/>
-                    <a:lumOff val="5000"/>
-                  </a:schemeClr>
-                </a:solidFill>
-                <a:ea typeface="Roboto Condensed" pitchFamily="2" charset="0"/>
-              </a:rPr>
-              <a:t>vừa phát ra tiếng còi báo động </a:t>
-            </a:r>
-            <a:r>
-              <a:rPr lang="vi-VN" sz="2000" b="0" dirty="0" smtClean="0">
-                <a:solidFill>
-                  <a:schemeClr val="tx1">
-                    <a:lumMod val="95000"/>
-                    <a:lumOff val="5000"/>
-                  </a:schemeClr>
-                </a:solidFill>
-                <a:ea typeface="Roboto Condensed" pitchFamily="2" charset="0"/>
-              </a:rPr>
-              <a:t>bằng </a:t>
-            </a:r>
-            <a:r>
-              <a:rPr lang="vi-VN" sz="2000" b="0" dirty="0">
-                <a:solidFill>
-                  <a:schemeClr val="tx1">
-                    <a:lumMod val="95000"/>
-                    <a:lumOff val="5000"/>
-                  </a:schemeClr>
-                </a:solidFill>
-                <a:ea typeface="Roboto Condensed" pitchFamily="2" charset="0"/>
-              </a:rPr>
-              <a:t>các khối âm thanh</a:t>
-            </a:r>
-            <a:endParaRPr lang="en-US" sz="2000" b="0" dirty="0" smtClean="0">
-              <a:solidFill>
-                <a:schemeClr val="tx1">
-                  <a:lumMod val="95000"/>
-                  <a:lumOff val="5000"/>
-                </a:schemeClr>
-              </a:solidFill>
-              <a:ea typeface="Roboto Condensed" pitchFamily="2" charset="0"/>
-            </a:endParaRPr>
-          </a:p>
-        </p:txBody>
-      </p:sp>
-      <p:sp>
-        <p:nvSpPr>
-          <p:cNvPr id="14" name="TextBox 13"/>
+              <a:t>động học viên</a:t>
+            </a:r>
+          </a:p>
+        </p:txBody>
+      </p:sp>
+      <p:sp>
+        <p:nvSpPr>
+          <p:cNvPr id="7" name="TextBox 6"/>
           <p:cNvSpPr txBox="1"/>
           <p:nvPr/>
         </p:nvSpPr>
@@ -7000,7 +7407,7 @@
                 <a:latin typeface="UTM Helve" panose="02040603050506020204" pitchFamily="18" charset="0"/>
                 <a:ea typeface="Roboto" pitchFamily="2" charset="0"/>
               </a:rPr>
-              <a:t>Xe cảnh sát zoom:bit</a:t>
+              <a:t>Giải cứu công chúa</a:t>
             </a:r>
             <a:endParaRPr lang="en-US" sz="2400" b="1" dirty="0">
               <a:solidFill>
@@ -7017,7 +7424,7 @@
       </p:sp>
       <p:pic>
         <p:nvPicPr>
-          <p:cNvPr id="15" name="Picture 14"/>
+          <p:cNvPr id="8" name="Picture 7"/>
           <p:cNvPicPr>
             <a:picLocks noChangeAspect="1"/>
           </p:cNvPicPr>
@@ -7047,35 +7454,195 @@
       </p:pic>
       <p:sp>
         <p:nvSpPr>
-          <p:cNvPr id="9" name="Rounded Rectangle 8"/>
+          <p:cNvPr id="19" name="Title 1"/>
+          <p:cNvSpPr txBox="1">
+            <a:spLocks/>
+          </p:cNvSpPr>
+          <p:nvPr/>
+        </p:nvSpPr>
+        <p:spPr>
+          <a:xfrm>
+            <a:off x="542728" y="1898454"/>
+            <a:ext cx="7790129" cy="1053604"/>
+          </a:xfrm>
+          <a:prstGeom prst="rect">
+            <a:avLst/>
+          </a:prstGeom>
+        </p:spPr>
+        <p:txBody>
+          <a:bodyPr/>
+          <a:lstStyle>
+            <a:lvl1pPr algn="l" defTabSz="914400" rtl="0" eaLnBrk="1" latinLnBrk="0" hangingPunct="1">
+              <a:lnSpc>
+                <a:spcPct val="90000"/>
+              </a:lnSpc>
+              <a:spcBef>
+                <a:spcPct val="0"/>
+              </a:spcBef>
+              <a:buNone/>
+              <a:defRPr sz="3200" b="1" kern="1200">
+                <a:solidFill>
+                  <a:srgbClr val="019DD0"/>
+                </a:solidFill>
+                <a:latin typeface="Arial" panose="020B0604020202020204" pitchFamily="34" charset="0"/>
+                <a:ea typeface="+mj-ea"/>
+                <a:cs typeface="Arial" panose="020B0604020202020204" pitchFamily="34" charset="0"/>
+              </a:defRPr>
+            </a:lvl1pPr>
+          </a:lstStyle>
+          <a:p>
+            <a:pPr>
+              <a:lnSpc>
+                <a:spcPct val="100000"/>
+              </a:lnSpc>
+            </a:pPr>
+            <a:r>
+              <a:rPr lang="en-US" sz="2000" b="0" dirty="0" smtClean="0">
+                <a:solidFill>
+                  <a:schemeClr val="tx1">
+                    <a:lumMod val="95000"/>
+                    <a:lumOff val="5000"/>
+                  </a:schemeClr>
+                </a:solidFill>
+                <a:ea typeface="Roboto Condensed" pitchFamily="2" charset="0"/>
+              </a:rPr>
+              <a:t>Chuyện là công chúa Elsa bị bọn xấu bắt cóc và giam giữ ở một nơi bí mật. Chúng bố trí rất nhiều chướng ngại vật để khó ai mà có thể đến cứu.</a:t>
+            </a:r>
+            <a:endParaRPr lang="vi-VN" sz="2000" b="0" dirty="0">
+              <a:solidFill>
+                <a:schemeClr val="tx1">
+                  <a:lumMod val="95000"/>
+                  <a:lumOff val="5000"/>
+                </a:schemeClr>
+              </a:solidFill>
+              <a:ea typeface="Roboto Condensed" pitchFamily="2" charset="0"/>
+            </a:endParaRPr>
+          </a:p>
+        </p:txBody>
+      </p:sp>
+      <p:grpSp>
+        <p:nvGrpSpPr>
+          <p:cNvPr id="2053" name="Group 2052"/>
+          <p:cNvGrpSpPr/>
+          <p:nvPr/>
+        </p:nvGrpSpPr>
+        <p:grpSpPr>
+          <a:xfrm>
+            <a:off x="703539" y="4735537"/>
+            <a:ext cx="1471602" cy="1471602"/>
+            <a:chOff x="703539" y="3057267"/>
+            <a:chExt cx="1471602" cy="1471602"/>
+          </a:xfrm>
+        </p:grpSpPr>
+        <p:sp>
+          <p:nvSpPr>
+            <p:cNvPr id="6" name="Rectangle 5"/>
+            <p:cNvSpPr/>
+            <p:nvPr/>
+          </p:nvSpPr>
+          <p:spPr>
+            <a:xfrm>
+              <a:off x="703539" y="3057267"/>
+              <a:ext cx="1471602" cy="1471602"/>
+            </a:xfrm>
+            <a:prstGeom prst="rect">
+              <a:avLst/>
+            </a:prstGeom>
+            <a:noFill/>
+            <a:ln>
+              <a:solidFill>
+                <a:srgbClr val="CD0065"/>
+              </a:solidFill>
+            </a:ln>
+          </p:spPr>
+          <p:style>
+            <a:lnRef idx="2">
+              <a:schemeClr val="accent1">
+                <a:shade val="50000"/>
+              </a:schemeClr>
+            </a:lnRef>
+            <a:fillRef idx="1">
+              <a:schemeClr val="accent1"/>
+            </a:fillRef>
+            <a:effectRef idx="0">
+              <a:schemeClr val="accent1"/>
+            </a:effectRef>
+            <a:fontRef idx="minor">
+              <a:schemeClr val="lt1"/>
+            </a:fontRef>
+          </p:style>
+          <p:txBody>
+            <a:bodyPr rtlCol="0" anchor="ctr"/>
+            <a:lstStyle/>
+            <a:p>
+              <a:pPr algn="ctr"/>
+              <a:endParaRPr lang="en-US"/>
+            </a:p>
+          </p:txBody>
+        </p:sp>
+        <p:pic>
+          <p:nvPicPr>
+            <p:cNvPr id="5" name="Picture 4"/>
+            <p:cNvPicPr>
+              <a:picLocks noChangeAspect="1"/>
+            </p:cNvPicPr>
+            <p:nvPr/>
+          </p:nvPicPr>
+          <p:blipFill>
+            <a:blip r:embed="rId3"/>
+            <a:stretch>
+              <a:fillRect/>
+            </a:stretch>
+          </p:blipFill>
+          <p:spPr>
+            <a:xfrm>
+              <a:off x="994619" y="3184049"/>
+              <a:ext cx="889441" cy="1282022"/>
+            </a:xfrm>
+            <a:prstGeom prst="rect">
+              <a:avLst/>
+            </a:prstGeom>
+          </p:spPr>
+        </p:pic>
+      </p:grpSp>
+      <p:pic>
+        <p:nvPicPr>
+          <p:cNvPr id="9" name="Picture 8"/>
+          <p:cNvPicPr>
+            <a:picLocks noChangeAspect="1"/>
+          </p:cNvPicPr>
+          <p:nvPr/>
+        </p:nvPicPr>
+        <p:blipFill>
+          <a:blip r:embed="rId4"/>
+          <a:stretch>
+            <a:fillRect/>
+          </a:stretch>
+        </p:blipFill>
+        <p:spPr>
+          <a:xfrm>
+            <a:off x="7893489" y="5765066"/>
+            <a:ext cx="619211" cy="628738"/>
+          </a:xfrm>
+          <a:prstGeom prst="rect">
+            <a:avLst/>
+          </a:prstGeom>
+        </p:spPr>
+      </p:pic>
+      <p:sp>
+        <p:nvSpPr>
+          <p:cNvPr id="10" name="Rectangle 9"/>
           <p:cNvSpPr/>
           <p:nvPr/>
         </p:nvSpPr>
         <p:spPr>
           <a:xfrm>
-            <a:off x="542728" y="4479234"/>
-            <a:ext cx="4087458" cy="1842053"/>
-          </a:xfrm>
-          <a:prstGeom prst="roundRect">
-            <a:avLst>
-              <a:gd name="adj" fmla="val 7971"/>
-            </a:avLst>
-          </a:prstGeom>
-          <a:gradFill flip="none" rotWithShape="1">
-            <a:gsLst>
-              <a:gs pos="15000">
-                <a:srgbClr val="EC5F77"/>
-              </a:gs>
-              <a:gs pos="100000">
-                <a:srgbClr val="A8589E"/>
-              </a:gs>
-            </a:gsLst>
-            <a:lin ang="0" scaled="1"/>
-            <a:tileRect/>
-          </a:gradFill>
-          <a:ln>
-            <a:noFill/>
-          </a:ln>
+            <a:off x="2809462" y="5151783"/>
+            <a:ext cx="378516" cy="1103243"/>
+          </a:xfrm>
+          <a:prstGeom prst="rect">
+            <a:avLst/>
+          </a:prstGeom>
         </p:spPr>
         <p:style>
           <a:lnRef idx="2">
@@ -7097,24 +7664,605 @@
           <a:bodyPr rtlCol="0" anchor="ctr"/>
           <a:lstStyle/>
           <a:p>
+            <a:pPr algn="ctr"/>
             <a:r>
               <a:rPr lang="en-US" dirty="0" smtClean="0"/>
-              <a:t>Yêu cầu soạn thuật toán trước khi thực hiện chương trình, để nắm được logic và hướng xử lý từng yêu cầu của chương trình</a:t>
+              <a:t>1</a:t>
             </a:r>
             <a:endParaRPr lang="en-US" dirty="0"/>
+          </a:p>
+        </p:txBody>
+      </p:sp>
+      <p:cxnSp>
+        <p:nvCxnSpPr>
+          <p:cNvPr id="13" name="Straight Connector 12"/>
+          <p:cNvCxnSpPr/>
+          <p:nvPr/>
+        </p:nvCxnSpPr>
+        <p:spPr>
+          <a:xfrm flipH="1">
+            <a:off x="3339548" y="6198705"/>
+            <a:ext cx="4439478" cy="0"/>
+          </a:xfrm>
+          <a:prstGeom prst="line">
+            <a:avLst/>
+          </a:prstGeom>
+        </p:spPr>
+        <p:style>
+          <a:lnRef idx="1">
+            <a:schemeClr val="accent1"/>
+          </a:lnRef>
+          <a:fillRef idx="0">
+            <a:schemeClr val="accent1"/>
+          </a:fillRef>
+          <a:effectRef idx="0">
+            <a:schemeClr val="accent1"/>
+          </a:effectRef>
+          <a:fontRef idx="minor">
+            <a:schemeClr val="tx1"/>
+          </a:fontRef>
+        </p:style>
+      </p:cxnSp>
+      <p:cxnSp>
+        <p:nvCxnSpPr>
+          <p:cNvPr id="15" name="Straight Connector 14"/>
+          <p:cNvCxnSpPr/>
+          <p:nvPr/>
+        </p:nvCxnSpPr>
+        <p:spPr>
+          <a:xfrm flipV="1">
+            <a:off x="3352800" y="5155096"/>
+            <a:ext cx="0" cy="1043609"/>
+          </a:xfrm>
+          <a:prstGeom prst="line">
+            <a:avLst/>
+          </a:prstGeom>
+        </p:spPr>
+        <p:style>
+          <a:lnRef idx="1">
+            <a:schemeClr val="accent1"/>
+          </a:lnRef>
+          <a:fillRef idx="0">
+            <a:schemeClr val="accent1"/>
+          </a:fillRef>
+          <a:effectRef idx="0">
+            <a:schemeClr val="accent1"/>
+          </a:effectRef>
+          <a:fontRef idx="minor">
+            <a:schemeClr val="tx1"/>
+          </a:fontRef>
+        </p:style>
+      </p:cxnSp>
+      <p:sp>
+        <p:nvSpPr>
+          <p:cNvPr id="30" name="Rectangle 29"/>
+          <p:cNvSpPr/>
+          <p:nvPr/>
+        </p:nvSpPr>
+        <p:spPr>
+          <a:xfrm>
+            <a:off x="2994991" y="4495048"/>
+            <a:ext cx="2213113" cy="410099"/>
+          </a:xfrm>
+          <a:prstGeom prst="rect">
+            <a:avLst/>
+          </a:prstGeom>
+        </p:spPr>
+        <p:style>
+          <a:lnRef idx="2">
+            <a:schemeClr val="accent1">
+              <a:shade val="50000"/>
+            </a:schemeClr>
+          </a:lnRef>
+          <a:fillRef idx="1">
+            <a:schemeClr val="accent1"/>
+          </a:fillRef>
+          <a:effectRef idx="0">
+            <a:schemeClr val="accent1"/>
+          </a:effectRef>
+          <a:fontRef idx="minor">
+            <a:schemeClr val="lt1"/>
+          </a:fontRef>
+        </p:style>
+        <p:txBody>
+          <a:bodyPr rtlCol="0" anchor="ctr"/>
+          <a:lstStyle/>
+          <a:p>
+            <a:pPr algn="ctr"/>
+            <a:r>
+              <a:rPr lang="en-US" dirty="0" smtClean="0"/>
+              <a:t>2</a:t>
+            </a:r>
+            <a:endParaRPr lang="en-US" dirty="0"/>
+          </a:p>
+        </p:txBody>
+      </p:sp>
+      <p:cxnSp>
+        <p:nvCxnSpPr>
+          <p:cNvPr id="31" name="Straight Connector 30"/>
+          <p:cNvCxnSpPr/>
+          <p:nvPr/>
+        </p:nvCxnSpPr>
+        <p:spPr>
+          <a:xfrm flipH="1">
+            <a:off x="3339548" y="5151783"/>
+            <a:ext cx="2597426" cy="0"/>
+          </a:xfrm>
+          <a:prstGeom prst="line">
+            <a:avLst/>
+          </a:prstGeom>
+        </p:spPr>
+        <p:style>
+          <a:lnRef idx="1">
+            <a:schemeClr val="accent1"/>
+          </a:lnRef>
+          <a:fillRef idx="0">
+            <a:schemeClr val="accent1"/>
+          </a:fillRef>
+          <a:effectRef idx="0">
+            <a:schemeClr val="accent1"/>
+          </a:effectRef>
+          <a:fontRef idx="minor">
+            <a:schemeClr val="tx1"/>
+          </a:fontRef>
+        </p:style>
+      </p:cxnSp>
+      <p:sp>
+        <p:nvSpPr>
+          <p:cNvPr id="2048" name="Oval 2047"/>
+          <p:cNvSpPr/>
+          <p:nvPr/>
+        </p:nvSpPr>
+        <p:spPr>
+          <a:xfrm>
+            <a:off x="6088545" y="4791489"/>
+            <a:ext cx="720587" cy="720587"/>
+          </a:xfrm>
+          <a:prstGeom prst="ellipse">
+            <a:avLst/>
+          </a:prstGeom>
+        </p:spPr>
+        <p:style>
+          <a:lnRef idx="2">
+            <a:schemeClr val="accent1">
+              <a:shade val="50000"/>
+            </a:schemeClr>
+          </a:lnRef>
+          <a:fillRef idx="1">
+            <a:schemeClr val="accent1"/>
+          </a:fillRef>
+          <a:effectRef idx="0">
+            <a:schemeClr val="accent1"/>
+          </a:effectRef>
+          <a:fontRef idx="minor">
+            <a:schemeClr val="lt1"/>
+          </a:fontRef>
+        </p:style>
+        <p:txBody>
+          <a:bodyPr rtlCol="0" anchor="ctr"/>
+          <a:lstStyle/>
+          <a:p>
+            <a:pPr algn="ctr"/>
+            <a:r>
+              <a:rPr lang="en-US" dirty="0" smtClean="0"/>
+              <a:t>3</a:t>
+            </a:r>
+            <a:endParaRPr lang="en-US" dirty="0"/>
+          </a:p>
+        </p:txBody>
+      </p:sp>
+      <p:cxnSp>
+        <p:nvCxnSpPr>
+          <p:cNvPr id="35" name="Straight Connector 34"/>
+          <p:cNvCxnSpPr/>
+          <p:nvPr/>
+        </p:nvCxnSpPr>
+        <p:spPr>
+          <a:xfrm flipV="1">
+            <a:off x="5936974" y="3825060"/>
+            <a:ext cx="0" cy="1339976"/>
+          </a:xfrm>
+          <a:prstGeom prst="line">
+            <a:avLst/>
+          </a:prstGeom>
+        </p:spPr>
+        <p:style>
+          <a:lnRef idx="1">
+            <a:schemeClr val="accent1"/>
+          </a:lnRef>
+          <a:fillRef idx="0">
+            <a:schemeClr val="accent1"/>
+          </a:fillRef>
+          <a:effectRef idx="0">
+            <a:schemeClr val="accent1"/>
+          </a:effectRef>
+          <a:fontRef idx="minor">
+            <a:schemeClr val="tx1"/>
+          </a:fontRef>
+        </p:style>
+      </p:cxnSp>
+      <p:cxnSp>
+        <p:nvCxnSpPr>
+          <p:cNvPr id="37" name="Straight Connector 36"/>
+          <p:cNvCxnSpPr/>
+          <p:nvPr/>
+        </p:nvCxnSpPr>
+        <p:spPr>
+          <a:xfrm flipH="1">
+            <a:off x="1884060" y="3839818"/>
+            <a:ext cx="4052914" cy="0"/>
+          </a:xfrm>
+          <a:prstGeom prst="line">
+            <a:avLst/>
+          </a:prstGeom>
+        </p:spPr>
+        <p:style>
+          <a:lnRef idx="1">
+            <a:schemeClr val="accent1"/>
+          </a:lnRef>
+          <a:fillRef idx="0">
+            <a:schemeClr val="accent1"/>
+          </a:fillRef>
+          <a:effectRef idx="0">
+            <a:schemeClr val="accent1"/>
+          </a:effectRef>
+          <a:fontRef idx="minor">
+            <a:schemeClr val="tx1"/>
+          </a:fontRef>
+        </p:style>
+      </p:cxnSp>
+      <p:cxnSp>
+        <p:nvCxnSpPr>
+          <p:cNvPr id="42" name="Straight Connector 41"/>
+          <p:cNvCxnSpPr/>
+          <p:nvPr/>
+        </p:nvCxnSpPr>
+        <p:spPr>
+          <a:xfrm flipV="1">
+            <a:off x="1881808" y="3825060"/>
+            <a:ext cx="0" cy="852957"/>
+          </a:xfrm>
+          <a:prstGeom prst="line">
+            <a:avLst/>
+          </a:prstGeom>
+        </p:spPr>
+        <p:style>
+          <a:lnRef idx="1">
+            <a:schemeClr val="accent1"/>
+          </a:lnRef>
+          <a:fillRef idx="0">
+            <a:schemeClr val="accent1"/>
+          </a:fillRef>
+          <a:effectRef idx="0">
+            <a:schemeClr val="accent1"/>
+          </a:effectRef>
+          <a:fontRef idx="minor">
+            <a:schemeClr val="tx1"/>
+          </a:fontRef>
+        </p:style>
+      </p:cxnSp>
+      <p:sp>
+        <p:nvSpPr>
+          <p:cNvPr id="2056" name="Oval Callout 2055"/>
+          <p:cNvSpPr/>
+          <p:nvPr/>
+        </p:nvSpPr>
+        <p:spPr>
+          <a:xfrm>
+            <a:off x="542728" y="3326296"/>
+            <a:ext cx="1206559" cy="1168752"/>
+          </a:xfrm>
+          <a:prstGeom prst="wedgeEllipseCallout">
+            <a:avLst/>
+          </a:prstGeom>
+          <a:gradFill flip="none" rotWithShape="1">
+            <a:gsLst>
+              <a:gs pos="15000">
+                <a:srgbClr val="EC5F77"/>
+              </a:gs>
+              <a:gs pos="100000">
+                <a:srgbClr val="A8589E"/>
+              </a:gs>
+            </a:gsLst>
+            <a:lin ang="0" scaled="1"/>
+            <a:tileRect/>
+          </a:gradFill>
+          <a:ln>
+            <a:noFill/>
+          </a:ln>
+        </p:spPr>
+        <p:style>
+          <a:lnRef idx="2">
+            <a:schemeClr val="accent1">
+              <a:shade val="50000"/>
+            </a:schemeClr>
+          </a:lnRef>
+          <a:fillRef idx="1">
+            <a:schemeClr val="accent1"/>
+          </a:fillRef>
+          <a:effectRef idx="0">
+            <a:schemeClr val="accent1"/>
+          </a:effectRef>
+          <a:fontRef idx="minor">
+            <a:schemeClr val="lt1"/>
+          </a:fontRef>
+        </p:style>
+        <p:txBody>
+          <a:bodyPr rtlCol="0" anchor="ctr"/>
+          <a:lstStyle/>
+          <a:p>
+            <a:pPr algn="ctr"/>
+            <a:r>
+              <a:rPr lang="en-US" dirty="0" smtClean="0"/>
+              <a:t>Help</a:t>
+            </a:r>
+          </a:p>
+          <a:p>
+            <a:pPr algn="ctr"/>
+            <a:r>
+              <a:rPr lang="en-US" dirty="0" smtClean="0"/>
+              <a:t>Me </a:t>
+            </a:r>
+            <a:endParaRPr lang="en-US" dirty="0"/>
+          </a:p>
+        </p:txBody>
+      </p:sp>
+      <p:sp>
+        <p:nvSpPr>
+          <p:cNvPr id="2057" name="Trapezoid 2056"/>
+          <p:cNvSpPr/>
+          <p:nvPr/>
+        </p:nvSpPr>
+        <p:spPr>
+          <a:xfrm>
+            <a:off x="5512075" y="3010680"/>
+            <a:ext cx="781878" cy="536591"/>
+          </a:xfrm>
+          <a:prstGeom prst="trapezoid">
+            <a:avLst/>
+          </a:prstGeom>
+        </p:spPr>
+        <p:style>
+          <a:lnRef idx="2">
+            <a:schemeClr val="accent1">
+              <a:shade val="50000"/>
+            </a:schemeClr>
+          </a:lnRef>
+          <a:fillRef idx="1">
+            <a:schemeClr val="accent1"/>
+          </a:fillRef>
+          <a:effectRef idx="0">
+            <a:schemeClr val="accent1"/>
+          </a:effectRef>
+          <a:fontRef idx="minor">
+            <a:schemeClr val="lt1"/>
+          </a:fontRef>
+        </p:style>
+        <p:txBody>
+          <a:bodyPr rtlCol="0" anchor="ctr"/>
+          <a:lstStyle/>
+          <a:p>
+            <a:pPr algn="ctr"/>
+            <a:r>
+              <a:rPr lang="en-US" dirty="0" smtClean="0"/>
+              <a:t>4</a:t>
+            </a:r>
+            <a:endParaRPr lang="en-US" dirty="0"/>
+          </a:p>
+        </p:txBody>
+      </p:sp>
+    </p:spTree>
+    <p:extLst>
+      <p:ext uri="{BB962C8B-B14F-4D97-AF65-F5344CB8AC3E}">
+        <p14:creationId xmlns:p14="http://schemas.microsoft.com/office/powerpoint/2010/main" val="2483830330"/>
+      </p:ext>
+    </p:extLst>
+  </p:cSld>
+  <p:clrMapOvr>
+    <a:masterClrMapping/>
+  </p:clrMapOvr>
+</p:sld>
+</file>
+
+<file path=ppt/slides/slide9.xml><?xml version="1.0" encoding="utf-8"?>
+<p:sld xmlns:a="http://schemas.openxmlformats.org/drawingml/2006/main" xmlns:r="http://schemas.openxmlformats.org/officeDocument/2006/relationships" xmlns:p="http://schemas.openxmlformats.org/presentationml/2006/main">
+  <p:cSld>
+    <p:spTree>
+      <p:nvGrpSpPr>
+        <p:cNvPr id="1" name=""/>
+        <p:cNvGrpSpPr/>
+        <p:nvPr/>
+      </p:nvGrpSpPr>
+      <p:grpSpPr>
+        <a:xfrm>
+          <a:off x="0" y="0"/>
+          <a:ext cx="0" cy="0"/>
+          <a:chOff x="0" y="0"/>
+          <a:chExt cx="0" cy="0"/>
+        </a:xfrm>
+      </p:grpSpPr>
+      <p:sp>
+        <p:nvSpPr>
+          <p:cNvPr id="2" name="Slide Number Placeholder 1"/>
+          <p:cNvSpPr>
+            <a:spLocks noGrp="1"/>
+          </p:cNvSpPr>
+          <p:nvPr>
+            <p:ph type="sldNum" sz="quarter" idx="12"/>
+          </p:nvPr>
+        </p:nvSpPr>
+        <p:spPr/>
+        <p:txBody>
+          <a:bodyPr/>
+          <a:lstStyle/>
+          <a:p>
+            <a:fld id="{7D9EC917-02A2-4152-9EE3-DFE2775A77C7}" type="slidenum">
+              <a:rPr lang="en-US" smtClean="0"/>
+              <a:pPr/>
+              <a:t>9</a:t>
+            </a:fld>
+            <a:endParaRPr lang="en-US"/>
+          </a:p>
+        </p:txBody>
+      </p:sp>
+      <p:sp>
+        <p:nvSpPr>
+          <p:cNvPr id="3" name="Rectangle 2"/>
+          <p:cNvSpPr/>
+          <p:nvPr/>
+        </p:nvSpPr>
+        <p:spPr>
+          <a:xfrm>
+            <a:off x="301925" y="1051379"/>
+            <a:ext cx="8454964" cy="27432"/>
+          </a:xfrm>
+          <a:prstGeom prst="rect">
+            <a:avLst/>
+          </a:prstGeom>
+          <a:gradFill flip="none" rotWithShape="1">
+            <a:gsLst>
+              <a:gs pos="15000">
+                <a:srgbClr val="EC5F77"/>
+              </a:gs>
+              <a:gs pos="100000">
+                <a:srgbClr val="A8589E"/>
+              </a:gs>
+            </a:gsLst>
+            <a:lin ang="0" scaled="1"/>
+            <a:tileRect/>
+          </a:gradFill>
+          <a:ln>
+            <a:noFill/>
+          </a:ln>
+        </p:spPr>
+        <p:style>
+          <a:lnRef idx="2">
+            <a:schemeClr val="accent1">
+              <a:shade val="50000"/>
+            </a:schemeClr>
+          </a:lnRef>
+          <a:fillRef idx="1">
+            <a:schemeClr val="accent1"/>
+          </a:fillRef>
+          <a:effectRef idx="0">
+            <a:schemeClr val="accent1"/>
+          </a:effectRef>
+          <a:fontRef idx="minor">
+            <a:schemeClr val="lt1"/>
+          </a:fontRef>
+        </p:style>
+        <p:txBody>
+          <a:bodyPr rtlCol="0" anchor="ctr"/>
+          <a:lstStyle/>
+          <a:p>
+            <a:pPr algn="ctr"/>
+            <a:endParaRPr lang="en-US"/>
+          </a:p>
+        </p:txBody>
+      </p:sp>
+      <p:sp>
+        <p:nvSpPr>
+          <p:cNvPr id="4" name="TextBox 3"/>
+          <p:cNvSpPr txBox="1"/>
+          <p:nvPr/>
+        </p:nvSpPr>
+        <p:spPr>
+          <a:xfrm>
+            <a:off x="248815" y="546584"/>
+            <a:ext cx="7374995" cy="461665"/>
+          </a:xfrm>
+          <a:prstGeom prst="rect">
+            <a:avLst/>
+          </a:prstGeom>
+          <a:noFill/>
+        </p:spPr>
+        <p:txBody>
+          <a:bodyPr wrap="square" rtlCol="0">
+            <a:spAutoFit/>
+          </a:bodyPr>
+          <a:lstStyle/>
+          <a:p>
+            <a:r>
+              <a:rPr lang="en-US" sz="2400" b="1" dirty="0" smtClean="0">
+                <a:solidFill>
+                  <a:srgbClr val="EC5F77"/>
+                </a:solidFill>
+                <a:latin typeface="UTM Helve" panose="02040603050506020204" pitchFamily="18" charset="0"/>
+                <a:ea typeface="Roboto" pitchFamily="2" charset="0"/>
+              </a:rPr>
+              <a:t>13.4 Hoạt </a:t>
+            </a:r>
+            <a:r>
+              <a:rPr lang="en-US" sz="2400" b="1" dirty="0">
+                <a:solidFill>
+                  <a:srgbClr val="EC5F77"/>
+                </a:solidFill>
+                <a:latin typeface="UTM Helve" panose="02040603050506020204" pitchFamily="18" charset="0"/>
+                <a:ea typeface="Roboto" pitchFamily="2" charset="0"/>
+              </a:rPr>
+              <a:t>động học viên</a:t>
+            </a:r>
+          </a:p>
+        </p:txBody>
+      </p:sp>
+      <p:sp>
+        <p:nvSpPr>
+          <p:cNvPr id="5" name="TextBox 4"/>
+          <p:cNvSpPr txBox="1"/>
+          <p:nvPr/>
+        </p:nvSpPr>
+        <p:spPr>
+          <a:xfrm>
+            <a:off x="1098981" y="1272143"/>
+            <a:ext cx="4007624" cy="461665"/>
+          </a:xfrm>
+          <a:prstGeom prst="rect">
+            <a:avLst/>
+          </a:prstGeom>
+          <a:noFill/>
+        </p:spPr>
+        <p:txBody>
+          <a:bodyPr wrap="square" rtlCol="0">
+            <a:spAutoFit/>
+          </a:bodyPr>
+          <a:lstStyle/>
+          <a:p>
+            <a:r>
+              <a:rPr lang="en-US" sz="2400" b="1" dirty="0" smtClean="0">
+                <a:solidFill>
+                  <a:schemeClr val="tx1">
+                    <a:lumMod val="85000"/>
+                    <a:lumOff val="15000"/>
+                  </a:schemeClr>
+                </a:solidFill>
+                <a:latin typeface="UTM Helve" panose="02040603050506020204" pitchFamily="18" charset="0"/>
+                <a:ea typeface="Roboto" pitchFamily="2" charset="0"/>
+              </a:rPr>
+              <a:t>Giải cứu công chúa</a:t>
+            </a:r>
+            <a:endParaRPr lang="en-US" sz="2400" b="1" dirty="0">
+              <a:solidFill>
+                <a:schemeClr val="tx1">
+                  <a:lumMod val="85000"/>
+                  <a:lumOff val="15000"/>
+                </a:schemeClr>
+              </a:solidFill>
+              <a:latin typeface="UTM Helve" panose="02040603050506020204" pitchFamily="18" charset="0"/>
+              <a:ea typeface="Roboto" pitchFamily="2" charset="0"/>
+            </a:endParaRPr>
           </a:p>
         </p:txBody>
       </p:sp>
       <p:pic>
         <p:nvPicPr>
-          <p:cNvPr id="10" name="Picture 9"/>
+          <p:cNvPr id="6" name="Picture 5"/>
           <p:cNvPicPr>
             <a:picLocks noChangeAspect="1"/>
           </p:cNvPicPr>
           <p:nvPr/>
         </p:nvPicPr>
         <p:blipFill>
-          <a:blip r:embed="rId3">
+          <a:blip r:embed="rId2">
             <a:extLst>
               <a:ext uri="{28A0092B-C50C-407E-A947-70E740481C1C}">
                 <a14:useLocalDpi xmlns:a14="http://schemas.microsoft.com/office/drawing/2010/main" val="0"/>
@@ -7126,42 +8274,18 @@
           </a:stretch>
         </p:blipFill>
         <p:spPr>
-          <a:xfrm rot="19240647">
-            <a:off x="228010" y="3581213"/>
-            <a:ext cx="1562887" cy="1468879"/>
+          <a:xfrm>
+            <a:off x="542728" y="1345100"/>
+            <a:ext cx="466725" cy="409575"/>
           </a:xfrm>
           <a:prstGeom prst="rect">
             <a:avLst/>
           </a:prstGeom>
         </p:spPr>
       </p:pic>
-      <p:pic>
-        <p:nvPicPr>
-          <p:cNvPr id="11" name="Picture 10"/>
-          <p:cNvPicPr>
-            <a:picLocks noChangeAspect="1"/>
-          </p:cNvPicPr>
-          <p:nvPr/>
-        </p:nvPicPr>
-        <p:blipFill>
-          <a:blip r:embed="rId4"/>
-          <a:stretch>
-            <a:fillRect/>
-          </a:stretch>
-        </p:blipFill>
-        <p:spPr>
-          <a:xfrm>
-            <a:off x="5466744" y="1345100"/>
-            <a:ext cx="2561659" cy="4215643"/>
-          </a:xfrm>
-          <a:prstGeom prst="rect">
-            <a:avLst/>
-          </a:prstGeom>
-        </p:spPr>
-      </p:pic>
-      <p:sp>
-        <p:nvSpPr>
-          <p:cNvPr id="18" name="Title 1"/>
+      <p:sp>
+        <p:nvSpPr>
+          <p:cNvPr id="7" name="Title 1"/>
           <p:cNvSpPr txBox="1">
             <a:spLocks/>
           </p:cNvSpPr>
@@ -7169,8 +8293,8 @@
         </p:nvSpPr>
         <p:spPr>
           <a:xfrm>
-            <a:off x="5362107" y="5827032"/>
-            <a:ext cx="2770931" cy="358690"/>
+            <a:off x="542728" y="1898454"/>
+            <a:ext cx="7790129" cy="897755"/>
           </a:xfrm>
           <a:prstGeom prst="rect">
             <a:avLst/>
@@ -7198,13 +8322,13 @@
             </a:lvl1pPr>
           </a:lstStyle>
           <a:p>
-            <a:pPr algn="ctr">
+            <a:pPr>
               <a:lnSpc>
                 <a:spcPct val="100000"/>
               </a:lnSpc>
             </a:pPr>
             <a:r>
-              <a:rPr lang="en-US" sz="1800" b="0" i="1" dirty="0" smtClean="0">
+              <a:rPr lang="en-US" sz="2000" b="0" dirty="0" smtClean="0">
                 <a:solidFill>
                   <a:schemeClr val="tx1">
                     <a:lumMod val="95000"/>
@@ -7213,9 +8337,9 @@
                 </a:solidFill>
                 <a:ea typeface="Roboto Condensed" pitchFamily="2" charset="0"/>
               </a:rPr>
-              <a:t>Một số blocks gợi ý</a:t>
-            </a:r>
-            <a:endParaRPr lang="en-US" sz="1800" b="0" i="1" dirty="0" smtClean="0">
+              <a:t>Bạn hãy lập trình sử dụng xe robot zoom:bit đi giải cứu công chúa với 2 chế độ điều khiển thu công và chạy tự động:</a:t>
+            </a:r>
+            <a:endParaRPr lang="vi-VN" sz="2000" b="0" dirty="0">
               <a:solidFill>
                 <a:schemeClr val="tx1">
                   <a:lumMod val="95000"/>
@@ -7227,10 +8351,433 @@
           </a:p>
         </p:txBody>
       </p:sp>
+      <p:grpSp>
+        <p:nvGrpSpPr>
+          <p:cNvPr id="14" name="Group 13"/>
+          <p:cNvGrpSpPr/>
+          <p:nvPr/>
+        </p:nvGrpSpPr>
+        <p:grpSpPr>
+          <a:xfrm>
+            <a:off x="964307" y="2917749"/>
+            <a:ext cx="7215387" cy="2976642"/>
+            <a:chOff x="776090" y="3132610"/>
+            <a:chExt cx="7215387" cy="2976642"/>
+          </a:xfrm>
+        </p:grpSpPr>
+        <p:sp>
+          <p:nvSpPr>
+            <p:cNvPr id="10" name="Rounded Rectangle 9"/>
+            <p:cNvSpPr/>
+            <p:nvPr/>
+          </p:nvSpPr>
+          <p:spPr>
+            <a:xfrm>
+              <a:off x="776090" y="3422454"/>
+              <a:ext cx="3160222" cy="2686798"/>
+            </a:xfrm>
+            <a:prstGeom prst="roundRect">
+              <a:avLst>
+                <a:gd name="adj" fmla="val 4688"/>
+              </a:avLst>
+            </a:prstGeom>
+            <a:solidFill>
+              <a:schemeClr val="bg1"/>
+            </a:solidFill>
+            <a:ln w="28575">
+              <a:solidFill>
+                <a:srgbClr val="CD0065"/>
+              </a:solidFill>
+              <a:prstDash val="dash"/>
+            </a:ln>
+          </p:spPr>
+          <p:style>
+            <a:lnRef idx="2">
+              <a:schemeClr val="accent1">
+                <a:shade val="50000"/>
+              </a:schemeClr>
+            </a:lnRef>
+            <a:fillRef idx="1">
+              <a:schemeClr val="accent1"/>
+            </a:fillRef>
+            <a:effectRef idx="0">
+              <a:schemeClr val="accent1"/>
+            </a:effectRef>
+            <a:fontRef idx="minor">
+              <a:schemeClr val="lt1"/>
+            </a:fontRef>
+          </p:style>
+          <p:txBody>
+            <a:bodyPr rtlCol="0" anchor="ctr"/>
+            <a:lstStyle/>
+            <a:p>
+              <a:pPr algn="ctr"/>
+              <a:endParaRPr lang="en-US"/>
+            </a:p>
+          </p:txBody>
+        </p:sp>
+        <p:sp>
+          <p:nvSpPr>
+            <p:cNvPr id="9" name="Title 1"/>
+            <p:cNvSpPr txBox="1">
+              <a:spLocks/>
+            </p:cNvSpPr>
+            <p:nvPr/>
+          </p:nvSpPr>
+          <p:spPr>
+            <a:xfrm>
+              <a:off x="1009454" y="3735576"/>
+              <a:ext cx="2701156" cy="1918172"/>
+            </a:xfrm>
+            <a:prstGeom prst="rect">
+              <a:avLst/>
+            </a:prstGeom>
+          </p:spPr>
+          <p:txBody>
+            <a:bodyPr/>
+            <a:lstStyle>
+              <a:lvl1pPr algn="l" defTabSz="914400" rtl="0" eaLnBrk="1" latinLnBrk="0" hangingPunct="1">
+                <a:lnSpc>
+                  <a:spcPct val="90000"/>
+                </a:lnSpc>
+                <a:spcBef>
+                  <a:spcPct val="0"/>
+                </a:spcBef>
+                <a:buNone/>
+                <a:defRPr sz="3200" b="1" kern="1200">
+                  <a:solidFill>
+                    <a:srgbClr val="019DD0"/>
+                  </a:solidFill>
+                  <a:latin typeface="Arial" panose="020B0604020202020204" pitchFamily="34" charset="0"/>
+                  <a:ea typeface="+mj-ea"/>
+                  <a:cs typeface="Arial" panose="020B0604020202020204" pitchFamily="34" charset="0"/>
+                </a:defRPr>
+              </a:lvl1pPr>
+            </a:lstStyle>
+            <a:p>
+              <a:pPr>
+                <a:lnSpc>
+                  <a:spcPct val="100000"/>
+                </a:lnSpc>
+              </a:pPr>
+              <a:r>
+                <a:rPr lang="en-US" sz="2000" b="0" dirty="0" smtClean="0">
+                  <a:solidFill>
+                    <a:schemeClr val="tx1">
+                      <a:lumMod val="95000"/>
+                      <a:lumOff val="5000"/>
+                    </a:schemeClr>
+                  </a:solidFill>
+                  <a:ea typeface="Roboto Condensed" pitchFamily="2" charset="0"/>
+                </a:rPr>
+                <a:t>Nếu xe nhận biết được vật cản thì dừng lại, và bạn </a:t>
+              </a:r>
+              <a:r>
+                <a:rPr lang="en-US" sz="2000" dirty="0" smtClean="0">
+                  <a:solidFill>
+                    <a:schemeClr val="tx1">
+                      <a:lumMod val="95000"/>
+                      <a:lumOff val="5000"/>
+                    </a:schemeClr>
+                  </a:solidFill>
+                  <a:ea typeface="Roboto Condensed" pitchFamily="2" charset="0"/>
+                </a:rPr>
+                <a:t>tự mình </a:t>
+              </a:r>
+              <a:r>
+                <a:rPr lang="en-US" sz="2000" b="0" dirty="0" smtClean="0">
+                  <a:solidFill>
+                    <a:schemeClr val="tx1">
+                      <a:lumMod val="95000"/>
+                      <a:lumOff val="5000"/>
+                    </a:schemeClr>
+                  </a:solidFill>
+                  <a:ea typeface="Roboto Condensed" pitchFamily="2" charset="0"/>
+                </a:rPr>
+                <a:t>điều khiển cho xe rẻ trái/phải, lùi, đi tới bằng cách nút nhấn trên micro:bit</a:t>
+              </a:r>
+              <a:endParaRPr lang="vi-VN" sz="2000" b="0" dirty="0">
+                <a:solidFill>
+                  <a:schemeClr val="tx1">
+                    <a:lumMod val="95000"/>
+                    <a:lumOff val="5000"/>
+                  </a:schemeClr>
+                </a:solidFill>
+                <a:ea typeface="Roboto Condensed" pitchFamily="2" charset="0"/>
+              </a:endParaRPr>
+            </a:p>
+          </p:txBody>
+        </p:sp>
+        <p:sp>
+          <p:nvSpPr>
+            <p:cNvPr id="8" name="Rounded Rectangle 7"/>
+            <p:cNvSpPr/>
+            <p:nvPr/>
+          </p:nvSpPr>
+          <p:spPr>
+            <a:xfrm>
+              <a:off x="1430623" y="3132610"/>
+              <a:ext cx="1710142" cy="463826"/>
+            </a:xfrm>
+            <a:prstGeom prst="roundRect">
+              <a:avLst>
+                <a:gd name="adj" fmla="val 50000"/>
+              </a:avLst>
+            </a:prstGeom>
+            <a:gradFill flip="none" rotWithShape="1">
+              <a:gsLst>
+                <a:gs pos="15000">
+                  <a:srgbClr val="EC5F77"/>
+                </a:gs>
+                <a:gs pos="100000">
+                  <a:srgbClr val="A8589E"/>
+                </a:gs>
+              </a:gsLst>
+              <a:lin ang="0" scaled="1"/>
+              <a:tileRect/>
+            </a:gradFill>
+            <a:ln>
+              <a:noFill/>
+            </a:ln>
+          </p:spPr>
+          <p:style>
+            <a:lnRef idx="2">
+              <a:schemeClr val="accent1">
+                <a:shade val="50000"/>
+              </a:schemeClr>
+            </a:lnRef>
+            <a:fillRef idx="1">
+              <a:schemeClr val="accent1"/>
+            </a:fillRef>
+            <a:effectRef idx="0">
+              <a:schemeClr val="accent1"/>
+            </a:effectRef>
+            <a:fontRef idx="minor">
+              <a:schemeClr val="lt1"/>
+            </a:fontRef>
+          </p:style>
+          <p:txBody>
+            <a:bodyPr rtlCol="0" anchor="ctr"/>
+            <a:lstStyle/>
+            <a:p>
+              <a:pPr algn="ctr"/>
+              <a:r>
+                <a:rPr lang="en-US" dirty="0" smtClean="0"/>
+                <a:t>Thủ công</a:t>
+              </a:r>
+              <a:endParaRPr lang="en-US" dirty="0"/>
+            </a:p>
+          </p:txBody>
+        </p:sp>
+        <p:sp>
+          <p:nvSpPr>
+            <p:cNvPr id="11" name="Rounded Rectangle 10"/>
+            <p:cNvSpPr/>
+            <p:nvPr/>
+          </p:nvSpPr>
+          <p:spPr>
+            <a:xfrm>
+              <a:off x="4831255" y="3422454"/>
+              <a:ext cx="3160222" cy="2686798"/>
+            </a:xfrm>
+            <a:prstGeom prst="roundRect">
+              <a:avLst>
+                <a:gd name="adj" fmla="val 4688"/>
+              </a:avLst>
+            </a:prstGeom>
+            <a:solidFill>
+              <a:schemeClr val="bg1"/>
+            </a:solidFill>
+            <a:ln w="28575">
+              <a:solidFill>
+                <a:srgbClr val="CD0065"/>
+              </a:solidFill>
+              <a:prstDash val="dash"/>
+            </a:ln>
+          </p:spPr>
+          <p:style>
+            <a:lnRef idx="2">
+              <a:schemeClr val="accent1">
+                <a:shade val="50000"/>
+              </a:schemeClr>
+            </a:lnRef>
+            <a:fillRef idx="1">
+              <a:schemeClr val="accent1"/>
+            </a:fillRef>
+            <a:effectRef idx="0">
+              <a:schemeClr val="accent1"/>
+            </a:effectRef>
+            <a:fontRef idx="minor">
+              <a:schemeClr val="lt1"/>
+            </a:fontRef>
+          </p:style>
+          <p:txBody>
+            <a:bodyPr rtlCol="0" anchor="ctr"/>
+            <a:lstStyle/>
+            <a:p>
+              <a:pPr algn="ctr"/>
+              <a:endParaRPr lang="en-US"/>
+            </a:p>
+          </p:txBody>
+        </p:sp>
+        <p:sp>
+          <p:nvSpPr>
+            <p:cNvPr id="12" name="Title 1"/>
+            <p:cNvSpPr txBox="1">
+              <a:spLocks/>
+            </p:cNvSpPr>
+            <p:nvPr/>
+          </p:nvSpPr>
+          <p:spPr>
+            <a:xfrm>
+              <a:off x="5064619" y="3735576"/>
+              <a:ext cx="2701156" cy="1918172"/>
+            </a:xfrm>
+            <a:prstGeom prst="rect">
+              <a:avLst/>
+            </a:prstGeom>
+          </p:spPr>
+          <p:txBody>
+            <a:bodyPr/>
+            <a:lstStyle>
+              <a:lvl1pPr algn="l" defTabSz="914400" rtl="0" eaLnBrk="1" latinLnBrk="0" hangingPunct="1">
+                <a:lnSpc>
+                  <a:spcPct val="90000"/>
+                </a:lnSpc>
+                <a:spcBef>
+                  <a:spcPct val="0"/>
+                </a:spcBef>
+                <a:buNone/>
+                <a:defRPr sz="3200" b="1" kern="1200">
+                  <a:solidFill>
+                    <a:srgbClr val="019DD0"/>
+                  </a:solidFill>
+                  <a:latin typeface="Arial" panose="020B0604020202020204" pitchFamily="34" charset="0"/>
+                  <a:ea typeface="+mj-ea"/>
+                  <a:cs typeface="Arial" panose="020B0604020202020204" pitchFamily="34" charset="0"/>
+                </a:defRPr>
+              </a:lvl1pPr>
+            </a:lstStyle>
+            <a:p>
+              <a:pPr>
+                <a:lnSpc>
+                  <a:spcPct val="100000"/>
+                </a:lnSpc>
+              </a:pPr>
+              <a:r>
+                <a:rPr lang="en-US" sz="2000" b="0" dirty="0" smtClean="0">
+                  <a:solidFill>
+                    <a:schemeClr val="tx1">
+                      <a:lumMod val="95000"/>
+                      <a:lumOff val="5000"/>
+                    </a:schemeClr>
+                  </a:solidFill>
+                  <a:ea typeface="Roboto Condensed" pitchFamily="2" charset="0"/>
+                </a:rPr>
+                <a:t>Nếu xe nhận biết được vật cản thì </a:t>
+              </a:r>
+              <a:r>
+                <a:rPr lang="en-US" sz="2000" dirty="0" smtClean="0">
+                  <a:solidFill>
+                    <a:schemeClr val="tx1">
+                      <a:lumMod val="95000"/>
+                      <a:lumOff val="5000"/>
+                    </a:schemeClr>
+                  </a:solidFill>
+                  <a:ea typeface="Roboto Condensed" pitchFamily="2" charset="0"/>
+                </a:rPr>
+                <a:t>tự động</a:t>
+              </a:r>
+              <a:r>
+                <a:rPr lang="en-US" sz="2000" b="0" dirty="0" smtClean="0">
+                  <a:solidFill>
+                    <a:schemeClr val="tx1">
+                      <a:lumMod val="95000"/>
+                      <a:lumOff val="5000"/>
+                    </a:schemeClr>
+                  </a:solidFill>
+                  <a:ea typeface="Roboto Condensed" pitchFamily="2" charset="0"/>
+                </a:rPr>
+                <a:t> rẻ, và đi thẳng theo hướng có thể đi được đến vị trí công chúa.</a:t>
+              </a:r>
+              <a:endParaRPr lang="vi-VN" sz="2000" b="0" dirty="0">
+                <a:solidFill>
+                  <a:schemeClr val="tx1">
+                    <a:lumMod val="95000"/>
+                    <a:lumOff val="5000"/>
+                  </a:schemeClr>
+                </a:solidFill>
+                <a:ea typeface="Roboto Condensed" pitchFamily="2" charset="0"/>
+              </a:endParaRPr>
+            </a:p>
+          </p:txBody>
+        </p:sp>
+        <p:sp>
+          <p:nvSpPr>
+            <p:cNvPr id="13" name="Rounded Rectangle 12"/>
+            <p:cNvSpPr/>
+            <p:nvPr/>
+          </p:nvSpPr>
+          <p:spPr>
+            <a:xfrm>
+              <a:off x="5485788" y="3132610"/>
+              <a:ext cx="1710142" cy="463826"/>
+            </a:xfrm>
+            <a:prstGeom prst="roundRect">
+              <a:avLst>
+                <a:gd name="adj" fmla="val 50000"/>
+              </a:avLst>
+            </a:prstGeom>
+            <a:gradFill flip="none" rotWithShape="1">
+              <a:gsLst>
+                <a:gs pos="15000">
+                  <a:srgbClr val="EC5F77"/>
+                </a:gs>
+                <a:gs pos="100000">
+                  <a:srgbClr val="A8589E"/>
+                </a:gs>
+              </a:gsLst>
+              <a:lin ang="0" scaled="1"/>
+              <a:tileRect/>
+            </a:gradFill>
+            <a:ln>
+              <a:noFill/>
+            </a:ln>
+          </p:spPr>
+          <p:style>
+            <a:lnRef idx="2">
+              <a:schemeClr val="accent1">
+                <a:shade val="50000"/>
+              </a:schemeClr>
+            </a:lnRef>
+            <a:fillRef idx="1">
+              <a:schemeClr val="accent1"/>
+            </a:fillRef>
+            <a:effectRef idx="0">
+              <a:schemeClr val="accent1"/>
+            </a:effectRef>
+            <a:fontRef idx="minor">
+              <a:schemeClr val="lt1"/>
+            </a:fontRef>
+          </p:style>
+          <p:txBody>
+            <a:bodyPr rtlCol="0" anchor="ctr"/>
+            <a:lstStyle/>
+            <a:p>
+              <a:pPr algn="ctr"/>
+              <a:r>
+                <a:rPr lang="en-US" dirty="0" smtClean="0"/>
+                <a:t>Tự động</a:t>
+              </a:r>
+              <a:endParaRPr lang="en-US" dirty="0"/>
+            </a:p>
+          </p:txBody>
+        </p:sp>
+      </p:grpSp>
     </p:spTree>
     <p:extLst>
       <p:ext uri="{BB962C8B-B14F-4D97-AF65-F5344CB8AC3E}">
-        <p14:creationId xmlns:p14="http://schemas.microsoft.com/office/powerpoint/2010/main" val="3123143947"/>
+        <p14:creationId xmlns:p14="http://schemas.microsoft.com/office/powerpoint/2010/main" val="1007238128"/>
       </p:ext>
     </p:extLst>
   </p:cSld>

--- a/Lessions/Bai-15-Ultrasonic-Sensor/Bai-15-Ultrasonic-Sensor.pptx
+++ b/Lessions/Bai-15-Ultrasonic-Sensor/Bai-15-Ultrasonic-Sensor.pptx
@@ -5,7 +5,7 @@
     <p:sldMasterId id="2147483660" r:id="rId1"/>
   </p:sldMasterIdLst>
   <p:notesMasterIdLst>
-    <p:notesMasterId r:id="rId12"/>
+    <p:notesMasterId r:id="rId10"/>
   </p:notesMasterIdLst>
   <p:sldIdLst>
     <p:sldId id="256" r:id="rId2"/>
@@ -13,11 +13,9 @@
     <p:sldId id="297" r:id="rId4"/>
     <p:sldId id="290" r:id="rId5"/>
     <p:sldId id="298" r:id="rId6"/>
-    <p:sldId id="266" r:id="rId7"/>
-    <p:sldId id="268" r:id="rId8"/>
-    <p:sldId id="287" r:id="rId9"/>
-    <p:sldId id="299" r:id="rId10"/>
-    <p:sldId id="300" r:id="rId11"/>
+    <p:sldId id="287" r:id="rId7"/>
+    <p:sldId id="299" r:id="rId8"/>
+    <p:sldId id="300" r:id="rId9"/>
   </p:sldIdLst>
   <p:sldSz cx="9144000" cy="6858000" type="screen4x3"/>
   <p:notesSz cx="6858000" cy="9144000"/>
@@ -206,7 +204,7 @@
           <a:p>
             <a:fld id="{E1BDF935-9821-4834-9D99-7DEFA719F44D}" type="datetimeFigureOut">
               <a:rPr lang="en-US" smtClean="0"/>
-              <a:t>5/26/2023</a:t>
+              <a:t>6/13/2024</a:t>
             </a:fld>
             <a:endParaRPr lang="en-US"/>
           </a:p>
@@ -2515,16 +2513,7 @@
                 </a:solidFill>
                 <a:latin typeface="GT Walsheim Bold" panose="00000800000000000000" pitchFamily="2" charset="0"/>
               </a:rPr>
-              <a:t>BÀI </a:t>
-            </a:r>
-            <a:r>
-              <a:rPr lang="en-US" sz="3600" b="1" dirty="0" smtClean="0">
-                <a:solidFill>
-                  <a:schemeClr val="bg1"/>
-                </a:solidFill>
-                <a:latin typeface="GT Walsheim Bold" panose="00000800000000000000" pitchFamily="2" charset="0"/>
-              </a:rPr>
-              <a:t>15</a:t>
+              <a:t>BÀI 15</a:t>
             </a:r>
             <a:endParaRPr lang="en-US" sz="3600" b="1" dirty="0">
               <a:solidFill>
@@ -2588,580 +2577,13 @@
   <p:clrMapOvr>
     <a:masterClrMapping/>
   </p:clrMapOvr>
-</p:sld>
-</file>
-
-<file path=ppt/slides/slide10.xml><?xml version="1.0" encoding="utf-8"?>
-<p:sld xmlns:a="http://schemas.openxmlformats.org/drawingml/2006/main" xmlns:r="http://schemas.openxmlformats.org/officeDocument/2006/relationships" xmlns:p="http://schemas.openxmlformats.org/presentationml/2006/main">
-  <p:cSld>
-    <p:spTree>
-      <p:nvGrpSpPr>
-        <p:cNvPr id="1" name=""/>
-        <p:cNvGrpSpPr/>
-        <p:nvPr/>
-      </p:nvGrpSpPr>
-      <p:grpSpPr>
-        <a:xfrm>
-          <a:off x="0" y="0"/>
-          <a:ext cx="0" cy="0"/>
-          <a:chOff x="0" y="0"/>
-          <a:chExt cx="0" cy="0"/>
-        </a:xfrm>
-      </p:grpSpPr>
-      <p:sp>
-        <p:nvSpPr>
-          <p:cNvPr id="2" name="Slide Number Placeholder 1"/>
-          <p:cNvSpPr>
-            <a:spLocks noGrp="1"/>
-          </p:cNvSpPr>
-          <p:nvPr>
-            <p:ph type="sldNum" sz="quarter" idx="12"/>
-          </p:nvPr>
-        </p:nvSpPr>
-        <p:spPr/>
-        <p:txBody>
-          <a:bodyPr/>
-          <a:lstStyle/>
-          <a:p>
-            <a:fld id="{7D9EC917-02A2-4152-9EE3-DFE2775A77C7}" type="slidenum">
-              <a:rPr lang="en-US" smtClean="0"/>
-              <a:pPr/>
-              <a:t>10</a:t>
-            </a:fld>
-            <a:endParaRPr lang="en-US"/>
-          </a:p>
-        </p:txBody>
-      </p:sp>
-      <p:sp>
-        <p:nvSpPr>
-          <p:cNvPr id="3" name="Rectangle 2"/>
-          <p:cNvSpPr/>
-          <p:nvPr/>
-        </p:nvSpPr>
-        <p:spPr>
-          <a:xfrm>
-            <a:off x="301925" y="1051379"/>
-            <a:ext cx="8454964" cy="27432"/>
-          </a:xfrm>
-          <a:prstGeom prst="rect">
-            <a:avLst/>
-          </a:prstGeom>
-          <a:gradFill flip="none" rotWithShape="1">
-            <a:gsLst>
-              <a:gs pos="15000">
-                <a:srgbClr val="EC5F77"/>
-              </a:gs>
-              <a:gs pos="100000">
-                <a:srgbClr val="A8589E"/>
-              </a:gs>
-            </a:gsLst>
-            <a:lin ang="0" scaled="1"/>
-            <a:tileRect/>
-          </a:gradFill>
-          <a:ln>
-            <a:noFill/>
-          </a:ln>
-        </p:spPr>
-        <p:style>
-          <a:lnRef idx="2">
-            <a:schemeClr val="accent1">
-              <a:shade val="50000"/>
-            </a:schemeClr>
-          </a:lnRef>
-          <a:fillRef idx="1">
-            <a:schemeClr val="accent1"/>
-          </a:fillRef>
-          <a:effectRef idx="0">
-            <a:schemeClr val="accent1"/>
-          </a:effectRef>
-          <a:fontRef idx="minor">
-            <a:schemeClr val="lt1"/>
-          </a:fontRef>
-        </p:style>
-        <p:txBody>
-          <a:bodyPr rtlCol="0" anchor="ctr"/>
-          <a:lstStyle/>
-          <a:p>
-            <a:pPr algn="ctr"/>
-            <a:endParaRPr lang="en-US"/>
-          </a:p>
-        </p:txBody>
-      </p:sp>
-      <p:sp>
-        <p:nvSpPr>
-          <p:cNvPr id="4" name="TextBox 3"/>
-          <p:cNvSpPr txBox="1"/>
-          <p:nvPr/>
-        </p:nvSpPr>
-        <p:spPr>
-          <a:xfrm>
-            <a:off x="248815" y="546584"/>
-            <a:ext cx="7374995" cy="461665"/>
-          </a:xfrm>
-          <a:prstGeom prst="rect">
-            <a:avLst/>
-          </a:prstGeom>
-          <a:noFill/>
-        </p:spPr>
-        <p:txBody>
-          <a:bodyPr wrap="square" rtlCol="0">
-            <a:spAutoFit/>
-          </a:bodyPr>
-          <a:lstStyle/>
-          <a:p>
-            <a:r>
-              <a:rPr lang="en-US" sz="2400" b="1" dirty="0" smtClean="0">
-                <a:solidFill>
-                  <a:srgbClr val="EC5F77"/>
-                </a:solidFill>
-                <a:latin typeface="UTM Helve" panose="02040603050506020204" pitchFamily="18" charset="0"/>
-                <a:ea typeface="Roboto" pitchFamily="2" charset="0"/>
-              </a:rPr>
-              <a:t>13.4 Hoạt </a:t>
-            </a:r>
-            <a:r>
-              <a:rPr lang="en-US" sz="2400" b="1" dirty="0">
-                <a:solidFill>
-                  <a:srgbClr val="EC5F77"/>
-                </a:solidFill>
-                <a:latin typeface="UTM Helve" panose="02040603050506020204" pitchFamily="18" charset="0"/>
-                <a:ea typeface="Roboto" pitchFamily="2" charset="0"/>
-              </a:rPr>
-              <a:t>động học viên</a:t>
-            </a:r>
-          </a:p>
-        </p:txBody>
-      </p:sp>
-      <p:sp>
-        <p:nvSpPr>
-          <p:cNvPr id="5" name="TextBox 4"/>
-          <p:cNvSpPr txBox="1"/>
-          <p:nvPr/>
-        </p:nvSpPr>
-        <p:spPr>
-          <a:xfrm>
-            <a:off x="1098980" y="1272143"/>
-            <a:ext cx="5474097" cy="461665"/>
-          </a:xfrm>
-          <a:prstGeom prst="rect">
-            <a:avLst/>
-          </a:prstGeom>
-          <a:noFill/>
-        </p:spPr>
-        <p:txBody>
-          <a:bodyPr wrap="square" rtlCol="0">
-            <a:spAutoFit/>
-          </a:bodyPr>
-          <a:lstStyle/>
-          <a:p>
-            <a:r>
-              <a:rPr lang="en-US" sz="2400" b="1" dirty="0" smtClean="0">
-                <a:solidFill>
-                  <a:schemeClr val="tx1">
-                    <a:lumMod val="85000"/>
-                    <a:lumOff val="15000"/>
-                  </a:schemeClr>
-                </a:solidFill>
-                <a:latin typeface="UTM Helve" panose="02040603050506020204" pitchFamily="18" charset="0"/>
-                <a:ea typeface="Roboto" pitchFamily="2" charset="0"/>
-              </a:rPr>
-              <a:t>Gợi ý với trường hợp tự động</a:t>
-            </a:r>
-            <a:endParaRPr lang="en-US" sz="2400" b="1" dirty="0">
-              <a:solidFill>
-                <a:schemeClr val="tx1">
-                  <a:lumMod val="85000"/>
-                  <a:lumOff val="15000"/>
-                </a:schemeClr>
-              </a:solidFill>
-              <a:latin typeface="UTM Helve" panose="02040603050506020204" pitchFamily="18" charset="0"/>
-              <a:ea typeface="Roboto" pitchFamily="2" charset="0"/>
-            </a:endParaRPr>
-          </a:p>
-        </p:txBody>
-      </p:sp>
-      <p:pic>
-        <p:nvPicPr>
-          <p:cNvPr id="6" name="Picture 5"/>
-          <p:cNvPicPr>
-            <a:picLocks noChangeAspect="1"/>
-          </p:cNvPicPr>
-          <p:nvPr/>
-        </p:nvPicPr>
-        <p:blipFill>
-          <a:blip r:embed="rId2">
-            <a:extLst>
-              <a:ext uri="{28A0092B-C50C-407E-A947-70E740481C1C}">
-                <a14:useLocalDpi xmlns:a14="http://schemas.microsoft.com/office/drawing/2010/main" val="0"/>
-              </a:ext>
-            </a:extLst>
-          </a:blip>
-          <a:stretch>
-            <a:fillRect/>
-          </a:stretch>
-        </p:blipFill>
-        <p:spPr>
-          <a:xfrm>
-            <a:off x="542728" y="1345100"/>
-            <a:ext cx="466725" cy="409575"/>
-          </a:xfrm>
-          <a:prstGeom prst="rect">
-            <a:avLst/>
-          </a:prstGeom>
-        </p:spPr>
-      </p:pic>
-      <p:sp>
-        <p:nvSpPr>
-          <p:cNvPr id="7" name="Title 1"/>
-          <p:cNvSpPr txBox="1">
-            <a:spLocks/>
-          </p:cNvSpPr>
-          <p:nvPr/>
-        </p:nvSpPr>
-        <p:spPr>
-          <a:xfrm>
-            <a:off x="1098980" y="1927140"/>
-            <a:ext cx="7312402" cy="566450"/>
-          </a:xfrm>
-          <a:prstGeom prst="rect">
-            <a:avLst/>
-          </a:prstGeom>
-        </p:spPr>
-        <p:txBody>
-          <a:bodyPr/>
-          <a:lstStyle>
-            <a:lvl1pPr algn="l" defTabSz="914400" rtl="0" eaLnBrk="1" latinLnBrk="0" hangingPunct="1">
-              <a:lnSpc>
-                <a:spcPct val="90000"/>
-              </a:lnSpc>
-              <a:spcBef>
-                <a:spcPct val="0"/>
-              </a:spcBef>
-              <a:buNone/>
-              <a:defRPr sz="3200" b="1" kern="1200">
-                <a:solidFill>
-                  <a:srgbClr val="019DD0"/>
-                </a:solidFill>
-                <a:latin typeface="Arial" panose="020B0604020202020204" pitchFamily="34" charset="0"/>
-                <a:ea typeface="+mj-ea"/>
-                <a:cs typeface="Arial" panose="020B0604020202020204" pitchFamily="34" charset="0"/>
-              </a:defRPr>
-            </a:lvl1pPr>
-          </a:lstStyle>
-          <a:p>
-            <a:pPr>
-              <a:lnSpc>
-                <a:spcPct val="100000"/>
-              </a:lnSpc>
-            </a:pPr>
-            <a:r>
-              <a:rPr lang="en-US" sz="2000" b="0" dirty="0" smtClean="0">
-                <a:solidFill>
-                  <a:schemeClr val="tx1">
-                    <a:lumMod val="95000"/>
-                    <a:lumOff val="5000"/>
-                  </a:schemeClr>
-                </a:solidFill>
-                <a:ea typeface="Roboto Condensed" pitchFamily="2" charset="0"/>
-              </a:rPr>
-              <a:t>Bạn có thấy sơ đồ được có các vật cản được đánh số không ?</a:t>
-            </a:r>
-          </a:p>
-          <a:p>
-            <a:pPr>
-              <a:lnSpc>
-                <a:spcPct val="100000"/>
-              </a:lnSpc>
-            </a:pPr>
-            <a:r>
-              <a:rPr lang="en-US" sz="2000" b="0" dirty="0" smtClean="0">
-                <a:solidFill>
-                  <a:schemeClr val="tx1">
-                    <a:lumMod val="95000"/>
-                    <a:lumOff val="5000"/>
-                  </a:schemeClr>
-                </a:solidFill>
-                <a:ea typeface="Roboto Condensed" pitchFamily="2" charset="0"/>
-              </a:rPr>
-              <a:t>Mách bạn nha ! Hãy dùng biến.</a:t>
-            </a:r>
-            <a:endParaRPr lang="vi-VN" sz="2000" b="0" dirty="0">
-              <a:solidFill>
-                <a:schemeClr val="tx1">
-                  <a:lumMod val="95000"/>
-                  <a:lumOff val="5000"/>
-                </a:schemeClr>
-              </a:solidFill>
-              <a:ea typeface="Roboto Condensed" pitchFamily="2" charset="0"/>
-            </a:endParaRPr>
-          </a:p>
-        </p:txBody>
-      </p:sp>
-      <p:pic>
-        <p:nvPicPr>
-          <p:cNvPr id="8" name="Picture 7"/>
-          <p:cNvPicPr>
-            <a:picLocks noChangeAspect="1"/>
-          </p:cNvPicPr>
-          <p:nvPr/>
-        </p:nvPicPr>
-        <p:blipFill>
-          <a:blip r:embed="rId3" cstate="print">
-            <a:extLst>
-              <a:ext uri="{28A0092B-C50C-407E-A947-70E740481C1C}">
-                <a14:useLocalDpi xmlns:a14="http://schemas.microsoft.com/office/drawing/2010/main" val="0"/>
-              </a:ext>
-            </a:extLst>
-          </a:blip>
-          <a:stretch>
-            <a:fillRect/>
-          </a:stretch>
-        </p:blipFill>
-        <p:spPr>
-          <a:xfrm rot="19845095">
-            <a:off x="489620" y="1783382"/>
-            <a:ext cx="644227" cy="605477"/>
-          </a:xfrm>
-          <a:prstGeom prst="rect">
-            <a:avLst/>
-          </a:prstGeom>
-        </p:spPr>
-      </p:pic>
-      <p:sp>
-        <p:nvSpPr>
-          <p:cNvPr id="10" name="Title 1"/>
-          <p:cNvSpPr txBox="1">
-            <a:spLocks/>
-          </p:cNvSpPr>
-          <p:nvPr/>
-        </p:nvSpPr>
-        <p:spPr>
-          <a:xfrm>
-            <a:off x="837840" y="3019367"/>
-            <a:ext cx="7573541" cy="797259"/>
-          </a:xfrm>
-          <a:prstGeom prst="rect">
-            <a:avLst/>
-          </a:prstGeom>
-        </p:spPr>
-        <p:txBody>
-          <a:bodyPr/>
-          <a:lstStyle>
-            <a:lvl1pPr algn="l" defTabSz="914400" rtl="0" eaLnBrk="1" latinLnBrk="0" hangingPunct="1">
-              <a:lnSpc>
-                <a:spcPct val="90000"/>
-              </a:lnSpc>
-              <a:spcBef>
-                <a:spcPct val="0"/>
-              </a:spcBef>
-              <a:buNone/>
-              <a:defRPr sz="3200" b="1" kern="1200">
-                <a:solidFill>
-                  <a:srgbClr val="019DD0"/>
-                </a:solidFill>
-                <a:latin typeface="Arial" panose="020B0604020202020204" pitchFamily="34" charset="0"/>
-                <a:ea typeface="+mj-ea"/>
-                <a:cs typeface="Arial" panose="020B0604020202020204" pitchFamily="34" charset="0"/>
-              </a:defRPr>
-            </a:lvl1pPr>
-          </a:lstStyle>
-          <a:p>
-            <a:pPr>
-              <a:lnSpc>
-                <a:spcPct val="100000"/>
-              </a:lnSpc>
-            </a:pPr>
-            <a:r>
-              <a:rPr lang="en-US" sz="2000" b="0" dirty="0" smtClean="0">
-                <a:solidFill>
-                  <a:schemeClr val="tx1">
-                    <a:lumMod val="95000"/>
-                    <a:lumOff val="5000"/>
-                  </a:schemeClr>
-                </a:solidFill>
-                <a:ea typeface="Roboto Condensed" pitchFamily="2" charset="0"/>
-              </a:rPr>
-              <a:t>Lúc đầu biến position = 0. Khi gặp vật cản đầu tiên thì postion thay đổi giá trị = 1. Nếu position = 1 thì cho rẻ Phải</a:t>
-            </a:r>
-            <a:endParaRPr lang="en-US" sz="2000" b="0" dirty="0" smtClean="0">
-              <a:solidFill>
-                <a:schemeClr val="tx1">
-                  <a:lumMod val="95000"/>
-                  <a:lumOff val="5000"/>
-                </a:schemeClr>
-              </a:solidFill>
-              <a:ea typeface="Roboto Condensed" pitchFamily="2" charset="0"/>
-            </a:endParaRPr>
-          </a:p>
-        </p:txBody>
-      </p:sp>
-      <p:sp>
-        <p:nvSpPr>
-          <p:cNvPr id="11" name="Rounded Rectangle 10"/>
-          <p:cNvSpPr/>
-          <p:nvPr/>
-        </p:nvSpPr>
-        <p:spPr>
-          <a:xfrm>
-            <a:off x="675861" y="2900097"/>
-            <a:ext cx="7735520" cy="916529"/>
-          </a:xfrm>
-          <a:prstGeom prst="roundRect">
-            <a:avLst/>
-          </a:prstGeom>
-          <a:noFill/>
-          <a:ln>
-            <a:solidFill>
-              <a:srgbClr val="CD0065"/>
-            </a:solidFill>
-            <a:prstDash val="dash"/>
-          </a:ln>
-        </p:spPr>
-        <p:style>
-          <a:lnRef idx="2">
-            <a:schemeClr val="accent1">
-              <a:shade val="50000"/>
-            </a:schemeClr>
-          </a:lnRef>
-          <a:fillRef idx="1">
-            <a:schemeClr val="accent1"/>
-          </a:fillRef>
-          <a:effectRef idx="0">
-            <a:schemeClr val="accent1"/>
-          </a:effectRef>
-          <a:fontRef idx="minor">
-            <a:schemeClr val="lt1"/>
-          </a:fontRef>
-        </p:style>
-        <p:txBody>
-          <a:bodyPr rtlCol="0" anchor="ctr"/>
-          <a:lstStyle/>
-          <a:p>
-            <a:pPr algn="ctr"/>
-            <a:endParaRPr lang="en-US"/>
-          </a:p>
-        </p:txBody>
-      </p:sp>
-      <p:sp>
-        <p:nvSpPr>
-          <p:cNvPr id="12" name="Title 1"/>
-          <p:cNvSpPr txBox="1">
-            <a:spLocks/>
-          </p:cNvSpPr>
-          <p:nvPr/>
-        </p:nvSpPr>
-        <p:spPr>
-          <a:xfrm>
-            <a:off x="1098980" y="4246270"/>
-            <a:ext cx="7312402" cy="564270"/>
-          </a:xfrm>
-          <a:prstGeom prst="rect">
-            <a:avLst/>
-          </a:prstGeom>
-        </p:spPr>
-        <p:txBody>
-          <a:bodyPr/>
-          <a:lstStyle>
-            <a:lvl1pPr algn="l" defTabSz="914400" rtl="0" eaLnBrk="1" latinLnBrk="0" hangingPunct="1">
-              <a:lnSpc>
-                <a:spcPct val="90000"/>
-              </a:lnSpc>
-              <a:spcBef>
-                <a:spcPct val="0"/>
-              </a:spcBef>
-              <a:buNone/>
-              <a:defRPr sz="3200" b="1" kern="1200">
-                <a:solidFill>
-                  <a:srgbClr val="019DD0"/>
-                </a:solidFill>
-                <a:latin typeface="Arial" panose="020B0604020202020204" pitchFamily="34" charset="0"/>
-                <a:ea typeface="+mj-ea"/>
-                <a:cs typeface="Arial" panose="020B0604020202020204" pitchFamily="34" charset="0"/>
-              </a:defRPr>
-            </a:lvl1pPr>
-          </a:lstStyle>
-          <a:p>
-            <a:pPr>
-              <a:lnSpc>
-                <a:spcPct val="100000"/>
-              </a:lnSpc>
-            </a:pPr>
-            <a:r>
-              <a:rPr lang="en-US" sz="2000" b="0" dirty="0" smtClean="0">
-                <a:solidFill>
-                  <a:schemeClr val="tx1">
-                    <a:lumMod val="95000"/>
-                    <a:lumOff val="5000"/>
-                  </a:schemeClr>
-                </a:solidFill>
-                <a:ea typeface="Roboto Condensed" pitchFamily="2" charset="0"/>
-              </a:rPr>
-              <a:t>Bạn tự biết phải làm gì tiếp theo rồi đúng không ?</a:t>
-            </a:r>
-            <a:endParaRPr lang="vi-VN" sz="2000" b="0" dirty="0">
-              <a:solidFill>
-                <a:schemeClr val="tx1">
-                  <a:lumMod val="95000"/>
-                  <a:lumOff val="5000"/>
-                </a:schemeClr>
-              </a:solidFill>
-              <a:ea typeface="Roboto Condensed" pitchFamily="2" charset="0"/>
-            </a:endParaRPr>
-          </a:p>
-        </p:txBody>
-      </p:sp>
-      <p:sp>
-        <p:nvSpPr>
-          <p:cNvPr id="13" name="TextBox 12"/>
-          <p:cNvSpPr txBox="1"/>
-          <p:nvPr/>
-        </p:nvSpPr>
-        <p:spPr>
-          <a:xfrm>
-            <a:off x="1098980" y="5206003"/>
-            <a:ext cx="5403237" cy="461665"/>
-          </a:xfrm>
-          <a:prstGeom prst="rect">
-            <a:avLst/>
-          </a:prstGeom>
-          <a:noFill/>
-        </p:spPr>
-        <p:txBody>
-          <a:bodyPr wrap="square" rtlCol="0">
-            <a:spAutoFit/>
-          </a:bodyPr>
-          <a:lstStyle/>
-          <a:p>
-            <a:r>
-              <a:rPr lang="en-US" sz="2400" b="1" dirty="0" smtClean="0">
-                <a:solidFill>
-                  <a:srgbClr val="EC5F77"/>
-                </a:solidFill>
-                <a:latin typeface="UTM Helve" panose="02040603050506020204" pitchFamily="18" charset="0"/>
-                <a:ea typeface="Roboto" pitchFamily="2" charset="0"/>
-              </a:rPr>
-              <a:t>Nào ! Giải Cứu Công Chúa Thôi !!!</a:t>
-            </a:r>
-            <a:endParaRPr lang="en-US" sz="2400" b="1" dirty="0">
-              <a:solidFill>
-                <a:srgbClr val="EC5F77"/>
-              </a:solidFill>
-              <a:latin typeface="UTM Helve" panose="02040603050506020204" pitchFamily="18" charset="0"/>
-              <a:ea typeface="Roboto" pitchFamily="2" charset="0"/>
-            </a:endParaRPr>
-          </a:p>
-        </p:txBody>
-      </p:sp>
-    </p:spTree>
-    <p:extLst>
-      <p:ext uri="{BB962C8B-B14F-4D97-AF65-F5344CB8AC3E}">
-        <p14:creationId xmlns:p14="http://schemas.microsoft.com/office/powerpoint/2010/main" val="1656838343"/>
-      </p:ext>
-    </p:extLst>
-  </p:cSld>
-  <p:clrMapOvr>
-    <a:masterClrMapping/>
-  </p:clrMapOvr>
+  <p:timing>
+    <p:tnLst>
+      <p:par>
+        <p:cTn id="1" dur="indefinite" restart="never" nodeType="tmRoot"/>
+      </p:par>
+    </p:tnLst>
+  </p:timing>
 </p:sld>
 </file>
 
@@ -3460,15 +2882,6 @@
               </a:rPr>
               <a:t>Là bộ phận cảm biến siêu âm được gắn vào phần đầu của xe robot zoom:bit, nhìn như 2 con mắt nhô ra.</a:t>
             </a:r>
-            <a:endParaRPr lang="en-US" sz="2000" b="0" dirty="0" smtClean="0">
-              <a:solidFill>
-                <a:schemeClr val="tx1">
-                  <a:lumMod val="95000"/>
-                  <a:lumOff val="5000"/>
-                </a:schemeClr>
-              </a:solidFill>
-              <a:ea typeface="Roboto Condensed" pitchFamily="2" charset="0"/>
-            </a:endParaRPr>
           </a:p>
         </p:txBody>
       </p:sp>
@@ -3598,15 +3011,6 @@
               </a:rPr>
               <a:t>Cảm biến siêu âm được kết nối với bo mạch reka:bit và chúng ta có thể sử dụng micro:bit để tiếp cận giá trị mà cảm biến này thu nhận được.</a:t>
             </a:r>
-            <a:endParaRPr lang="en-US" sz="2000" b="0" dirty="0" smtClean="0">
-              <a:solidFill>
-                <a:schemeClr val="tx1">
-                  <a:lumMod val="95000"/>
-                  <a:lumOff val="5000"/>
-                </a:schemeClr>
-              </a:solidFill>
-              <a:ea typeface="Roboto Condensed" pitchFamily="2" charset="0"/>
-            </a:endParaRPr>
           </a:p>
         </p:txBody>
       </p:sp>
@@ -5090,17 +4494,7 @@
                 <a:latin typeface="UTM Helve" panose="02040603050506020204" pitchFamily="18" charset="0"/>
                 <a:ea typeface="Roboto" pitchFamily="2" charset="0"/>
               </a:rPr>
-              <a:t>.2 </a:t>
-            </a:r>
-            <a:r>
-              <a:rPr lang="en-US" sz="2400" b="1" dirty="0" smtClean="0">
-                <a:solidFill>
-                  <a:srgbClr val="EC5F77"/>
-                </a:solidFill>
-                <a:latin typeface="UTM Helve" panose="02040603050506020204" pitchFamily="18" charset="0"/>
-                <a:ea typeface="Roboto" pitchFamily="2" charset="0"/>
-              </a:rPr>
-              <a:t>Sử dụng </a:t>
+              <a:t>.2 Sử dụng </a:t>
             </a:r>
             <a:r>
               <a:rPr lang="vi-VN" sz="2400" b="1" dirty="0" smtClean="0">
@@ -5188,19 +4582,7 @@
                 </a:solidFill>
                 <a:ea typeface="Roboto Condensed" pitchFamily="2" charset="0"/>
               </a:rPr>
-              <a:t>Để </a:t>
-            </a:r>
-            <a:r>
-              <a:rPr lang="vi-VN" sz="1800" b="0" i="1" dirty="0" smtClean="0">
-                <a:solidFill>
-                  <a:schemeClr val="tx1">
-                    <a:lumMod val="95000"/>
-                    <a:lumOff val="5000"/>
-                  </a:schemeClr>
-                </a:solidFill>
-                <a:ea typeface="Roboto Condensed" pitchFamily="2" charset="0"/>
-              </a:rPr>
-              <a:t>nhận được khoảng cách mà cảm biến Ultrasonic thu thập được, </a:t>
+              <a:t>Để nhận được khoảng cách mà cảm biến Ultrasonic thu thập được, </a:t>
             </a:r>
             <a:r>
               <a:rPr lang="vi-VN" sz="1800" b="0" i="1" dirty="0">
@@ -5918,17 +5300,7 @@
                 <a:latin typeface="UTM Helve" panose="02040603050506020204" pitchFamily="18" charset="0"/>
                 <a:ea typeface="Roboto" pitchFamily="2" charset="0"/>
               </a:rPr>
-              <a:t>.2 </a:t>
-            </a:r>
-            <a:r>
-              <a:rPr lang="en-US" sz="2400" b="1" dirty="0" smtClean="0">
-                <a:solidFill>
-                  <a:srgbClr val="EC5F77"/>
-                </a:solidFill>
-                <a:latin typeface="UTM Helve" panose="02040603050506020204" pitchFamily="18" charset="0"/>
-                <a:ea typeface="Roboto" pitchFamily="2" charset="0"/>
-              </a:rPr>
-              <a:t>Sử dụng </a:t>
+              <a:t>.2 Sử dụng </a:t>
             </a:r>
             <a:r>
               <a:rPr lang="vi-VN" sz="2400" b="1" dirty="0" smtClean="0">
@@ -6154,15 +5526,6 @@
               </a:rPr>
               <a:t>để đưa ra các lựa chọn tương ứng với khoảng cách mà cảm biến đó được.</a:t>
             </a:r>
-            <a:endParaRPr lang="en-US" sz="2000" b="0" dirty="0" smtClean="0">
-              <a:solidFill>
-                <a:schemeClr val="tx1">
-                  <a:lumMod val="95000"/>
-                  <a:lumOff val="5000"/>
-                </a:schemeClr>
-              </a:solidFill>
-              <a:ea typeface="Roboto Condensed" pitchFamily="2" charset="0"/>
-            </a:endParaRPr>
           </a:p>
         </p:txBody>
       </p:sp>
@@ -6222,15 +5585,6 @@
               </a:rPr>
               <a:t>Ví dụ: Nếu khoảng cách &lt; 20 (cm) thì cho xe dừng lại, rồi chạy lùi.</a:t>
             </a:r>
-            <a:endParaRPr lang="en-US" sz="2000" b="0" dirty="0" smtClean="0">
-              <a:solidFill>
-                <a:schemeClr val="tx1">
-                  <a:lumMod val="95000"/>
-                  <a:lumOff val="5000"/>
-                </a:schemeClr>
-              </a:solidFill>
-              <a:ea typeface="Roboto Condensed" pitchFamily="2" charset="0"/>
-            </a:endParaRPr>
           </a:p>
         </p:txBody>
       </p:sp>
@@ -6405,870 +5759,6 @@
               <a:rPr lang="en-US" smtClean="0"/>
               <a:pPr/>
               <a:t>6</a:t>
-            </a:fld>
-            <a:endParaRPr lang="en-US"/>
-          </a:p>
-        </p:txBody>
-      </p:sp>
-      <p:sp>
-        <p:nvSpPr>
-          <p:cNvPr id="3" name="Title 1"/>
-          <p:cNvSpPr txBox="1">
-            <a:spLocks/>
-          </p:cNvSpPr>
-          <p:nvPr/>
-        </p:nvSpPr>
-        <p:spPr>
-          <a:xfrm>
-            <a:off x="709053" y="4862785"/>
-            <a:ext cx="5644503" cy="508846"/>
-          </a:xfrm>
-          <a:prstGeom prst="rect">
-            <a:avLst/>
-          </a:prstGeom>
-        </p:spPr>
-        <p:txBody>
-          <a:bodyPr/>
-          <a:lstStyle>
-            <a:lvl1pPr algn="l" defTabSz="914400" rtl="0" eaLnBrk="1" latinLnBrk="0" hangingPunct="1">
-              <a:lnSpc>
-                <a:spcPct val="90000"/>
-              </a:lnSpc>
-              <a:spcBef>
-                <a:spcPct val="0"/>
-              </a:spcBef>
-              <a:buNone/>
-              <a:defRPr sz="3200" b="1" kern="1200">
-                <a:solidFill>
-                  <a:srgbClr val="019DD0"/>
-                </a:solidFill>
-                <a:latin typeface="Arial" panose="020B0604020202020204" pitchFamily="34" charset="0"/>
-                <a:ea typeface="+mj-ea"/>
-                <a:cs typeface="Arial" panose="020B0604020202020204" pitchFamily="34" charset="0"/>
-              </a:defRPr>
-            </a:lvl1pPr>
-          </a:lstStyle>
-          <a:p>
-            <a:pPr>
-              <a:lnSpc>
-                <a:spcPct val="100000"/>
-              </a:lnSpc>
-            </a:pPr>
-            <a:r>
-              <a:rPr lang="en-US" sz="2000" b="0" dirty="0" smtClean="0">
-                <a:solidFill>
-                  <a:schemeClr val="tx1">
-                    <a:lumMod val="95000"/>
-                    <a:lumOff val="5000"/>
-                  </a:schemeClr>
-                </a:solidFill>
-                <a:ea typeface="Roboto Condensed" pitchFamily="2" charset="0"/>
-              </a:rPr>
-              <a:t>Bước 1: Click Download tải file về máy tính</a:t>
-            </a:r>
-          </a:p>
-        </p:txBody>
-      </p:sp>
-      <p:pic>
-        <p:nvPicPr>
-          <p:cNvPr id="4" name="Picture 3"/>
-          <p:cNvPicPr>
-            <a:picLocks noChangeAspect="1"/>
-          </p:cNvPicPr>
-          <p:nvPr/>
-        </p:nvPicPr>
-        <p:blipFill>
-          <a:blip r:embed="rId2"/>
-          <a:stretch>
-            <a:fillRect/>
-          </a:stretch>
-        </p:blipFill>
-        <p:spPr>
-          <a:xfrm>
-            <a:off x="5743928" y="4822111"/>
-            <a:ext cx="2909512" cy="456394"/>
-          </a:xfrm>
-          <a:prstGeom prst="rect">
-            <a:avLst/>
-          </a:prstGeom>
-        </p:spPr>
-      </p:pic>
-      <p:sp>
-        <p:nvSpPr>
-          <p:cNvPr id="5" name="Title 1"/>
-          <p:cNvSpPr txBox="1">
-            <a:spLocks/>
-          </p:cNvSpPr>
-          <p:nvPr/>
-        </p:nvSpPr>
-        <p:spPr>
-          <a:xfrm>
-            <a:off x="709053" y="5412305"/>
-            <a:ext cx="8047836" cy="496573"/>
-          </a:xfrm>
-          <a:prstGeom prst="rect">
-            <a:avLst/>
-          </a:prstGeom>
-        </p:spPr>
-        <p:txBody>
-          <a:bodyPr/>
-          <a:lstStyle>
-            <a:lvl1pPr algn="l" defTabSz="914400" rtl="0" eaLnBrk="1" latinLnBrk="0" hangingPunct="1">
-              <a:lnSpc>
-                <a:spcPct val="90000"/>
-              </a:lnSpc>
-              <a:spcBef>
-                <a:spcPct val="0"/>
-              </a:spcBef>
-              <a:buNone/>
-              <a:defRPr sz="3200" b="1" kern="1200">
-                <a:solidFill>
-                  <a:srgbClr val="019DD0"/>
-                </a:solidFill>
-                <a:latin typeface="Arial" panose="020B0604020202020204" pitchFamily="34" charset="0"/>
-                <a:ea typeface="+mj-ea"/>
-                <a:cs typeface="Arial" panose="020B0604020202020204" pitchFamily="34" charset="0"/>
-              </a:defRPr>
-            </a:lvl1pPr>
-          </a:lstStyle>
-          <a:p>
-            <a:pPr>
-              <a:lnSpc>
-                <a:spcPct val="100000"/>
-              </a:lnSpc>
-            </a:pPr>
-            <a:r>
-              <a:rPr lang="en-US" sz="2000" b="0" dirty="0" smtClean="0">
-                <a:solidFill>
-                  <a:schemeClr val="tx1">
-                    <a:lumMod val="95000"/>
-                    <a:lumOff val="5000"/>
-                  </a:schemeClr>
-                </a:solidFill>
-                <a:ea typeface="Roboto Condensed" pitchFamily="2" charset="0"/>
-              </a:rPr>
-              <a:t>Bước 2: Gắn đầu USB vào máy tính, đầu micro USB vào micro:bit </a:t>
-            </a:r>
-          </a:p>
-        </p:txBody>
-      </p:sp>
-      <p:sp>
-        <p:nvSpPr>
-          <p:cNvPr id="8" name="TextBox 7"/>
-          <p:cNvSpPr txBox="1"/>
-          <p:nvPr/>
-        </p:nvSpPr>
-        <p:spPr>
-          <a:xfrm>
-            <a:off x="1265305" y="1364739"/>
-            <a:ext cx="5649845" cy="461665"/>
-          </a:xfrm>
-          <a:prstGeom prst="rect">
-            <a:avLst/>
-          </a:prstGeom>
-          <a:noFill/>
-        </p:spPr>
-        <p:txBody>
-          <a:bodyPr wrap="square" rtlCol="0">
-            <a:spAutoFit/>
-          </a:bodyPr>
-          <a:lstStyle/>
-          <a:p>
-            <a:r>
-              <a:rPr lang="en-US" sz="2400" b="1" dirty="0" smtClean="0">
-                <a:solidFill>
-                  <a:schemeClr val="tx1">
-                    <a:lumMod val="85000"/>
-                    <a:lumOff val="15000"/>
-                  </a:schemeClr>
-                </a:solidFill>
-                <a:latin typeface="UTM Helve" panose="02040603050506020204" pitchFamily="18" charset="0"/>
-                <a:ea typeface="Roboto" pitchFamily="2" charset="0"/>
-              </a:rPr>
-              <a:t>Đưa chương trình vào micro:bit</a:t>
-            </a:r>
-            <a:endParaRPr lang="en-US" sz="2400" b="1" dirty="0">
-              <a:solidFill>
-                <a:schemeClr val="tx1">
-                  <a:lumMod val="85000"/>
-                  <a:lumOff val="15000"/>
-                </a:schemeClr>
-              </a:solidFill>
-              <a:latin typeface="UTM Helve" panose="02040603050506020204" pitchFamily="18" charset="0"/>
-              <a:ea typeface="Roboto" pitchFamily="2" charset="0"/>
-            </a:endParaRPr>
-          </a:p>
-        </p:txBody>
-      </p:sp>
-      <p:pic>
-        <p:nvPicPr>
-          <p:cNvPr id="9" name="Picture 8"/>
-          <p:cNvPicPr>
-            <a:picLocks noChangeAspect="1"/>
-          </p:cNvPicPr>
-          <p:nvPr/>
-        </p:nvPicPr>
-        <p:blipFill>
-          <a:blip r:embed="rId3">
-            <a:extLst>
-              <a:ext uri="{28A0092B-C50C-407E-A947-70E740481C1C}">
-                <a14:useLocalDpi xmlns:a14="http://schemas.microsoft.com/office/drawing/2010/main" val="0"/>
-              </a:ext>
-            </a:extLst>
-          </a:blip>
-          <a:stretch>
-            <a:fillRect/>
-          </a:stretch>
-        </p:blipFill>
-        <p:spPr>
-          <a:xfrm>
-            <a:off x="709053" y="1437696"/>
-            <a:ext cx="466725" cy="409575"/>
-          </a:xfrm>
-          <a:prstGeom prst="rect">
-            <a:avLst/>
-          </a:prstGeom>
-        </p:spPr>
-      </p:pic>
-      <p:pic>
-        <p:nvPicPr>
-          <p:cNvPr id="11" name="Picture 10"/>
-          <p:cNvPicPr>
-            <a:picLocks noChangeAspect="1"/>
-          </p:cNvPicPr>
-          <p:nvPr/>
-        </p:nvPicPr>
-        <p:blipFill rotWithShape="1">
-          <a:blip r:embed="rId4"/>
-          <a:srcRect t="9567"/>
-          <a:stretch/>
-        </p:blipFill>
-        <p:spPr>
-          <a:xfrm>
-            <a:off x="1477989" y="1992477"/>
-            <a:ext cx="6441059" cy="2452204"/>
-          </a:xfrm>
-          <a:prstGeom prst="rect">
-            <a:avLst/>
-          </a:prstGeom>
-        </p:spPr>
-      </p:pic>
-      <p:sp>
-        <p:nvSpPr>
-          <p:cNvPr id="12" name="Title 1"/>
-          <p:cNvSpPr txBox="1">
-            <a:spLocks/>
-          </p:cNvSpPr>
-          <p:nvPr/>
-        </p:nvSpPr>
-        <p:spPr>
-          <a:xfrm>
-            <a:off x="709053" y="5983805"/>
-            <a:ext cx="8047836" cy="496573"/>
-          </a:xfrm>
-          <a:prstGeom prst="rect">
-            <a:avLst/>
-          </a:prstGeom>
-        </p:spPr>
-        <p:txBody>
-          <a:bodyPr/>
-          <a:lstStyle>
-            <a:lvl1pPr algn="l" defTabSz="914400" rtl="0" eaLnBrk="1" latinLnBrk="0" hangingPunct="1">
-              <a:lnSpc>
-                <a:spcPct val="90000"/>
-              </a:lnSpc>
-              <a:spcBef>
-                <a:spcPct val="0"/>
-              </a:spcBef>
-              <a:buNone/>
-              <a:defRPr sz="3200" b="1" kern="1200">
-                <a:solidFill>
-                  <a:srgbClr val="019DD0"/>
-                </a:solidFill>
-                <a:latin typeface="Arial" panose="020B0604020202020204" pitchFamily="34" charset="0"/>
-                <a:ea typeface="+mj-ea"/>
-                <a:cs typeface="Arial" panose="020B0604020202020204" pitchFamily="34" charset="0"/>
-              </a:defRPr>
-            </a:lvl1pPr>
-          </a:lstStyle>
-          <a:p>
-            <a:pPr>
-              <a:lnSpc>
-                <a:spcPct val="100000"/>
-              </a:lnSpc>
-            </a:pPr>
-            <a:r>
-              <a:rPr lang="en-US" sz="2000" b="0" dirty="0" smtClean="0">
-                <a:solidFill>
-                  <a:schemeClr val="tx1">
-                    <a:lumMod val="95000"/>
-                    <a:lumOff val="5000"/>
-                  </a:schemeClr>
-                </a:solidFill>
-                <a:ea typeface="Roboto Condensed" pitchFamily="2" charset="0"/>
-              </a:rPr>
-              <a:t>Bước 3: Copy file .hex vào micro:bit </a:t>
-            </a:r>
-          </a:p>
-        </p:txBody>
-      </p:sp>
-      <p:sp>
-        <p:nvSpPr>
-          <p:cNvPr id="13" name="Rectangle 12"/>
-          <p:cNvSpPr/>
-          <p:nvPr/>
-        </p:nvSpPr>
-        <p:spPr>
-          <a:xfrm>
-            <a:off x="301925" y="1051379"/>
-            <a:ext cx="8454964" cy="27432"/>
-          </a:xfrm>
-          <a:prstGeom prst="rect">
-            <a:avLst/>
-          </a:prstGeom>
-          <a:gradFill flip="none" rotWithShape="1">
-            <a:gsLst>
-              <a:gs pos="15000">
-                <a:srgbClr val="EC5F77"/>
-              </a:gs>
-              <a:gs pos="100000">
-                <a:srgbClr val="A8589E"/>
-              </a:gs>
-            </a:gsLst>
-            <a:lin ang="0" scaled="1"/>
-            <a:tileRect/>
-          </a:gradFill>
-          <a:ln>
-            <a:noFill/>
-          </a:ln>
-        </p:spPr>
-        <p:style>
-          <a:lnRef idx="2">
-            <a:schemeClr val="accent1">
-              <a:shade val="50000"/>
-            </a:schemeClr>
-          </a:lnRef>
-          <a:fillRef idx="1">
-            <a:schemeClr val="accent1"/>
-          </a:fillRef>
-          <a:effectRef idx="0">
-            <a:schemeClr val="accent1"/>
-          </a:effectRef>
-          <a:fontRef idx="minor">
-            <a:schemeClr val="lt1"/>
-          </a:fontRef>
-        </p:style>
-        <p:txBody>
-          <a:bodyPr rtlCol="0" anchor="ctr"/>
-          <a:lstStyle/>
-          <a:p>
-            <a:pPr algn="ctr"/>
-            <a:endParaRPr lang="en-US"/>
-          </a:p>
-        </p:txBody>
-      </p:sp>
-      <p:sp>
-        <p:nvSpPr>
-          <p:cNvPr id="14" name="TextBox 13"/>
-          <p:cNvSpPr txBox="1"/>
-          <p:nvPr/>
-        </p:nvSpPr>
-        <p:spPr>
-          <a:xfrm>
-            <a:off x="248815" y="546584"/>
-            <a:ext cx="7374995" cy="461665"/>
-          </a:xfrm>
-          <a:prstGeom prst="rect">
-            <a:avLst/>
-          </a:prstGeom>
-          <a:noFill/>
-        </p:spPr>
-        <p:txBody>
-          <a:bodyPr wrap="square" rtlCol="0">
-            <a:spAutoFit/>
-          </a:bodyPr>
-          <a:lstStyle/>
-          <a:p>
-            <a:r>
-              <a:rPr lang="en-US" sz="2400" b="1" dirty="0" smtClean="0">
-                <a:solidFill>
-                  <a:srgbClr val="EC5F77"/>
-                </a:solidFill>
-                <a:latin typeface="UTM Helve" panose="02040603050506020204" pitchFamily="18" charset="0"/>
-                <a:ea typeface="Roboto" pitchFamily="2" charset="0"/>
-              </a:rPr>
-              <a:t>13.2 Sử dụng Servor</a:t>
-            </a:r>
-            <a:endParaRPr lang="en-US" sz="2400" b="1" dirty="0">
-              <a:solidFill>
-                <a:srgbClr val="EC5F77"/>
-              </a:solidFill>
-              <a:latin typeface="UTM Helve" panose="02040603050506020204" pitchFamily="18" charset="0"/>
-              <a:ea typeface="Roboto" pitchFamily="2" charset="0"/>
-            </a:endParaRPr>
-          </a:p>
-        </p:txBody>
-      </p:sp>
-    </p:spTree>
-    <p:extLst>
-      <p:ext uri="{BB962C8B-B14F-4D97-AF65-F5344CB8AC3E}">
-        <p14:creationId xmlns:p14="http://schemas.microsoft.com/office/powerpoint/2010/main" val="3773185111"/>
-      </p:ext>
-    </p:extLst>
-  </p:cSld>
-  <p:clrMapOvr>
-    <a:masterClrMapping/>
-  </p:clrMapOvr>
-</p:sld>
-</file>
-
-<file path=ppt/slides/slide7.xml><?xml version="1.0" encoding="utf-8"?>
-<p:sld xmlns:a="http://schemas.openxmlformats.org/drawingml/2006/main" xmlns:r="http://schemas.openxmlformats.org/officeDocument/2006/relationships" xmlns:p="http://schemas.openxmlformats.org/presentationml/2006/main">
-  <p:cSld>
-    <p:spTree>
-      <p:nvGrpSpPr>
-        <p:cNvPr id="1" name=""/>
-        <p:cNvGrpSpPr/>
-        <p:nvPr/>
-      </p:nvGrpSpPr>
-      <p:grpSpPr>
-        <a:xfrm>
-          <a:off x="0" y="0"/>
-          <a:ext cx="0" cy="0"/>
-          <a:chOff x="0" y="0"/>
-          <a:chExt cx="0" cy="0"/>
-        </a:xfrm>
-      </p:grpSpPr>
-      <p:sp>
-        <p:nvSpPr>
-          <p:cNvPr id="2" name="Slide Number Placeholder 1"/>
-          <p:cNvSpPr>
-            <a:spLocks noGrp="1"/>
-          </p:cNvSpPr>
-          <p:nvPr>
-            <p:ph type="sldNum" sz="quarter" idx="12"/>
-          </p:nvPr>
-        </p:nvSpPr>
-        <p:spPr/>
-        <p:txBody>
-          <a:bodyPr/>
-          <a:lstStyle/>
-          <a:p>
-            <a:fld id="{7D9EC917-02A2-4152-9EE3-DFE2775A77C7}" type="slidenum">
-              <a:rPr lang="en-US" smtClean="0"/>
-              <a:pPr/>
-              <a:t>7</a:t>
-            </a:fld>
-            <a:endParaRPr lang="en-US"/>
-          </a:p>
-        </p:txBody>
-      </p:sp>
-      <p:sp>
-        <p:nvSpPr>
-          <p:cNvPr id="5" name="TextBox 4"/>
-          <p:cNvSpPr txBox="1"/>
-          <p:nvPr/>
-        </p:nvSpPr>
-        <p:spPr>
-          <a:xfrm>
-            <a:off x="1265305" y="1364739"/>
-            <a:ext cx="5649845" cy="461665"/>
-          </a:xfrm>
-          <a:prstGeom prst="rect">
-            <a:avLst/>
-          </a:prstGeom>
-          <a:noFill/>
-        </p:spPr>
-        <p:txBody>
-          <a:bodyPr wrap="square" rtlCol="0">
-            <a:spAutoFit/>
-          </a:bodyPr>
-          <a:lstStyle/>
-          <a:p>
-            <a:r>
-              <a:rPr lang="en-US" sz="2400" b="1" dirty="0" smtClean="0">
-                <a:solidFill>
-                  <a:schemeClr val="tx1">
-                    <a:lumMod val="85000"/>
-                    <a:lumOff val="15000"/>
-                  </a:schemeClr>
-                </a:solidFill>
-                <a:latin typeface="UTM Helve" panose="02040603050506020204" pitchFamily="18" charset="0"/>
-                <a:ea typeface="Roboto" pitchFamily="2" charset="0"/>
-              </a:rPr>
-              <a:t>Giữ an toàn cho micro:bit</a:t>
-            </a:r>
-            <a:endParaRPr lang="en-US" sz="2400" b="1" dirty="0">
-              <a:solidFill>
-                <a:schemeClr val="tx1">
-                  <a:lumMod val="85000"/>
-                  <a:lumOff val="15000"/>
-                </a:schemeClr>
-              </a:solidFill>
-              <a:latin typeface="UTM Helve" panose="02040603050506020204" pitchFamily="18" charset="0"/>
-              <a:ea typeface="Roboto" pitchFamily="2" charset="0"/>
-            </a:endParaRPr>
-          </a:p>
-        </p:txBody>
-      </p:sp>
-      <p:pic>
-        <p:nvPicPr>
-          <p:cNvPr id="6" name="Picture 5"/>
-          <p:cNvPicPr>
-            <a:picLocks noChangeAspect="1"/>
-          </p:cNvPicPr>
-          <p:nvPr/>
-        </p:nvPicPr>
-        <p:blipFill>
-          <a:blip r:embed="rId2">
-            <a:extLst>
-              <a:ext uri="{28A0092B-C50C-407E-A947-70E740481C1C}">
-                <a14:useLocalDpi xmlns:a14="http://schemas.microsoft.com/office/drawing/2010/main" val="0"/>
-              </a:ext>
-            </a:extLst>
-          </a:blip>
-          <a:stretch>
-            <a:fillRect/>
-          </a:stretch>
-        </p:blipFill>
-        <p:spPr>
-          <a:xfrm>
-            <a:off x="709053" y="1437696"/>
-            <a:ext cx="466725" cy="409575"/>
-          </a:xfrm>
-          <a:prstGeom prst="rect">
-            <a:avLst/>
-          </a:prstGeom>
-        </p:spPr>
-      </p:pic>
-      <p:pic>
-        <p:nvPicPr>
-          <p:cNvPr id="7" name="Google Shape;149;p5"/>
-          <p:cNvPicPr preferRelativeResize="0"/>
-          <p:nvPr/>
-        </p:nvPicPr>
-        <p:blipFill rotWithShape="1">
-          <a:blip r:embed="rId3">
-            <a:alphaModFix/>
-          </a:blip>
-          <a:srcRect/>
-          <a:stretch/>
-        </p:blipFill>
-        <p:spPr>
-          <a:xfrm>
-            <a:off x="804690" y="2535250"/>
-            <a:ext cx="3206517" cy="3182856"/>
-          </a:xfrm>
-          <a:prstGeom prst="rect">
-            <a:avLst/>
-          </a:prstGeom>
-          <a:noFill/>
-          <a:ln>
-            <a:noFill/>
-          </a:ln>
-        </p:spPr>
-      </p:pic>
-      <p:sp>
-        <p:nvSpPr>
-          <p:cNvPr id="8" name="Title 1"/>
-          <p:cNvSpPr txBox="1">
-            <a:spLocks/>
-          </p:cNvSpPr>
-          <p:nvPr/>
-        </p:nvSpPr>
-        <p:spPr>
-          <a:xfrm>
-            <a:off x="4261791" y="2490360"/>
-            <a:ext cx="4253559" cy="3227746"/>
-          </a:xfrm>
-          <a:prstGeom prst="rect">
-            <a:avLst/>
-          </a:prstGeom>
-        </p:spPr>
-        <p:txBody>
-          <a:bodyPr/>
-          <a:lstStyle>
-            <a:lvl1pPr algn="l" defTabSz="914400" rtl="0" eaLnBrk="1" latinLnBrk="0" hangingPunct="1">
-              <a:lnSpc>
-                <a:spcPct val="90000"/>
-              </a:lnSpc>
-              <a:spcBef>
-                <a:spcPct val="0"/>
-              </a:spcBef>
-              <a:buNone/>
-              <a:defRPr sz="3200" b="1" kern="1200">
-                <a:solidFill>
-                  <a:srgbClr val="019DD0"/>
-                </a:solidFill>
-                <a:latin typeface="Arial" panose="020B0604020202020204" pitchFamily="34" charset="0"/>
-                <a:ea typeface="+mj-ea"/>
-                <a:cs typeface="Arial" panose="020B0604020202020204" pitchFamily="34" charset="0"/>
-              </a:defRPr>
-            </a:lvl1pPr>
-          </a:lstStyle>
-          <a:p>
-            <a:pPr marL="342900" indent="-342900">
-              <a:lnSpc>
-                <a:spcPct val="100000"/>
-              </a:lnSpc>
-              <a:buFont typeface="Arial" panose="020B0604020202020204" pitchFamily="34" charset="0"/>
-              <a:buChar char="•"/>
-            </a:pPr>
-            <a:r>
-              <a:rPr lang="en-US" sz="2400" b="0" dirty="0">
-                <a:solidFill>
-                  <a:schemeClr val="tx1">
-                    <a:lumMod val="95000"/>
-                    <a:lumOff val="5000"/>
-                  </a:schemeClr>
-                </a:solidFill>
-                <a:ea typeface="Roboto Condensed" pitchFamily="2" charset="0"/>
-              </a:rPr>
-              <a:t>Cầm micro:bit cẩn thận ở các </a:t>
-            </a:r>
-            <a:r>
-              <a:rPr lang="en-US" sz="2400" b="0" dirty="0" smtClean="0">
-                <a:solidFill>
-                  <a:schemeClr val="tx1">
-                    <a:lumMod val="95000"/>
-                    <a:lumOff val="5000"/>
-                  </a:schemeClr>
-                </a:solidFill>
-                <a:ea typeface="Roboto Condensed" pitchFamily="2" charset="0"/>
-              </a:rPr>
-              <a:t>cạnh</a:t>
-            </a:r>
-            <a:br>
-              <a:rPr lang="en-US" sz="2400" b="0" dirty="0" smtClean="0">
-                <a:solidFill>
-                  <a:schemeClr val="tx1">
-                    <a:lumMod val="95000"/>
-                    <a:lumOff val="5000"/>
-                  </a:schemeClr>
-                </a:solidFill>
-                <a:ea typeface="Roboto Condensed" pitchFamily="2" charset="0"/>
-              </a:rPr>
-            </a:br>
-            <a:endParaRPr lang="en-US" sz="2400" b="0" dirty="0" smtClean="0">
-              <a:solidFill>
-                <a:schemeClr val="tx1">
-                  <a:lumMod val="95000"/>
-                  <a:lumOff val="5000"/>
-                </a:schemeClr>
-              </a:solidFill>
-              <a:ea typeface="Roboto Condensed" pitchFamily="2" charset="0"/>
-            </a:endParaRPr>
-          </a:p>
-          <a:p>
-            <a:pPr marL="342900" indent="-342900">
-              <a:lnSpc>
-                <a:spcPct val="100000"/>
-              </a:lnSpc>
-              <a:buFont typeface="Arial" panose="020B0604020202020204" pitchFamily="34" charset="0"/>
-              <a:buChar char="•"/>
-            </a:pPr>
-            <a:r>
-              <a:rPr lang="en-US" sz="2400" b="0" dirty="0" smtClean="0">
-                <a:solidFill>
-                  <a:schemeClr val="tx1">
-                    <a:lumMod val="95000"/>
-                    <a:lumOff val="5000"/>
-                  </a:schemeClr>
-                </a:solidFill>
-                <a:ea typeface="Roboto Condensed" pitchFamily="2" charset="0"/>
-              </a:rPr>
-              <a:t>Tránh chạm vào các bộ phận</a:t>
-            </a:r>
-            <a:br>
-              <a:rPr lang="en-US" sz="2400" b="0" dirty="0" smtClean="0">
-                <a:solidFill>
-                  <a:schemeClr val="tx1">
-                    <a:lumMod val="95000"/>
-                    <a:lumOff val="5000"/>
-                  </a:schemeClr>
-                </a:solidFill>
-                <a:ea typeface="Roboto Condensed" pitchFamily="2" charset="0"/>
-              </a:rPr>
-            </a:br>
-            <a:endParaRPr lang="en-US" sz="2400" b="0" dirty="0" smtClean="0">
-              <a:solidFill>
-                <a:schemeClr val="tx1">
-                  <a:lumMod val="95000"/>
-                  <a:lumOff val="5000"/>
-                </a:schemeClr>
-              </a:solidFill>
-              <a:ea typeface="Roboto Condensed" pitchFamily="2" charset="0"/>
-            </a:endParaRPr>
-          </a:p>
-          <a:p>
-            <a:pPr marL="342900" indent="-342900">
-              <a:lnSpc>
-                <a:spcPct val="100000"/>
-              </a:lnSpc>
-              <a:buFont typeface="Arial" panose="020B0604020202020204" pitchFamily="34" charset="0"/>
-              <a:buChar char="•"/>
-            </a:pPr>
-            <a:r>
-              <a:rPr lang="en-US" sz="2400" b="0" dirty="0" smtClean="0">
-                <a:solidFill>
-                  <a:schemeClr val="tx1">
-                    <a:lumMod val="95000"/>
-                    <a:lumOff val="5000"/>
-                  </a:schemeClr>
-                </a:solidFill>
-                <a:ea typeface="Roboto Condensed" pitchFamily="2" charset="0"/>
-              </a:rPr>
-              <a:t>Tránh xa micro:bit khỏi nước</a:t>
-            </a:r>
-          </a:p>
-        </p:txBody>
-      </p:sp>
-      <p:sp>
-        <p:nvSpPr>
-          <p:cNvPr id="9" name="Rectangle 8"/>
-          <p:cNvSpPr/>
-          <p:nvPr/>
-        </p:nvSpPr>
-        <p:spPr>
-          <a:xfrm>
-            <a:off x="301925" y="1051379"/>
-            <a:ext cx="8454964" cy="27432"/>
-          </a:xfrm>
-          <a:prstGeom prst="rect">
-            <a:avLst/>
-          </a:prstGeom>
-          <a:gradFill flip="none" rotWithShape="1">
-            <a:gsLst>
-              <a:gs pos="15000">
-                <a:srgbClr val="EC5F77"/>
-              </a:gs>
-              <a:gs pos="100000">
-                <a:srgbClr val="A8589E"/>
-              </a:gs>
-            </a:gsLst>
-            <a:lin ang="0" scaled="1"/>
-            <a:tileRect/>
-          </a:gradFill>
-          <a:ln>
-            <a:noFill/>
-          </a:ln>
-        </p:spPr>
-        <p:style>
-          <a:lnRef idx="2">
-            <a:schemeClr val="accent1">
-              <a:shade val="50000"/>
-            </a:schemeClr>
-          </a:lnRef>
-          <a:fillRef idx="1">
-            <a:schemeClr val="accent1"/>
-          </a:fillRef>
-          <a:effectRef idx="0">
-            <a:schemeClr val="accent1"/>
-          </a:effectRef>
-          <a:fontRef idx="minor">
-            <a:schemeClr val="lt1"/>
-          </a:fontRef>
-        </p:style>
-        <p:txBody>
-          <a:bodyPr rtlCol="0" anchor="ctr"/>
-          <a:lstStyle/>
-          <a:p>
-            <a:pPr algn="ctr"/>
-            <a:endParaRPr lang="en-US"/>
-          </a:p>
-        </p:txBody>
-      </p:sp>
-      <p:sp>
-        <p:nvSpPr>
-          <p:cNvPr id="10" name="TextBox 9"/>
-          <p:cNvSpPr txBox="1"/>
-          <p:nvPr/>
-        </p:nvSpPr>
-        <p:spPr>
-          <a:xfrm>
-            <a:off x="248815" y="546584"/>
-            <a:ext cx="7374995" cy="461665"/>
-          </a:xfrm>
-          <a:prstGeom prst="rect">
-            <a:avLst/>
-          </a:prstGeom>
-          <a:noFill/>
-        </p:spPr>
-        <p:txBody>
-          <a:bodyPr wrap="square" rtlCol="0">
-            <a:spAutoFit/>
-          </a:bodyPr>
-          <a:lstStyle/>
-          <a:p>
-            <a:r>
-              <a:rPr lang="en-US" sz="2400" b="1" dirty="0" smtClean="0">
-                <a:solidFill>
-                  <a:srgbClr val="EC5F77"/>
-                </a:solidFill>
-                <a:latin typeface="UTM Helve" panose="02040603050506020204" pitchFamily="18" charset="0"/>
-                <a:ea typeface="Roboto" pitchFamily="2" charset="0"/>
-              </a:rPr>
-              <a:t>13.2 Sử dụng Servor</a:t>
-            </a:r>
-            <a:endParaRPr lang="en-US" sz="2400" b="1" dirty="0">
-              <a:solidFill>
-                <a:srgbClr val="EC5F77"/>
-              </a:solidFill>
-              <a:latin typeface="UTM Helve" panose="02040603050506020204" pitchFamily="18" charset="0"/>
-              <a:ea typeface="Roboto" pitchFamily="2" charset="0"/>
-            </a:endParaRPr>
-          </a:p>
-        </p:txBody>
-      </p:sp>
-    </p:spTree>
-    <p:extLst>
-      <p:ext uri="{BB962C8B-B14F-4D97-AF65-F5344CB8AC3E}">
-        <p14:creationId xmlns:p14="http://schemas.microsoft.com/office/powerpoint/2010/main" val="2800974292"/>
-      </p:ext>
-    </p:extLst>
-  </p:cSld>
-  <p:clrMapOvr>
-    <a:masterClrMapping/>
-  </p:clrMapOvr>
-</p:sld>
-</file>
-
-<file path=ppt/slides/slide8.xml><?xml version="1.0" encoding="utf-8"?>
-<p:sld xmlns:a="http://schemas.openxmlformats.org/drawingml/2006/main" xmlns:r="http://schemas.openxmlformats.org/officeDocument/2006/relationships" xmlns:p="http://schemas.openxmlformats.org/presentationml/2006/main">
-  <p:cSld>
-    <p:spTree>
-      <p:nvGrpSpPr>
-        <p:cNvPr id="1" name=""/>
-        <p:cNvGrpSpPr/>
-        <p:nvPr/>
-      </p:nvGrpSpPr>
-      <p:grpSpPr>
-        <a:xfrm>
-          <a:off x="0" y="0"/>
-          <a:ext cx="0" cy="0"/>
-          <a:chOff x="0" y="0"/>
-          <a:chExt cx="0" cy="0"/>
-        </a:xfrm>
-      </p:grpSpPr>
-      <p:sp>
-        <p:nvSpPr>
-          <p:cNvPr id="2" name="Slide Number Placeholder 1"/>
-          <p:cNvSpPr>
-            <a:spLocks noGrp="1"/>
-          </p:cNvSpPr>
-          <p:nvPr>
-            <p:ph type="sldNum" sz="quarter" idx="12"/>
-          </p:nvPr>
-        </p:nvSpPr>
-        <p:spPr/>
-        <p:txBody>
-          <a:bodyPr/>
-          <a:lstStyle/>
-          <a:p>
-            <a:fld id="{7D9EC917-02A2-4152-9EE3-DFE2775A77C7}" type="slidenum">
-              <a:rPr lang="en-US" smtClean="0"/>
-              <a:pPr/>
-              <a:t>8</a:t>
             </a:fld>
             <a:endParaRPr lang="en-US"/>
           </a:p>
@@ -8061,10 +6551,17 @@
   <p:clrMapOvr>
     <a:masterClrMapping/>
   </p:clrMapOvr>
+  <p:timing>
+    <p:tnLst>
+      <p:par>
+        <p:cTn id="1" dur="indefinite" restart="never" nodeType="tmRoot"/>
+      </p:par>
+    </p:tnLst>
+  </p:timing>
 </p:sld>
 </file>
 
-<file path=ppt/slides/slide9.xml><?xml version="1.0" encoding="utf-8"?>
+<file path=ppt/slides/slide7.xml><?xml version="1.0" encoding="utf-8"?>
 <p:sld xmlns:a="http://schemas.openxmlformats.org/drawingml/2006/main" xmlns:r="http://schemas.openxmlformats.org/officeDocument/2006/relationships" xmlns:p="http://schemas.openxmlformats.org/presentationml/2006/main">
   <p:cSld>
     <p:spTree>
@@ -8099,7 +6596,7 @@
             <a:fld id="{7D9EC917-02A2-4152-9EE3-DFE2775A77C7}" type="slidenum">
               <a:rPr lang="en-US" smtClean="0"/>
               <a:pPr/>
-              <a:t>9</a:t>
+              <a:t>7</a:t>
             </a:fld>
             <a:endParaRPr lang="en-US"/>
           </a:p>
@@ -8778,6 +7275,571 @@
     <p:extLst>
       <p:ext uri="{BB962C8B-B14F-4D97-AF65-F5344CB8AC3E}">
         <p14:creationId xmlns:p14="http://schemas.microsoft.com/office/powerpoint/2010/main" val="1007238128"/>
+      </p:ext>
+    </p:extLst>
+  </p:cSld>
+  <p:clrMapOvr>
+    <a:masterClrMapping/>
+  </p:clrMapOvr>
+</p:sld>
+</file>
+
+<file path=ppt/slides/slide8.xml><?xml version="1.0" encoding="utf-8"?>
+<p:sld xmlns:a="http://schemas.openxmlformats.org/drawingml/2006/main" xmlns:r="http://schemas.openxmlformats.org/officeDocument/2006/relationships" xmlns:p="http://schemas.openxmlformats.org/presentationml/2006/main">
+  <p:cSld>
+    <p:spTree>
+      <p:nvGrpSpPr>
+        <p:cNvPr id="1" name=""/>
+        <p:cNvGrpSpPr/>
+        <p:nvPr/>
+      </p:nvGrpSpPr>
+      <p:grpSpPr>
+        <a:xfrm>
+          <a:off x="0" y="0"/>
+          <a:ext cx="0" cy="0"/>
+          <a:chOff x="0" y="0"/>
+          <a:chExt cx="0" cy="0"/>
+        </a:xfrm>
+      </p:grpSpPr>
+      <p:sp>
+        <p:nvSpPr>
+          <p:cNvPr id="2" name="Slide Number Placeholder 1"/>
+          <p:cNvSpPr>
+            <a:spLocks noGrp="1"/>
+          </p:cNvSpPr>
+          <p:nvPr>
+            <p:ph type="sldNum" sz="quarter" idx="12"/>
+          </p:nvPr>
+        </p:nvSpPr>
+        <p:spPr/>
+        <p:txBody>
+          <a:bodyPr/>
+          <a:lstStyle/>
+          <a:p>
+            <a:fld id="{7D9EC917-02A2-4152-9EE3-DFE2775A77C7}" type="slidenum">
+              <a:rPr lang="en-US" smtClean="0"/>
+              <a:pPr/>
+              <a:t>8</a:t>
+            </a:fld>
+            <a:endParaRPr lang="en-US"/>
+          </a:p>
+        </p:txBody>
+      </p:sp>
+      <p:sp>
+        <p:nvSpPr>
+          <p:cNvPr id="3" name="Rectangle 2"/>
+          <p:cNvSpPr/>
+          <p:nvPr/>
+        </p:nvSpPr>
+        <p:spPr>
+          <a:xfrm>
+            <a:off x="301925" y="1051379"/>
+            <a:ext cx="8454964" cy="27432"/>
+          </a:xfrm>
+          <a:prstGeom prst="rect">
+            <a:avLst/>
+          </a:prstGeom>
+          <a:gradFill flip="none" rotWithShape="1">
+            <a:gsLst>
+              <a:gs pos="15000">
+                <a:srgbClr val="EC5F77"/>
+              </a:gs>
+              <a:gs pos="100000">
+                <a:srgbClr val="A8589E"/>
+              </a:gs>
+            </a:gsLst>
+            <a:lin ang="0" scaled="1"/>
+            <a:tileRect/>
+          </a:gradFill>
+          <a:ln>
+            <a:noFill/>
+          </a:ln>
+        </p:spPr>
+        <p:style>
+          <a:lnRef idx="2">
+            <a:schemeClr val="accent1">
+              <a:shade val="50000"/>
+            </a:schemeClr>
+          </a:lnRef>
+          <a:fillRef idx="1">
+            <a:schemeClr val="accent1"/>
+          </a:fillRef>
+          <a:effectRef idx="0">
+            <a:schemeClr val="accent1"/>
+          </a:effectRef>
+          <a:fontRef idx="minor">
+            <a:schemeClr val="lt1"/>
+          </a:fontRef>
+        </p:style>
+        <p:txBody>
+          <a:bodyPr rtlCol="0" anchor="ctr"/>
+          <a:lstStyle/>
+          <a:p>
+            <a:pPr algn="ctr"/>
+            <a:endParaRPr lang="en-US"/>
+          </a:p>
+        </p:txBody>
+      </p:sp>
+      <p:sp>
+        <p:nvSpPr>
+          <p:cNvPr id="4" name="TextBox 3"/>
+          <p:cNvSpPr txBox="1"/>
+          <p:nvPr/>
+        </p:nvSpPr>
+        <p:spPr>
+          <a:xfrm>
+            <a:off x="248815" y="546584"/>
+            <a:ext cx="7374995" cy="461665"/>
+          </a:xfrm>
+          <a:prstGeom prst="rect">
+            <a:avLst/>
+          </a:prstGeom>
+          <a:noFill/>
+        </p:spPr>
+        <p:txBody>
+          <a:bodyPr wrap="square" rtlCol="0">
+            <a:spAutoFit/>
+          </a:bodyPr>
+          <a:lstStyle/>
+          <a:p>
+            <a:r>
+              <a:rPr lang="en-US" sz="2400" b="1" dirty="0" smtClean="0">
+                <a:solidFill>
+                  <a:srgbClr val="EC5F77"/>
+                </a:solidFill>
+                <a:latin typeface="UTM Helve" panose="02040603050506020204" pitchFamily="18" charset="0"/>
+                <a:ea typeface="Roboto" pitchFamily="2" charset="0"/>
+              </a:rPr>
+              <a:t>13.4 Hoạt </a:t>
+            </a:r>
+            <a:r>
+              <a:rPr lang="en-US" sz="2400" b="1" dirty="0">
+                <a:solidFill>
+                  <a:srgbClr val="EC5F77"/>
+                </a:solidFill>
+                <a:latin typeface="UTM Helve" panose="02040603050506020204" pitchFamily="18" charset="0"/>
+                <a:ea typeface="Roboto" pitchFamily="2" charset="0"/>
+              </a:rPr>
+              <a:t>động học viên</a:t>
+            </a:r>
+          </a:p>
+        </p:txBody>
+      </p:sp>
+      <p:sp>
+        <p:nvSpPr>
+          <p:cNvPr id="5" name="TextBox 4"/>
+          <p:cNvSpPr txBox="1"/>
+          <p:nvPr/>
+        </p:nvSpPr>
+        <p:spPr>
+          <a:xfrm>
+            <a:off x="1098980" y="1272143"/>
+            <a:ext cx="5474097" cy="461665"/>
+          </a:xfrm>
+          <a:prstGeom prst="rect">
+            <a:avLst/>
+          </a:prstGeom>
+          <a:noFill/>
+        </p:spPr>
+        <p:txBody>
+          <a:bodyPr wrap="square" rtlCol="0">
+            <a:spAutoFit/>
+          </a:bodyPr>
+          <a:lstStyle/>
+          <a:p>
+            <a:r>
+              <a:rPr lang="en-US" sz="2400" b="1" dirty="0" smtClean="0">
+                <a:solidFill>
+                  <a:schemeClr val="tx1">
+                    <a:lumMod val="85000"/>
+                    <a:lumOff val="15000"/>
+                  </a:schemeClr>
+                </a:solidFill>
+                <a:latin typeface="UTM Helve" panose="02040603050506020204" pitchFamily="18" charset="0"/>
+                <a:ea typeface="Roboto" pitchFamily="2" charset="0"/>
+              </a:rPr>
+              <a:t>Gợi ý với trường hợp tự động</a:t>
+            </a:r>
+            <a:endParaRPr lang="en-US" sz="2400" b="1" dirty="0">
+              <a:solidFill>
+                <a:schemeClr val="tx1">
+                  <a:lumMod val="85000"/>
+                  <a:lumOff val="15000"/>
+                </a:schemeClr>
+              </a:solidFill>
+              <a:latin typeface="UTM Helve" panose="02040603050506020204" pitchFamily="18" charset="0"/>
+              <a:ea typeface="Roboto" pitchFamily="2" charset="0"/>
+            </a:endParaRPr>
+          </a:p>
+        </p:txBody>
+      </p:sp>
+      <p:pic>
+        <p:nvPicPr>
+          <p:cNvPr id="6" name="Picture 5"/>
+          <p:cNvPicPr>
+            <a:picLocks noChangeAspect="1"/>
+          </p:cNvPicPr>
+          <p:nvPr/>
+        </p:nvPicPr>
+        <p:blipFill>
+          <a:blip r:embed="rId2">
+            <a:extLst>
+              <a:ext uri="{28A0092B-C50C-407E-A947-70E740481C1C}">
+                <a14:useLocalDpi xmlns:a14="http://schemas.microsoft.com/office/drawing/2010/main" val="0"/>
+              </a:ext>
+            </a:extLst>
+          </a:blip>
+          <a:stretch>
+            <a:fillRect/>
+          </a:stretch>
+        </p:blipFill>
+        <p:spPr>
+          <a:xfrm>
+            <a:off x="542728" y="1345100"/>
+            <a:ext cx="466725" cy="409575"/>
+          </a:xfrm>
+          <a:prstGeom prst="rect">
+            <a:avLst/>
+          </a:prstGeom>
+        </p:spPr>
+      </p:pic>
+      <p:sp>
+        <p:nvSpPr>
+          <p:cNvPr id="7" name="Title 1"/>
+          <p:cNvSpPr txBox="1">
+            <a:spLocks/>
+          </p:cNvSpPr>
+          <p:nvPr/>
+        </p:nvSpPr>
+        <p:spPr>
+          <a:xfrm>
+            <a:off x="1098980" y="1927140"/>
+            <a:ext cx="7312402" cy="566450"/>
+          </a:xfrm>
+          <a:prstGeom prst="rect">
+            <a:avLst/>
+          </a:prstGeom>
+        </p:spPr>
+        <p:txBody>
+          <a:bodyPr/>
+          <a:lstStyle>
+            <a:lvl1pPr algn="l" defTabSz="914400" rtl="0" eaLnBrk="1" latinLnBrk="0" hangingPunct="1">
+              <a:lnSpc>
+                <a:spcPct val="90000"/>
+              </a:lnSpc>
+              <a:spcBef>
+                <a:spcPct val="0"/>
+              </a:spcBef>
+              <a:buNone/>
+              <a:defRPr sz="3200" b="1" kern="1200">
+                <a:solidFill>
+                  <a:srgbClr val="019DD0"/>
+                </a:solidFill>
+                <a:latin typeface="Arial" panose="020B0604020202020204" pitchFamily="34" charset="0"/>
+                <a:ea typeface="+mj-ea"/>
+                <a:cs typeface="Arial" panose="020B0604020202020204" pitchFamily="34" charset="0"/>
+              </a:defRPr>
+            </a:lvl1pPr>
+          </a:lstStyle>
+          <a:p>
+            <a:pPr>
+              <a:lnSpc>
+                <a:spcPct val="100000"/>
+              </a:lnSpc>
+            </a:pPr>
+            <a:r>
+              <a:rPr lang="en-US" sz="2000" b="0" dirty="0" smtClean="0">
+                <a:solidFill>
+                  <a:schemeClr val="tx1">
+                    <a:lumMod val="95000"/>
+                    <a:lumOff val="5000"/>
+                  </a:schemeClr>
+                </a:solidFill>
+                <a:ea typeface="Roboto Condensed" pitchFamily="2" charset="0"/>
+              </a:rPr>
+              <a:t>Bạn có thấy sơ đồ được có các vật cản được đánh số không ?</a:t>
+            </a:r>
+          </a:p>
+          <a:p>
+            <a:pPr>
+              <a:lnSpc>
+                <a:spcPct val="100000"/>
+              </a:lnSpc>
+            </a:pPr>
+            <a:r>
+              <a:rPr lang="en-US" sz="2000" b="0" dirty="0" smtClean="0">
+                <a:solidFill>
+                  <a:schemeClr val="tx1">
+                    <a:lumMod val="95000"/>
+                    <a:lumOff val="5000"/>
+                  </a:schemeClr>
+                </a:solidFill>
+                <a:ea typeface="Roboto Condensed" pitchFamily="2" charset="0"/>
+              </a:rPr>
+              <a:t>Mách bạn nha ! Hãy dùng biến.</a:t>
+            </a:r>
+            <a:endParaRPr lang="vi-VN" sz="2000" b="0" dirty="0">
+              <a:solidFill>
+                <a:schemeClr val="tx1">
+                  <a:lumMod val="95000"/>
+                  <a:lumOff val="5000"/>
+                </a:schemeClr>
+              </a:solidFill>
+              <a:ea typeface="Roboto Condensed" pitchFamily="2" charset="0"/>
+            </a:endParaRPr>
+          </a:p>
+        </p:txBody>
+      </p:sp>
+      <p:pic>
+        <p:nvPicPr>
+          <p:cNvPr id="8" name="Picture 7"/>
+          <p:cNvPicPr>
+            <a:picLocks noChangeAspect="1"/>
+          </p:cNvPicPr>
+          <p:nvPr/>
+        </p:nvPicPr>
+        <p:blipFill>
+          <a:blip r:embed="rId3" cstate="print">
+            <a:extLst>
+              <a:ext uri="{28A0092B-C50C-407E-A947-70E740481C1C}">
+                <a14:useLocalDpi xmlns:a14="http://schemas.microsoft.com/office/drawing/2010/main" val="0"/>
+              </a:ext>
+            </a:extLst>
+          </a:blip>
+          <a:stretch>
+            <a:fillRect/>
+          </a:stretch>
+        </p:blipFill>
+        <p:spPr>
+          <a:xfrm rot="19845095">
+            <a:off x="489620" y="1783382"/>
+            <a:ext cx="644227" cy="605477"/>
+          </a:xfrm>
+          <a:prstGeom prst="rect">
+            <a:avLst/>
+          </a:prstGeom>
+        </p:spPr>
+      </p:pic>
+      <p:sp>
+        <p:nvSpPr>
+          <p:cNvPr id="10" name="Title 1"/>
+          <p:cNvSpPr txBox="1">
+            <a:spLocks/>
+          </p:cNvSpPr>
+          <p:nvPr/>
+        </p:nvSpPr>
+        <p:spPr>
+          <a:xfrm>
+            <a:off x="837840" y="3019367"/>
+            <a:ext cx="7573541" cy="797259"/>
+          </a:xfrm>
+          <a:prstGeom prst="rect">
+            <a:avLst/>
+          </a:prstGeom>
+        </p:spPr>
+        <p:txBody>
+          <a:bodyPr/>
+          <a:lstStyle>
+            <a:lvl1pPr algn="l" defTabSz="914400" rtl="0" eaLnBrk="1" latinLnBrk="0" hangingPunct="1">
+              <a:lnSpc>
+                <a:spcPct val="90000"/>
+              </a:lnSpc>
+              <a:spcBef>
+                <a:spcPct val="0"/>
+              </a:spcBef>
+              <a:buNone/>
+              <a:defRPr sz="3200" b="1" kern="1200">
+                <a:solidFill>
+                  <a:srgbClr val="019DD0"/>
+                </a:solidFill>
+                <a:latin typeface="Arial" panose="020B0604020202020204" pitchFamily="34" charset="0"/>
+                <a:ea typeface="+mj-ea"/>
+                <a:cs typeface="Arial" panose="020B0604020202020204" pitchFamily="34" charset="0"/>
+              </a:defRPr>
+            </a:lvl1pPr>
+          </a:lstStyle>
+          <a:p>
+            <a:pPr>
+              <a:lnSpc>
+                <a:spcPct val="100000"/>
+              </a:lnSpc>
+            </a:pPr>
+            <a:r>
+              <a:rPr lang="en-US" sz="2000" b="0" dirty="0" smtClean="0">
+                <a:solidFill>
+                  <a:schemeClr val="tx1">
+                    <a:lumMod val="95000"/>
+                    <a:lumOff val="5000"/>
+                  </a:schemeClr>
+                </a:solidFill>
+                <a:ea typeface="Roboto Condensed" pitchFamily="2" charset="0"/>
+              </a:rPr>
+              <a:t>Lúc đầu biến position = 0. Khi gặp vật cản đầu tiên thì postion thay đổi giá trị = 1. Nếu position = 1 thì cho rẻ Phải</a:t>
+            </a:r>
+          </a:p>
+        </p:txBody>
+      </p:sp>
+      <p:sp>
+        <p:nvSpPr>
+          <p:cNvPr id="11" name="Rounded Rectangle 10"/>
+          <p:cNvSpPr/>
+          <p:nvPr/>
+        </p:nvSpPr>
+        <p:spPr>
+          <a:xfrm>
+            <a:off x="675861" y="2900097"/>
+            <a:ext cx="7735520" cy="916529"/>
+          </a:xfrm>
+          <a:prstGeom prst="roundRect">
+            <a:avLst/>
+          </a:prstGeom>
+          <a:noFill/>
+          <a:ln>
+            <a:solidFill>
+              <a:srgbClr val="CD0065"/>
+            </a:solidFill>
+            <a:prstDash val="dash"/>
+          </a:ln>
+        </p:spPr>
+        <p:style>
+          <a:lnRef idx="2">
+            <a:schemeClr val="accent1">
+              <a:shade val="50000"/>
+            </a:schemeClr>
+          </a:lnRef>
+          <a:fillRef idx="1">
+            <a:schemeClr val="accent1"/>
+          </a:fillRef>
+          <a:effectRef idx="0">
+            <a:schemeClr val="accent1"/>
+          </a:effectRef>
+          <a:fontRef idx="minor">
+            <a:schemeClr val="lt1"/>
+          </a:fontRef>
+        </p:style>
+        <p:txBody>
+          <a:bodyPr rtlCol="0" anchor="ctr"/>
+          <a:lstStyle/>
+          <a:p>
+            <a:pPr algn="ctr"/>
+            <a:endParaRPr lang="en-US"/>
+          </a:p>
+        </p:txBody>
+      </p:sp>
+      <p:sp>
+        <p:nvSpPr>
+          <p:cNvPr id="12" name="Title 1"/>
+          <p:cNvSpPr txBox="1">
+            <a:spLocks/>
+          </p:cNvSpPr>
+          <p:nvPr/>
+        </p:nvSpPr>
+        <p:spPr>
+          <a:xfrm>
+            <a:off x="1098980" y="4246270"/>
+            <a:ext cx="7312402" cy="564270"/>
+          </a:xfrm>
+          <a:prstGeom prst="rect">
+            <a:avLst/>
+          </a:prstGeom>
+        </p:spPr>
+        <p:txBody>
+          <a:bodyPr/>
+          <a:lstStyle>
+            <a:lvl1pPr algn="l" defTabSz="914400" rtl="0" eaLnBrk="1" latinLnBrk="0" hangingPunct="1">
+              <a:lnSpc>
+                <a:spcPct val="90000"/>
+              </a:lnSpc>
+              <a:spcBef>
+                <a:spcPct val="0"/>
+              </a:spcBef>
+              <a:buNone/>
+              <a:defRPr sz="3200" b="1" kern="1200">
+                <a:solidFill>
+                  <a:srgbClr val="019DD0"/>
+                </a:solidFill>
+                <a:latin typeface="Arial" panose="020B0604020202020204" pitchFamily="34" charset="0"/>
+                <a:ea typeface="+mj-ea"/>
+                <a:cs typeface="Arial" panose="020B0604020202020204" pitchFamily="34" charset="0"/>
+              </a:defRPr>
+            </a:lvl1pPr>
+          </a:lstStyle>
+          <a:p>
+            <a:pPr>
+              <a:lnSpc>
+                <a:spcPct val="100000"/>
+              </a:lnSpc>
+            </a:pPr>
+            <a:r>
+              <a:rPr lang="en-US" sz="2000" b="0" dirty="0" smtClean="0">
+                <a:solidFill>
+                  <a:schemeClr val="tx1">
+                    <a:lumMod val="95000"/>
+                    <a:lumOff val="5000"/>
+                  </a:schemeClr>
+                </a:solidFill>
+                <a:ea typeface="Roboto Condensed" pitchFamily="2" charset="0"/>
+              </a:rPr>
+              <a:t>Bạn tự biết phải làm gì tiếp theo rồi đúng không ?</a:t>
+            </a:r>
+            <a:endParaRPr lang="vi-VN" sz="2000" b="0" dirty="0">
+              <a:solidFill>
+                <a:schemeClr val="tx1">
+                  <a:lumMod val="95000"/>
+                  <a:lumOff val="5000"/>
+                </a:schemeClr>
+              </a:solidFill>
+              <a:ea typeface="Roboto Condensed" pitchFamily="2" charset="0"/>
+            </a:endParaRPr>
+          </a:p>
+        </p:txBody>
+      </p:sp>
+      <p:sp>
+        <p:nvSpPr>
+          <p:cNvPr id="13" name="TextBox 12"/>
+          <p:cNvSpPr txBox="1"/>
+          <p:nvPr/>
+        </p:nvSpPr>
+        <p:spPr>
+          <a:xfrm>
+            <a:off x="1098980" y="5206003"/>
+            <a:ext cx="5403237" cy="461665"/>
+          </a:xfrm>
+          <a:prstGeom prst="rect">
+            <a:avLst/>
+          </a:prstGeom>
+          <a:noFill/>
+        </p:spPr>
+        <p:txBody>
+          <a:bodyPr wrap="square" rtlCol="0">
+            <a:spAutoFit/>
+          </a:bodyPr>
+          <a:lstStyle/>
+          <a:p>
+            <a:r>
+              <a:rPr lang="en-US" sz="2400" b="1" dirty="0" smtClean="0">
+                <a:solidFill>
+                  <a:srgbClr val="EC5F77"/>
+                </a:solidFill>
+                <a:latin typeface="UTM Helve" panose="02040603050506020204" pitchFamily="18" charset="0"/>
+                <a:ea typeface="Roboto" pitchFamily="2" charset="0"/>
+              </a:rPr>
+              <a:t>Nào ! Giải Cứu Công Chúa Thôi !!!</a:t>
+            </a:r>
+            <a:endParaRPr lang="en-US" sz="2400" b="1" dirty="0">
+              <a:solidFill>
+                <a:srgbClr val="EC5F77"/>
+              </a:solidFill>
+              <a:latin typeface="UTM Helve" panose="02040603050506020204" pitchFamily="18" charset="0"/>
+              <a:ea typeface="Roboto" pitchFamily="2" charset="0"/>
+            </a:endParaRPr>
+          </a:p>
+        </p:txBody>
+      </p:sp>
+    </p:spTree>
+    <p:extLst>
+      <p:ext uri="{BB962C8B-B14F-4D97-AF65-F5344CB8AC3E}">
+        <p14:creationId xmlns:p14="http://schemas.microsoft.com/office/powerpoint/2010/main" val="1656838343"/>
       </p:ext>
     </p:extLst>
   </p:cSld>
